--- a/docs/CoursePolicy.pptx
+++ b/docs/CoursePolicy.pptx
@@ -5,7 +5,7 @@
     <p:sldMasterId id="2147483648" r:id="rId1"/>
   </p:sldMasterIdLst>
   <p:notesMasterIdLst>
-    <p:notesMasterId r:id="rId14"/>
+    <p:notesMasterId r:id="rId15"/>
   </p:notesMasterIdLst>
   <p:sldIdLst>
     <p:sldId id="256" r:id="rId2"/>
@@ -13,13 +13,14 @@
     <p:sldId id="258" r:id="rId4"/>
     <p:sldId id="265" r:id="rId5"/>
     <p:sldId id="259" r:id="rId6"/>
-    <p:sldId id="261" r:id="rId7"/>
-    <p:sldId id="262" r:id="rId8"/>
-    <p:sldId id="266" r:id="rId9"/>
-    <p:sldId id="260" r:id="rId10"/>
-    <p:sldId id="267" r:id="rId11"/>
-    <p:sldId id="263" r:id="rId12"/>
-    <p:sldId id="264" r:id="rId13"/>
+    <p:sldId id="268" r:id="rId7"/>
+    <p:sldId id="261" r:id="rId8"/>
+    <p:sldId id="262" r:id="rId9"/>
+    <p:sldId id="266" r:id="rId10"/>
+    <p:sldId id="260" r:id="rId11"/>
+    <p:sldId id="267" r:id="rId12"/>
+    <p:sldId id="263" r:id="rId13"/>
+    <p:sldId id="264" r:id="rId14"/>
   </p:sldIdLst>
   <p:sldSz cx="9144000" cy="6858000" type="screen4x3"/>
   <p:notesSz cx="6858000" cy="9144000"/>
@@ -128,6 +129,7 @@
             <p14:sldId id="258"/>
             <p14:sldId id="265"/>
             <p14:sldId id="259"/>
+            <p14:sldId id="268"/>
             <p14:sldId id="261"/>
             <p14:sldId id="262"/>
             <p14:sldId id="266"/>
@@ -239,7 +241,7 @@
           <a:p>
             <a:fld id="{89855770-2AA3-43A4-9924-C8197CB04EA0}" type="datetimeFigureOut">
               <a:rPr lang="en-US" smtClean="0"/>
-              <a:t>12/27/2014</a:t>
+              <a:t>1/11/2015</a:t>
             </a:fld>
             <a:endParaRPr lang="en-US"/>
           </a:p>
@@ -572,7 +574,7 @@
           <a:p>
             <a:fld id="{34E5FF70-55B8-4FAD-BCE2-A4D3A44BBAF4}" type="slidenum">
               <a:rPr lang="en-US" smtClean="0"/>
-              <a:t>9</a:t>
+              <a:t>10</a:t>
             </a:fld>
             <a:endParaRPr lang="en-US"/>
           </a:p>
@@ -3694,6 +3696,13 @@
   <p:clrMapOvr>
     <a:masterClrMapping/>
   </p:clrMapOvr>
+  <p:timing>
+    <p:tnLst>
+      <p:par>
+        <p:cTn id="1" dur="indefinite" restart="never" nodeType="tmRoot"/>
+      </p:par>
+    </p:tnLst>
+  </p:timing>
 </p:sld>
 </file>
 
@@ -3750,25 +3759,111 @@
         <p:spPr>
           <a:xfrm>
             <a:off x="457200" y="1600200"/>
-            <a:ext cx="8229600" cy="4800600"/>
+            <a:ext cx="8229600" cy="4756150"/>
           </a:xfrm>
         </p:spPr>
         <p:txBody>
           <a:bodyPr>
-            <a:normAutofit/>
+            <a:normAutofit fontScale="85000" lnSpcReduction="20000"/>
           </a:bodyPr>
           <a:lstStyle/>
           <a:p>
             <a:r>
               <a:rPr lang="en-US" dirty="0" smtClean="0"/>
-              <a:t>If submit after the deadline without granted extension request</a:t>
+              <a:t>Homework</a:t>
             </a:r>
           </a:p>
           <a:p>
             <a:pPr lvl="1"/>
             <a:r>
               <a:rPr lang="en-US" dirty="0" smtClean="0"/>
-              <a:t>15% late penalty will be applied</a:t>
+              <a:t>Everyone will have one chance to ask for extension (extra three days after deadline)</a:t>
+            </a:r>
+          </a:p>
+          <a:p>
+            <a:pPr lvl="1"/>
+            <a:r>
+              <a:rPr lang="en-US" dirty="0" smtClean="0"/>
+              <a:t>Request must be made </a:t>
+            </a:r>
+            <a:r>
+              <a:rPr lang="en-US" b="1" dirty="0" smtClean="0"/>
+              <a:t>before</a:t>
+            </a:r>
+            <a:r>
+              <a:rPr lang="en-US" dirty="0" smtClean="0"/>
+              <a:t> the deadline!</a:t>
+            </a:r>
+          </a:p>
+          <a:p>
+            <a:r>
+              <a:rPr lang="en-US" dirty="0" smtClean="0"/>
+              <a:t>Quizzes</a:t>
+            </a:r>
+            <a:endParaRPr lang="en-US" dirty="0" smtClean="0"/>
+          </a:p>
+          <a:p>
+            <a:pPr lvl="1"/>
+            <a:r>
+              <a:rPr lang="en-US" b="1" dirty="0" smtClean="0"/>
+              <a:t>No</a:t>
+            </a:r>
+            <a:r>
+              <a:rPr lang="en-US" dirty="0" smtClean="0"/>
+              <a:t> make-up </a:t>
+            </a:r>
+            <a:r>
+              <a:rPr lang="en-US" dirty="0" smtClean="0"/>
+              <a:t>quizzes unless </a:t>
+            </a:r>
+            <a:r>
+              <a:rPr lang="en-US" dirty="0" smtClean="0"/>
+              <a:t>under emergency situation</a:t>
+            </a:r>
+          </a:p>
+          <a:p>
+            <a:r>
+              <a:rPr lang="en-US" dirty="0" smtClean="0"/>
+              <a:t>Paper presentation</a:t>
+            </a:r>
+          </a:p>
+          <a:p>
+            <a:pPr lvl="1"/>
+            <a:r>
+              <a:rPr lang="en-US" dirty="0" smtClean="0"/>
+              <a:t>Must be presented on your selected date</a:t>
+            </a:r>
+          </a:p>
+          <a:p>
+            <a:r>
+              <a:rPr lang="en-US" dirty="0"/>
+              <a:t>Course </a:t>
+            </a:r>
+            <a:r>
+              <a:rPr lang="en-US" dirty="0" smtClean="0"/>
+              <a:t>project</a:t>
+            </a:r>
+          </a:p>
+          <a:p>
+            <a:pPr lvl="1"/>
+            <a:r>
+              <a:rPr lang="en-US" dirty="0" smtClean="0"/>
+              <a:t>Proposal due early in the semester (~5</a:t>
+            </a:r>
+            <a:r>
+              <a:rPr lang="en-US" baseline="30000" dirty="0" smtClean="0"/>
+              <a:t>th</a:t>
+            </a:r>
+            <a:r>
+              <a:rPr lang="en-US" dirty="0" smtClean="0"/>
+              <a:t> week, no extension)</a:t>
+            </a:r>
+          </a:p>
+          <a:p>
+            <a:pPr lvl="1"/>
+            <a:r>
+              <a:rPr lang="en-US" dirty="0" smtClean="0"/>
+              <a:t>Final report due before presentation (no extension)</a:t>
             </a:r>
           </a:p>
           <a:p>
@@ -3846,105 +3941,10 @@
           </a:p>
         </p:txBody>
       </p:sp>
-      <p:sp>
-        <p:nvSpPr>
-          <p:cNvPr id="4" name="TextBox 3"/>
-          <p:cNvSpPr txBox="1"/>
-          <p:nvPr/>
-        </p:nvSpPr>
-        <p:spPr>
-          <a:xfrm>
-            <a:off x="3810000" y="4377645"/>
-            <a:ext cx="4572000" cy="954107"/>
-          </a:xfrm>
-          <a:prstGeom prst="rect">
-            <a:avLst/>
-          </a:prstGeom>
-          <a:noFill/>
-        </p:spPr>
-        <p:txBody>
-          <a:bodyPr wrap="square" rtlCol="0">
-            <a:spAutoFit/>
-          </a:bodyPr>
-          <a:lstStyle/>
-          <a:p>
-            <a:r>
-              <a:rPr lang="en-US" sz="2800" b="1" dirty="0" smtClean="0">
-                <a:solidFill>
-                  <a:srgbClr val="FF0000"/>
-                </a:solidFill>
-              </a:rPr>
-              <a:t>Fairness among all the students </a:t>
-            </a:r>
-            <a:r>
-              <a:rPr lang="en-US" sz="2800" b="1" dirty="0">
-                <a:solidFill>
-                  <a:srgbClr val="FF0000"/>
-                </a:solidFill>
-              </a:rPr>
-              <a:t>will be </a:t>
-            </a:r>
-            <a:r>
-              <a:rPr lang="en-US" sz="2800" b="1" dirty="0" smtClean="0">
-                <a:solidFill>
-                  <a:srgbClr val="FF0000"/>
-                </a:solidFill>
-              </a:rPr>
-              <a:t>guaranteed!</a:t>
-            </a:r>
-            <a:endParaRPr lang="en-US" sz="2800" b="1" dirty="0">
-              <a:solidFill>
-                <a:srgbClr val="FF0000"/>
-              </a:solidFill>
-            </a:endParaRPr>
-          </a:p>
-        </p:txBody>
-      </p:sp>
-      <p:pic>
-        <p:nvPicPr>
-          <p:cNvPr id="1026" name="Picture 2" descr="http://www.davenussbaum.com/wp-content/uploads/2012/06/blind-justice.jpg"/>
-          <p:cNvPicPr>
-            <a:picLocks noChangeAspect="1" noChangeArrowheads="1"/>
-          </p:cNvPicPr>
-          <p:nvPr/>
-        </p:nvPicPr>
-        <p:blipFill>
-          <a:blip r:embed="rId2">
-            <a:extLst>
-              <a:ext uri="{28A0092B-C50C-407E-A947-70E740481C1C}">
-                <a14:useLocalDpi xmlns:a14="http://schemas.microsoft.com/office/drawing/2010/main" val="0"/>
-              </a:ext>
-            </a:extLst>
-          </a:blip>
-          <a:srcRect/>
-          <a:stretch>
-            <a:fillRect/>
-          </a:stretch>
-        </p:blipFill>
-        <p:spPr bwMode="auto">
-          <a:xfrm>
-            <a:off x="874190" y="3429000"/>
-            <a:ext cx="2935810" cy="2927350"/>
-          </a:xfrm>
-          <a:prstGeom prst="rect">
-            <a:avLst/>
-          </a:prstGeom>
-          <a:noFill/>
-          <a:extLst>
-            <a:ext uri="{909E8E84-426E-40DD-AFC4-6F175D3DCCD1}">
-              <a14:hiddenFill xmlns:a14="http://schemas.microsoft.com/office/drawing/2010/main">
-                <a:solidFill>
-                  <a:srgbClr val="FFFFFF"/>
-                </a:solidFill>
-              </a14:hiddenFill>
-            </a:ext>
-          </a:extLst>
-        </p:spPr>
-      </p:pic>
     </p:spTree>
     <p:extLst>
       <p:ext uri="{BB962C8B-B14F-4D97-AF65-F5344CB8AC3E}">
-        <p14:creationId xmlns:p14="http://schemas.microsoft.com/office/powerpoint/2010/main" val="371368407"/>
+        <p14:creationId xmlns:p14="http://schemas.microsoft.com/office/powerpoint/2010/main" val="954530267"/>
       </p:ext>
     </p:extLst>
   </p:cSld>
@@ -3995,7 +3995,7 @@
           <a:p>
             <a:r>
               <a:rPr lang="en-US" dirty="0" smtClean="0"/>
-              <a:t>Contact information</a:t>
+              <a:t>Late policy</a:t>
             </a:r>
             <a:endParaRPr lang="en-US" dirty="0"/>
           </a:p>
@@ -4014,143 +4014,29 @@
         <p:spPr>
           <a:xfrm>
             <a:off x="457200" y="1600200"/>
-            <a:ext cx="8229600" cy="4756150"/>
+            <a:ext cx="8229600" cy="4800600"/>
           </a:xfrm>
         </p:spPr>
         <p:txBody>
           <a:bodyPr>
-            <a:normAutofit fontScale="85000" lnSpcReduction="20000"/>
+            <a:normAutofit/>
           </a:bodyPr>
           <a:lstStyle/>
           <a:p>
             <a:r>
               <a:rPr lang="en-US" dirty="0" smtClean="0"/>
-              <a:t>Lecture </a:t>
+              <a:t>If submit after the deadline without granted extension </a:t>
             </a:r>
           </a:p>
           <a:p>
             <a:pPr lvl="1"/>
             <a:r>
               <a:rPr lang="en-US" dirty="0" smtClean="0"/>
-              <a:t>Instructor: </a:t>
-            </a:r>
-            <a:r>
-              <a:rPr lang="en-US" dirty="0" err="1" smtClean="0"/>
-              <a:t>Hongning</a:t>
-            </a:r>
-            <a:r>
-              <a:rPr lang="en-US" dirty="0" smtClean="0"/>
-              <a:t> Wang</a:t>
+              <a:t>15% late penalty will be applied</a:t>
             </a:r>
           </a:p>
           <a:p>
             <a:pPr lvl="1"/>
-            <a:r>
-              <a:rPr lang="en-US" dirty="0" smtClean="0"/>
-              <a:t>Time: Tuesday/Thursday 9:30am to 10:45am</a:t>
-            </a:r>
-          </a:p>
-          <a:p>
-            <a:pPr lvl="1"/>
-            <a:r>
-              <a:rPr lang="en-US" dirty="0" smtClean="0"/>
-              <a:t>Location: </a:t>
-            </a:r>
-            <a:r>
-              <a:rPr lang="en-US" dirty="0"/>
-              <a:t>Rice Hall </a:t>
-            </a:r>
-            <a:r>
-              <a:rPr lang="en-US" dirty="0" smtClean="0"/>
-              <a:t>340</a:t>
-            </a:r>
-          </a:p>
-          <a:p>
-            <a:r>
-              <a:rPr lang="en-US" dirty="0" smtClean="0"/>
-              <a:t>Office hour</a:t>
-            </a:r>
-          </a:p>
-          <a:p>
-            <a:pPr lvl="1"/>
-            <a:r>
-              <a:rPr lang="en-US" dirty="0" smtClean="0"/>
-              <a:t>Instructor’s</a:t>
-            </a:r>
-          </a:p>
-          <a:p>
-            <a:pPr lvl="2"/>
-            <a:r>
-              <a:rPr lang="en-US" dirty="0" smtClean="0"/>
-              <a:t>Time</a:t>
-            </a:r>
-            <a:r>
-              <a:rPr lang="en-US" dirty="0"/>
-              <a:t>: </a:t>
-            </a:r>
-            <a:r>
-              <a:rPr lang="en-US" dirty="0" smtClean="0"/>
-              <a:t>Thursday 11am </a:t>
-            </a:r>
-            <a:r>
-              <a:rPr lang="en-US" dirty="0"/>
-              <a:t>to </a:t>
-            </a:r>
-            <a:r>
-              <a:rPr lang="en-US" dirty="0" smtClean="0"/>
-              <a:t>12pm</a:t>
-            </a:r>
-            <a:endParaRPr lang="en-US" dirty="0"/>
-          </a:p>
-          <a:p>
-            <a:pPr lvl="2"/>
-            <a:r>
-              <a:rPr lang="en-US" dirty="0"/>
-              <a:t>Location: </a:t>
-            </a:r>
-            <a:r>
-              <a:rPr lang="en-US" dirty="0" smtClean="0"/>
-              <a:t>Rice Hall 408</a:t>
-            </a:r>
-          </a:p>
-          <a:p>
-            <a:r>
-              <a:rPr lang="en-US" dirty="0" smtClean="0"/>
-              <a:t>Course website</a:t>
-            </a:r>
-          </a:p>
-          <a:p>
-            <a:pPr lvl="1"/>
-            <a:r>
-              <a:rPr lang="en-US" dirty="0"/>
-              <a:t>Website: </a:t>
-            </a:r>
-            <a:r>
-              <a:rPr lang="en-US" dirty="0">
-                <a:hlinkClick r:id="rId2"/>
-              </a:rPr>
-              <a:t>http://www.cs.virginia.edu/~hw5x/Course/Text-Mining-2015-Spring/_</a:t>
-            </a:r>
-            <a:r>
-              <a:rPr lang="en-US" dirty="0" smtClean="0">
-                <a:hlinkClick r:id="rId2"/>
-              </a:rPr>
-              <a:t>site</a:t>
-            </a:r>
-            <a:endParaRPr lang="en-US" dirty="0" smtClean="0"/>
-          </a:p>
-          <a:p>
-            <a:pPr lvl="1"/>
-            <a:r>
-              <a:rPr lang="en-US" dirty="0" smtClean="0"/>
-              <a:t>Piazza: </a:t>
-            </a:r>
-            <a:r>
-              <a:rPr lang="en-US" dirty="0">
-                <a:hlinkClick r:id="rId3"/>
-              </a:rPr>
-              <a:t>https://piazza.com/class/i3zaobi7ivhlx</a:t>
-            </a:r>
             <a:endParaRPr lang="en-US" dirty="0"/>
           </a:p>
         </p:txBody>
@@ -4224,10 +4110,120 @@
           </a:p>
         </p:txBody>
       </p:sp>
+      <p:grpSp>
+        <p:nvGrpSpPr>
+          <p:cNvPr id="5" name="Group 4"/>
+          <p:cNvGrpSpPr/>
+          <p:nvPr/>
+        </p:nvGrpSpPr>
+        <p:grpSpPr>
+          <a:xfrm>
+            <a:off x="874190" y="3429000"/>
+            <a:ext cx="7507810" cy="2927350"/>
+            <a:chOff x="874190" y="3429000"/>
+            <a:chExt cx="7507810" cy="2927350"/>
+          </a:xfrm>
+        </p:grpSpPr>
+        <p:sp>
+          <p:nvSpPr>
+            <p:cNvPr id="4" name="TextBox 3"/>
+            <p:cNvSpPr txBox="1"/>
+            <p:nvPr/>
+          </p:nvSpPr>
+          <p:spPr>
+            <a:xfrm>
+              <a:off x="3810000" y="4377645"/>
+              <a:ext cx="4572000" cy="954107"/>
+            </a:xfrm>
+            <a:prstGeom prst="rect">
+              <a:avLst/>
+            </a:prstGeom>
+            <a:noFill/>
+          </p:spPr>
+          <p:txBody>
+            <a:bodyPr wrap="square" rtlCol="0">
+              <a:spAutoFit/>
+            </a:bodyPr>
+            <a:lstStyle/>
+            <a:p>
+              <a:r>
+                <a:rPr lang="en-US" sz="2800" b="1" dirty="0" smtClean="0">
+                  <a:solidFill>
+                    <a:srgbClr val="FF0000"/>
+                  </a:solidFill>
+                </a:rPr>
+                <a:t>Fairness among all the students </a:t>
+              </a:r>
+              <a:r>
+                <a:rPr lang="en-US" sz="2800" b="1" dirty="0">
+                  <a:solidFill>
+                    <a:srgbClr val="FF0000"/>
+                  </a:solidFill>
+                </a:rPr>
+                <a:t>will be </a:t>
+              </a:r>
+              <a:r>
+                <a:rPr lang="en-US" sz="2800" b="1" dirty="0" smtClean="0">
+                  <a:solidFill>
+                    <a:srgbClr val="FF0000"/>
+                  </a:solidFill>
+                </a:rPr>
+                <a:t>guaranteed!</a:t>
+              </a:r>
+              <a:endParaRPr lang="en-US" sz="2800" b="1" dirty="0">
+                <a:solidFill>
+                  <a:srgbClr val="FF0000"/>
+                </a:solidFill>
+              </a:endParaRPr>
+            </a:p>
+          </p:txBody>
+        </p:sp>
+        <p:pic>
+          <p:nvPicPr>
+            <p:cNvPr id="1026" name="Picture 2" descr="http://www.davenussbaum.com/wp-content/uploads/2012/06/blind-justice.jpg"/>
+            <p:cNvPicPr>
+              <a:picLocks noChangeAspect="1" noChangeArrowheads="1"/>
+            </p:cNvPicPr>
+            <p:nvPr/>
+          </p:nvPicPr>
+          <p:blipFill>
+            <a:blip r:embed="rId2">
+              <a:extLst>
+                <a:ext uri="{28A0092B-C50C-407E-A947-70E740481C1C}">
+                  <a14:useLocalDpi xmlns:a14="http://schemas.microsoft.com/office/drawing/2010/main" val="0"/>
+                </a:ext>
+              </a:extLst>
+            </a:blip>
+            <a:srcRect/>
+            <a:stretch>
+              <a:fillRect/>
+            </a:stretch>
+          </p:blipFill>
+          <p:spPr bwMode="auto">
+            <a:xfrm>
+              <a:off x="874190" y="3429000"/>
+              <a:ext cx="2935810" cy="2927350"/>
+            </a:xfrm>
+            <a:prstGeom prst="rect">
+              <a:avLst/>
+            </a:prstGeom>
+            <a:noFill/>
+            <a:extLst>
+              <a:ext uri="{909E8E84-426E-40DD-AFC4-6F175D3DCCD1}">
+                <a14:hiddenFill xmlns:a14="http://schemas.microsoft.com/office/drawing/2010/main">
+                  <a:solidFill>
+                    <a:srgbClr val="FFFFFF"/>
+                  </a:solidFill>
+                </a14:hiddenFill>
+              </a:ext>
+            </a:extLst>
+          </p:spPr>
+        </p:pic>
+      </p:grpSp>
     </p:spTree>
     <p:extLst>
       <p:ext uri="{BB962C8B-B14F-4D97-AF65-F5344CB8AC3E}">
-        <p14:creationId xmlns:p14="http://schemas.microsoft.com/office/powerpoint/2010/main" val="3745411287"/>
+        <p14:creationId xmlns:p14="http://schemas.microsoft.com/office/powerpoint/2010/main" val="371368407"/>
       </p:ext>
     </p:extLst>
   </p:cSld>
@@ -4237,7 +4233,75 @@
   <p:timing>
     <p:tnLst>
       <p:par>
-        <p:cTn id="1" dur="indefinite" restart="never" nodeType="tmRoot"/>
+        <p:cTn id="1" dur="indefinite" restart="never" nodeType="tmRoot">
+          <p:childTnLst>
+            <p:seq concurrent="1" nextAc="seek">
+              <p:cTn id="2" dur="indefinite" nodeType="mainSeq">
+                <p:childTnLst>
+                  <p:par>
+                    <p:cTn id="3" fill="hold">
+                      <p:stCondLst>
+                        <p:cond delay="indefinite"/>
+                      </p:stCondLst>
+                      <p:childTnLst>
+                        <p:par>
+                          <p:cTn id="4" fill="hold">
+                            <p:stCondLst>
+                              <p:cond delay="0"/>
+                            </p:stCondLst>
+                            <p:childTnLst>
+                              <p:par>
+                                <p:cTn id="5" presetID="1" presetClass="entr" presetSubtype="0" fill="hold" nodeType="clickEffect">
+                                  <p:stCondLst>
+                                    <p:cond delay="0"/>
+                                  </p:stCondLst>
+                                  <p:childTnLst>
+                                    <p:set>
+                                      <p:cBhvr>
+                                        <p:cTn id="6" dur="1" fill="hold">
+                                          <p:stCondLst>
+                                            <p:cond delay="0"/>
+                                          </p:stCondLst>
+                                        </p:cTn>
+                                        <p:tgtEl>
+                                          <p:spTgt spid="5"/>
+                                        </p:tgtEl>
+                                        <p:attrNameLst>
+                                          <p:attrName>style.visibility</p:attrName>
+                                        </p:attrNameLst>
+                                      </p:cBhvr>
+                                      <p:to>
+                                        <p:strVal val="visible"/>
+                                      </p:to>
+                                    </p:set>
+                                  </p:childTnLst>
+                                </p:cTn>
+                              </p:par>
+                            </p:childTnLst>
+                          </p:cTn>
+                        </p:par>
+                      </p:childTnLst>
+                    </p:cTn>
+                  </p:par>
+                </p:childTnLst>
+              </p:cTn>
+              <p:prevCondLst>
+                <p:cond evt="onPrev" delay="0">
+                  <p:tgtEl>
+                    <p:sldTgt/>
+                  </p:tgtEl>
+                </p:cond>
+              </p:prevCondLst>
+              <p:nextCondLst>
+                <p:cond evt="onNext" delay="0">
+                  <p:tgtEl>
+                    <p:sldTgt/>
+                  </p:tgtEl>
+                </p:cond>
+              </p:nextCondLst>
+            </p:seq>
+          </p:childTnLst>
+        </p:cTn>
       </p:par>
     </p:tnLst>
   </p:timing>
@@ -4263,6 +4327,289 @@
       </p:grpSpPr>
       <p:sp>
         <p:nvSpPr>
+          <p:cNvPr id="2" name="Title 1"/>
+          <p:cNvSpPr>
+            <a:spLocks noGrp="1"/>
+          </p:cNvSpPr>
+          <p:nvPr>
+            <p:ph type="title"/>
+          </p:nvPr>
+        </p:nvSpPr>
+        <p:spPr/>
+        <p:txBody>
+          <a:bodyPr/>
+          <a:lstStyle/>
+          <a:p>
+            <a:r>
+              <a:rPr lang="en-US" dirty="0" smtClean="0"/>
+              <a:t>Contact information</a:t>
+            </a:r>
+            <a:endParaRPr lang="en-US" dirty="0"/>
+          </a:p>
+        </p:txBody>
+      </p:sp>
+      <p:sp>
+        <p:nvSpPr>
+          <p:cNvPr id="3" name="Content Placeholder 2"/>
+          <p:cNvSpPr>
+            <a:spLocks noGrp="1"/>
+          </p:cNvSpPr>
+          <p:nvPr>
+            <p:ph idx="1"/>
+          </p:nvPr>
+        </p:nvSpPr>
+        <p:spPr>
+          <a:xfrm>
+            <a:off x="457200" y="1600200"/>
+            <a:ext cx="8229600" cy="4756150"/>
+          </a:xfrm>
+        </p:spPr>
+        <p:txBody>
+          <a:bodyPr>
+            <a:normAutofit fontScale="85000" lnSpcReduction="20000"/>
+          </a:bodyPr>
+          <a:lstStyle/>
+          <a:p>
+            <a:r>
+              <a:rPr lang="en-US" dirty="0" smtClean="0"/>
+              <a:t>Lecture </a:t>
+            </a:r>
+          </a:p>
+          <a:p>
+            <a:pPr lvl="1"/>
+            <a:r>
+              <a:rPr lang="en-US" dirty="0" smtClean="0"/>
+              <a:t>Instructor: </a:t>
+            </a:r>
+            <a:r>
+              <a:rPr lang="en-US" dirty="0" err="1" smtClean="0"/>
+              <a:t>Hongning</a:t>
+            </a:r>
+            <a:r>
+              <a:rPr lang="en-US" dirty="0" smtClean="0"/>
+              <a:t> Wang</a:t>
+            </a:r>
+          </a:p>
+          <a:p>
+            <a:pPr lvl="1"/>
+            <a:r>
+              <a:rPr lang="en-US" dirty="0" smtClean="0"/>
+              <a:t>Time: Tuesday/Thursday 9:30am to 10:45am</a:t>
+            </a:r>
+          </a:p>
+          <a:p>
+            <a:pPr lvl="1"/>
+            <a:r>
+              <a:rPr lang="en-US" dirty="0" smtClean="0"/>
+              <a:t>Location: </a:t>
+            </a:r>
+            <a:r>
+              <a:rPr lang="en-US" dirty="0"/>
+              <a:t>Rice Hall </a:t>
+            </a:r>
+            <a:r>
+              <a:rPr lang="en-US" dirty="0" smtClean="0"/>
+              <a:t>340</a:t>
+            </a:r>
+          </a:p>
+          <a:p>
+            <a:r>
+              <a:rPr lang="en-US" dirty="0" smtClean="0"/>
+              <a:t>Office hour</a:t>
+            </a:r>
+          </a:p>
+          <a:p>
+            <a:pPr lvl="1"/>
+            <a:r>
+              <a:rPr lang="en-US" dirty="0" smtClean="0"/>
+              <a:t>Instructor’s</a:t>
+            </a:r>
+          </a:p>
+          <a:p>
+            <a:pPr lvl="2"/>
+            <a:r>
+              <a:rPr lang="en-US" dirty="0" smtClean="0"/>
+              <a:t>Time</a:t>
+            </a:r>
+            <a:r>
+              <a:rPr lang="en-US" dirty="0"/>
+              <a:t>: </a:t>
+            </a:r>
+            <a:r>
+              <a:rPr lang="en-US" dirty="0" smtClean="0"/>
+              <a:t>Thursday 11am </a:t>
+            </a:r>
+            <a:r>
+              <a:rPr lang="en-US" dirty="0"/>
+              <a:t>to </a:t>
+            </a:r>
+            <a:r>
+              <a:rPr lang="en-US" dirty="0" smtClean="0"/>
+              <a:t>12pm</a:t>
+            </a:r>
+            <a:endParaRPr lang="en-US" dirty="0"/>
+          </a:p>
+          <a:p>
+            <a:pPr lvl="2"/>
+            <a:r>
+              <a:rPr lang="en-US" dirty="0"/>
+              <a:t>Location: </a:t>
+            </a:r>
+            <a:r>
+              <a:rPr lang="en-US" dirty="0" smtClean="0"/>
+              <a:t>Rice Hall 408</a:t>
+            </a:r>
+          </a:p>
+          <a:p>
+            <a:r>
+              <a:rPr lang="en-US" dirty="0" smtClean="0"/>
+              <a:t>Course website</a:t>
+            </a:r>
+          </a:p>
+          <a:p>
+            <a:pPr lvl="1"/>
+            <a:r>
+              <a:rPr lang="en-US" dirty="0"/>
+              <a:t>Website: </a:t>
+            </a:r>
+            <a:r>
+              <a:rPr lang="en-US" dirty="0">
+                <a:hlinkClick r:id="rId2"/>
+              </a:rPr>
+              <a:t>http://www.cs.virginia.edu/~hw5x/Course/Text-Mining-2015-Spring/_</a:t>
+            </a:r>
+            <a:r>
+              <a:rPr lang="en-US" dirty="0" smtClean="0">
+                <a:hlinkClick r:id="rId2"/>
+              </a:rPr>
+              <a:t>site</a:t>
+            </a:r>
+            <a:endParaRPr lang="en-US" dirty="0" smtClean="0"/>
+          </a:p>
+          <a:p>
+            <a:pPr lvl="1"/>
+            <a:r>
+              <a:rPr lang="en-US" dirty="0" smtClean="0"/>
+              <a:t>Piazza: </a:t>
+            </a:r>
+            <a:r>
+              <a:rPr lang="en-US" dirty="0">
+                <a:hlinkClick r:id="rId3"/>
+              </a:rPr>
+              <a:t>https://piazza.com/class/i3zaobi7ivhlx</a:t>
+            </a:r>
+            <a:endParaRPr lang="en-US" dirty="0"/>
+          </a:p>
+        </p:txBody>
+      </p:sp>
+      <p:sp>
+        <p:nvSpPr>
+          <p:cNvPr id="6" name="Date Placeholder 5"/>
+          <p:cNvSpPr>
+            <a:spLocks noGrp="1"/>
+          </p:cNvSpPr>
+          <p:nvPr>
+            <p:ph type="dt" sz="half" idx="10"/>
+          </p:nvPr>
+        </p:nvSpPr>
+        <p:spPr/>
+        <p:txBody>
+          <a:bodyPr/>
+          <a:lstStyle/>
+          <a:p>
+            <a:r>
+              <a:rPr lang="en-US" smtClean="0"/>
+              <a:t>CS@UVa</a:t>
+            </a:r>
+            <a:endParaRPr lang="en-US"/>
+          </a:p>
+        </p:txBody>
+      </p:sp>
+      <p:sp>
+        <p:nvSpPr>
+          <p:cNvPr id="7" name="Footer Placeholder 6"/>
+          <p:cNvSpPr>
+            <a:spLocks noGrp="1"/>
+          </p:cNvSpPr>
+          <p:nvPr>
+            <p:ph type="ftr" sz="quarter" idx="11"/>
+          </p:nvPr>
+        </p:nvSpPr>
+        <p:spPr/>
+        <p:txBody>
+          <a:bodyPr/>
+          <a:lstStyle/>
+          <a:p>
+            <a:r>
+              <a:rPr lang="en-US" smtClean="0"/>
+              <a:t>CS6501: Text Mining</a:t>
+            </a:r>
+            <a:endParaRPr lang="en-US"/>
+          </a:p>
+        </p:txBody>
+      </p:sp>
+      <p:sp>
+        <p:nvSpPr>
+          <p:cNvPr id="8" name="Slide Number Placeholder 7"/>
+          <p:cNvSpPr>
+            <a:spLocks noGrp="1"/>
+          </p:cNvSpPr>
+          <p:nvPr>
+            <p:ph type="sldNum" sz="quarter" idx="12"/>
+          </p:nvPr>
+        </p:nvSpPr>
+        <p:spPr/>
+        <p:txBody>
+          <a:bodyPr/>
+          <a:lstStyle/>
+          <a:p>
+            <a:fld id="{8B73B576-4618-475D-9FCB-4FE0D483ACFE}" type="slidenum">
+              <a:rPr lang="en-US" smtClean="0"/>
+              <a:t>12</a:t>
+            </a:fld>
+            <a:endParaRPr lang="en-US"/>
+          </a:p>
+        </p:txBody>
+      </p:sp>
+    </p:spTree>
+    <p:extLst>
+      <p:ext uri="{BB962C8B-B14F-4D97-AF65-F5344CB8AC3E}">
+        <p14:creationId xmlns:p14="http://schemas.microsoft.com/office/powerpoint/2010/main" val="3745411287"/>
+      </p:ext>
+    </p:extLst>
+  </p:cSld>
+  <p:clrMapOvr>
+    <a:masterClrMapping/>
+  </p:clrMapOvr>
+  <p:timing>
+    <p:tnLst>
+      <p:par>
+        <p:cTn id="1" dur="indefinite" restart="never" nodeType="tmRoot"/>
+      </p:par>
+    </p:tnLst>
+  </p:timing>
+</p:sld>
+</file>
+
+<file path=ppt/slides/slide13.xml><?xml version="1.0" encoding="utf-8"?>
+<p:sld xmlns:a="http://schemas.openxmlformats.org/drawingml/2006/main" xmlns:r="http://schemas.openxmlformats.org/officeDocument/2006/relationships" xmlns:p="http://schemas.openxmlformats.org/presentationml/2006/main">
+  <p:cSld>
+    <p:spTree>
+      <p:nvGrpSpPr>
+        <p:cNvPr id="1" name=""/>
+        <p:cNvGrpSpPr/>
+        <p:nvPr/>
+      </p:nvGrpSpPr>
+      <p:grpSpPr>
+        <a:xfrm>
+          <a:off x="0" y="0"/>
+          <a:ext cx="0" cy="0"/>
+          <a:chOff x="0" y="0"/>
+          <a:chExt cx="0" cy="0"/>
+        </a:xfrm>
+      </p:grpSpPr>
+      <p:sp>
+        <p:nvSpPr>
           <p:cNvPr id="4" name="Title 3"/>
           <p:cNvSpPr>
             <a:spLocks noGrp="1"/>
@@ -4370,7 +4717,7 @@
           <a:p>
             <a:fld id="{8B73B576-4618-475D-9FCB-4FE0D483ACFE}" type="slidenum">
               <a:rPr lang="en-US" smtClean="0"/>
-              <a:t>12</a:t>
+              <a:t>13</a:t>
             </a:fld>
             <a:endParaRPr lang="en-US"/>
           </a:p>
@@ -4386,6 +4733,13 @@
   <p:clrMapOvr>
     <a:masterClrMapping/>
   </p:clrMapOvr>
+  <p:timing>
+    <p:tnLst>
+      <p:par>
+        <p:cTn id="1" dur="indefinite" restart="never" nodeType="tmRoot"/>
+      </p:par>
+    </p:tnLst>
+  </p:timing>
 </p:sld>
 </file>
 
@@ -4469,8 +4823,20 @@
             <a:pPr lvl="2"/>
             <a:r>
               <a:rPr lang="en-US" sz="2000" dirty="0" smtClean="0"/>
-              <a:t>Document classification/clustering</a:t>
-            </a:r>
+              <a:t>Document </a:t>
+            </a:r>
+            <a:r>
+              <a:rPr lang="en-US" sz="2000" dirty="0" smtClean="0"/>
+              <a:t>classification/clustering</a:t>
+            </a:r>
+          </a:p>
+          <a:p>
+            <a:pPr lvl="2"/>
+            <a:r>
+              <a:rPr lang="en-US" sz="2000" dirty="0" smtClean="0"/>
+              <a:t>Topic modeling</a:t>
+            </a:r>
+            <a:endParaRPr lang="en-US" sz="2000" dirty="0" smtClean="0"/>
           </a:p>
           <a:p>
             <a:pPr lvl="2"/>
@@ -4580,6 +4946,13 @@
   <p:clrMapOvr>
     <a:masterClrMapping/>
   </p:clrMapOvr>
+  <p:timing>
+    <p:tnLst>
+      <p:par>
+        <p:cTn id="1" dur="indefinite" restart="never" nodeType="tmRoot"/>
+      </p:par>
+    </p:tnLst>
+  </p:timing>
 </p:sld>
 </file>
 
@@ -4661,8 +5034,21 @@
             <a:pPr lvl="1"/>
             <a:r>
               <a:rPr lang="en-US" dirty="0" smtClean="0"/>
-              <a:t>Introduce state-of-the-art large scale text processing techniques</a:t>
-            </a:r>
+              <a:t>Introduce state-of-the-art </a:t>
+            </a:r>
+            <a:r>
+              <a:rPr lang="en-US" dirty="0" smtClean="0"/>
+              <a:t>large-scale </a:t>
+            </a:r>
+            <a:r>
+              <a:rPr lang="en-US" dirty="0" smtClean="0"/>
+              <a:t>text </a:t>
+            </a:r>
+            <a:r>
+              <a:rPr lang="en-US" dirty="0" smtClean="0"/>
+              <a:t>analytics techniques</a:t>
+            </a:r>
+            <a:endParaRPr lang="en-US" dirty="0" smtClean="0"/>
           </a:p>
           <a:p>
             <a:pPr lvl="2"/>
@@ -4769,6 +5155,13 @@
   <p:clrMapOvr>
     <a:masterClrMapping/>
   </p:clrMapOvr>
+  <p:timing>
+    <p:tnLst>
+      <p:par>
+        <p:cTn id="1" dur="indefinite" restart="never" nodeType="tmRoot"/>
+      </p:par>
+    </p:tnLst>
+  </p:timing>
 </p:sld>
 </file>
 
@@ -4806,7 +5199,7 @@
           <a:p>
             <a:r>
               <a:rPr lang="en-US" dirty="0" smtClean="0"/>
-              <a:t>Prerequisite</a:t>
+              <a:t>Prerequisites</a:t>
             </a:r>
             <a:endParaRPr lang="en-US" dirty="0"/>
           </a:p>
@@ -5295,15 +5688,10 @@
             <p:ph idx="1"/>
           </p:nvPr>
         </p:nvSpPr>
-        <p:spPr>
-          <a:xfrm>
-            <a:off x="457200" y="1600200"/>
-            <a:ext cx="8229600" cy="4800600"/>
-          </a:xfrm>
-        </p:spPr>
+        <p:spPr/>
         <p:txBody>
           <a:bodyPr>
-            <a:normAutofit lnSpcReduction="10000"/>
+            <a:normAutofit fontScale="92500" lnSpcReduction="20000"/>
           </a:bodyPr>
           <a:lstStyle/>
           <a:p>
@@ -5313,33 +5701,59 @@
             </a:r>
             <a:r>
               <a:rPr lang="en-US" dirty="0" smtClean="0"/>
-              <a:t>(40%)</a:t>
+              <a:t>(30</a:t>
+            </a:r>
+            <a:r>
+              <a:rPr lang="en-US" dirty="0" smtClean="0"/>
+              <a:t>%)</a:t>
+            </a:r>
+          </a:p>
+          <a:p>
+            <a:pPr lvl="1"/>
+            <a:r>
+              <a:rPr lang="en-US" dirty="0" smtClean="0"/>
+              <a:t>Machine problems (~4</a:t>
+            </a:r>
+            <a:r>
+              <a:rPr lang="en-US" dirty="0" smtClean="0"/>
+              <a:t>)</a:t>
+            </a:r>
+          </a:p>
+          <a:p>
+            <a:r>
+              <a:rPr lang="en-US" dirty="0" smtClean="0"/>
+              <a:t>In-class quizzes (15%)</a:t>
+            </a:r>
+          </a:p>
+          <a:p>
+            <a:pPr lvl="1"/>
+            <a:r>
+              <a:rPr lang="en-US" dirty="0" smtClean="0"/>
+              <a:t>To review the learned concepts (~5)</a:t>
             </a:r>
             <a:endParaRPr lang="en-US" dirty="0" smtClean="0"/>
           </a:p>
           <a:p>
+            <a:r>
+              <a:rPr lang="en-US" dirty="0" smtClean="0"/>
+              <a:t>Paper presentation (20%)</a:t>
+            </a:r>
+          </a:p>
+          <a:p>
             <a:pPr lvl="1"/>
             <a:r>
               <a:rPr lang="en-US" dirty="0" smtClean="0"/>
-              <a:t>Machine problems (~</a:t>
-            </a:r>
-            <a:r>
-              <a:rPr lang="en-US" dirty="0" smtClean="0"/>
-              <a:t>4)</a:t>
-            </a:r>
-          </a:p>
-          <a:p>
-            <a:r>
-              <a:rPr lang="en-US" dirty="0" smtClean="0"/>
-              <a:t>Paper </a:t>
-            </a:r>
-            <a:r>
-              <a:rPr lang="en-US" dirty="0" smtClean="0"/>
-              <a:t>presentation </a:t>
-            </a:r>
-            <a:r>
-              <a:rPr lang="en-US" dirty="0" smtClean="0"/>
-              <a:t>(20%)</a:t>
+              <a:t>Graded by peer-review</a:t>
+            </a:r>
+          </a:p>
+          <a:p>
+            <a:r>
+              <a:rPr lang="en-US" dirty="0" smtClean="0"/>
+              <a:t>Course project </a:t>
+            </a:r>
+            <a:r>
+              <a:rPr lang="en-US" dirty="0" smtClean="0"/>
+              <a:t>(35%)</a:t>
             </a:r>
             <a:endParaRPr lang="en-US" dirty="0" smtClean="0"/>
           </a:p>
@@ -5347,32 +5761,7 @@
             <a:pPr lvl="1"/>
             <a:r>
               <a:rPr lang="en-US" dirty="0" smtClean="0"/>
-              <a:t>Graded by peer-review</a:t>
-            </a:r>
-          </a:p>
-          <a:p>
-            <a:r>
-              <a:rPr lang="en-US" dirty="0" smtClean="0"/>
-              <a:t>Course project (</a:t>
-            </a:r>
-            <a:r>
-              <a:rPr lang="en-US" dirty="0" smtClean="0"/>
-              <a:t>45%)</a:t>
-            </a:r>
-            <a:endParaRPr lang="en-US" dirty="0" smtClean="0"/>
-          </a:p>
-          <a:p>
-            <a:pPr lvl="1"/>
-            <a:r>
-              <a:rPr lang="en-US" dirty="0" smtClean="0"/>
               <a:t>Research/development-oriented</a:t>
-            </a:r>
-          </a:p>
-          <a:p>
-            <a:pPr lvl="1"/>
-            <a:r>
-              <a:rPr lang="en-US" dirty="0" smtClean="0"/>
-              <a:t>Work in group</a:t>
             </a:r>
           </a:p>
           <a:p>
@@ -5382,7 +5771,15 @@
             </a:r>
             <a:r>
               <a:rPr lang="en-US" dirty="0" smtClean="0"/>
-              <a:t>exams!</a:t>
+              <a:t>midterm/final </a:t>
+            </a:r>
+            <a:r>
+              <a:rPr lang="en-US" dirty="0" smtClean="0"/>
+              <a:t>exams</a:t>
+            </a:r>
+            <a:r>
+              <a:rPr lang="en-US" dirty="0" smtClean="0"/>
+              <a:t>!</a:t>
             </a:r>
           </a:p>
           <a:p>
@@ -5392,11 +5789,7 @@
             </a:r>
             <a:r>
               <a:rPr lang="en-US" dirty="0" smtClean="0"/>
-              <a:t> </a:t>
-            </a:r>
-            <a:r>
-              <a:rPr lang="en-US" dirty="0" smtClean="0"/>
-              <a:t>curves will be applied in final grading!</a:t>
+              <a:t> curves will be applied in final grading!</a:t>
             </a:r>
             <a:endParaRPr lang="en-US" dirty="0"/>
           </a:p>
@@ -5471,6 +5864,47 @@
           </a:p>
         </p:txBody>
       </p:sp>
+      <p:pic>
+        <p:nvPicPr>
+          <p:cNvPr id="1026" name="Picture 2" descr="http://www.greenprophet.com/wp-content/uploads/2013/06/Happiest-Baby-560x373.jpg"/>
+          <p:cNvPicPr>
+            <a:picLocks noChangeAspect="1" noChangeArrowheads="1"/>
+          </p:cNvPicPr>
+          <p:nvPr/>
+        </p:nvPicPr>
+        <p:blipFill>
+          <a:blip r:embed="rId2" cstate="print">
+            <a:extLst>
+              <a:ext uri="{28A0092B-C50C-407E-A947-70E740481C1C}">
+                <a14:useLocalDpi xmlns:a14="http://schemas.microsoft.com/office/drawing/2010/main" val="0"/>
+              </a:ext>
+            </a:extLst>
+          </a:blip>
+          <a:srcRect/>
+          <a:stretch>
+            <a:fillRect/>
+          </a:stretch>
+        </p:blipFill>
+        <p:spPr bwMode="auto">
+          <a:xfrm>
+            <a:off x="5943600" y="4495800"/>
+            <a:ext cx="1409488" cy="938819"/>
+          </a:xfrm>
+          <a:prstGeom prst="rect">
+            <a:avLst/>
+          </a:prstGeom>
+          <a:noFill/>
+          <a:extLst>
+            <a:ext uri="{909E8E84-426E-40DD-AFC4-6F175D3DCCD1}">
+              <a14:hiddenFill xmlns:a14="http://schemas.microsoft.com/office/drawing/2010/main">
+                <a:solidFill>
+                  <a:srgbClr val="FFFFFF"/>
+                </a:solidFill>
+              </a14:hiddenFill>
+            </a:ext>
+          </a:extLst>
+        </p:spPr>
+      </p:pic>
     </p:spTree>
     <p:extLst>
       <p:ext uri="{BB962C8B-B14F-4D97-AF65-F5344CB8AC3E}">
@@ -5481,6 +5915,179 @@
   <p:clrMapOvr>
     <a:masterClrMapping/>
   </p:clrMapOvr>
+  <p:timing>
+    <p:tnLst>
+      <p:par>
+        <p:cTn id="1" dur="indefinite" restart="never" nodeType="tmRoot">
+          <p:childTnLst>
+            <p:seq concurrent="1" nextAc="seek">
+              <p:cTn id="2" dur="indefinite" nodeType="mainSeq">
+                <p:childTnLst>
+                  <p:par>
+                    <p:cTn id="3" fill="hold">
+                      <p:stCondLst>
+                        <p:cond delay="indefinite"/>
+                      </p:stCondLst>
+                      <p:childTnLst>
+                        <p:par>
+                          <p:cTn id="4" fill="hold">
+                            <p:stCondLst>
+                              <p:cond delay="0"/>
+                            </p:stCondLst>
+                            <p:childTnLst>
+                              <p:par>
+                                <p:cTn id="5" presetID="1" presetClass="entr" presetSubtype="0" fill="hold" nodeType="clickEffect">
+                                  <p:stCondLst>
+                                    <p:cond delay="0"/>
+                                  </p:stCondLst>
+                                  <p:childTnLst>
+                                    <p:set>
+                                      <p:cBhvr>
+                                        <p:cTn id="6" dur="1" fill="hold">
+                                          <p:stCondLst>
+                                            <p:cond delay="0"/>
+                                          </p:stCondLst>
+                                        </p:cTn>
+                                        <p:tgtEl>
+                                          <p:spTgt spid="3">
+                                            <p:txEl>
+                                              <p:pRg st="8" end="8"/>
+                                            </p:txEl>
+                                          </p:spTgt>
+                                        </p:tgtEl>
+                                        <p:attrNameLst>
+                                          <p:attrName>style.visibility</p:attrName>
+                                        </p:attrNameLst>
+                                      </p:cBhvr>
+                                      <p:to>
+                                        <p:strVal val="visible"/>
+                                      </p:to>
+                                    </p:set>
+                                  </p:childTnLst>
+                                </p:cTn>
+                              </p:par>
+                            </p:childTnLst>
+                          </p:cTn>
+                        </p:par>
+                      </p:childTnLst>
+                    </p:cTn>
+                  </p:par>
+                  <p:par>
+                    <p:cTn id="7" fill="hold">
+                      <p:stCondLst>
+                        <p:cond delay="indefinite"/>
+                      </p:stCondLst>
+                      <p:childTnLst>
+                        <p:par>
+                          <p:cTn id="8" fill="hold">
+                            <p:stCondLst>
+                              <p:cond delay="0"/>
+                            </p:stCondLst>
+                            <p:childTnLst>
+                              <p:par>
+                                <p:cTn id="9" presetID="1" presetClass="entr" presetSubtype="0" fill="hold" nodeType="clickEffect">
+                                  <p:stCondLst>
+                                    <p:cond delay="0"/>
+                                  </p:stCondLst>
+                                  <p:childTnLst>
+                                    <p:set>
+                                      <p:cBhvr>
+                                        <p:cTn id="10" dur="1" fill="hold">
+                                          <p:stCondLst>
+                                            <p:cond delay="0"/>
+                                          </p:stCondLst>
+                                        </p:cTn>
+                                        <p:tgtEl>
+                                          <p:spTgt spid="1026"/>
+                                        </p:tgtEl>
+                                        <p:attrNameLst>
+                                          <p:attrName>style.visibility</p:attrName>
+                                        </p:attrNameLst>
+                                      </p:cBhvr>
+                                      <p:to>
+                                        <p:strVal val="visible"/>
+                                      </p:to>
+                                    </p:set>
+                                  </p:childTnLst>
+                                </p:cTn>
+                              </p:par>
+                            </p:childTnLst>
+                          </p:cTn>
+                        </p:par>
+                      </p:childTnLst>
+                    </p:cTn>
+                  </p:par>
+                  <p:par>
+                    <p:cTn id="11" fill="hold">
+                      <p:stCondLst>
+                        <p:cond delay="indefinite"/>
+                      </p:stCondLst>
+                      <p:childTnLst>
+                        <p:par>
+                          <p:cTn id="12" fill="hold">
+                            <p:stCondLst>
+                              <p:cond delay="0"/>
+                            </p:stCondLst>
+                            <p:childTnLst>
+                              <p:par>
+                                <p:cTn id="13" presetID="1" presetClass="entr" presetSubtype="0" fill="hold" nodeType="clickEffect">
+                                  <p:stCondLst>
+                                    <p:cond delay="0"/>
+                                  </p:stCondLst>
+                                  <p:childTnLst>
+                                    <p:set>
+                                      <p:cBhvr>
+                                        <p:cTn id="14" dur="1" fill="hold">
+                                          <p:stCondLst>
+                                            <p:cond delay="0"/>
+                                          </p:stCondLst>
+                                        </p:cTn>
+                                        <p:tgtEl>
+                                          <p:spTgt spid="3">
+                                            <p:txEl>
+                                              <p:pRg st="9" end="9"/>
+                                            </p:txEl>
+                                          </p:spTgt>
+                                        </p:tgtEl>
+                                        <p:attrNameLst>
+                                          <p:attrName>style.visibility</p:attrName>
+                                        </p:attrNameLst>
+                                      </p:cBhvr>
+                                      <p:to>
+                                        <p:strVal val="visible"/>
+                                      </p:to>
+                                    </p:set>
+                                  </p:childTnLst>
+                                </p:cTn>
+                              </p:par>
+                            </p:childTnLst>
+                          </p:cTn>
+                        </p:par>
+                      </p:childTnLst>
+                    </p:cTn>
+                  </p:par>
+                </p:childTnLst>
+              </p:cTn>
+              <p:prevCondLst>
+                <p:cond evt="onPrev" delay="0">
+                  <p:tgtEl>
+                    <p:sldTgt/>
+                  </p:tgtEl>
+                </p:cond>
+              </p:prevCondLst>
+              <p:nextCondLst>
+                <p:cond evt="onNext" delay="0">
+                  <p:tgtEl>
+                    <p:sldTgt/>
+                  </p:tgtEl>
+                </p:cond>
+              </p:nextCondLst>
+            </p:seq>
+          </p:childTnLst>
+        </p:cTn>
+      </p:par>
+    </p:tnLst>
+  </p:timing>
 </p:sld>
 </file>
 
@@ -5518,7 +6125,7 @@
           <a:p>
             <a:r>
               <a:rPr lang="en-US" dirty="0" smtClean="0"/>
-              <a:t>Paper presentation</a:t>
+              <a:t>Quizzes</a:t>
             </a:r>
             <a:endParaRPr lang="en-US" dirty="0"/>
           </a:p>
@@ -5537,61 +6144,98 @@
         <p:spPr/>
         <p:txBody>
           <a:bodyPr>
-            <a:normAutofit/>
+            <a:normAutofit lnSpcReduction="10000"/>
           </a:bodyPr>
           <a:lstStyle/>
           <a:p>
             <a:r>
               <a:rPr lang="en-US" dirty="0" smtClean="0"/>
-              <a:t>Let students present the state-of-the-art  research related to text mining</a:t>
+              <a:t>Format</a:t>
             </a:r>
           </a:p>
           <a:p>
             <a:pPr lvl="1"/>
             <a:r>
+              <a:rPr lang="en-US" dirty="0" smtClean="0"/>
+              <a:t>True/False questions</a:t>
+            </a:r>
+          </a:p>
+          <a:p>
+            <a:pPr lvl="1"/>
+            <a:r>
+              <a:rPr lang="en-US" dirty="0" smtClean="0"/>
+              <a:t>Multiple choice questions</a:t>
+            </a:r>
+          </a:p>
+          <a:p>
+            <a:pPr lvl="1"/>
+            <a:r>
+              <a:rPr lang="en-US" dirty="0" smtClean="0"/>
+              <a:t>Short answer questions</a:t>
+            </a:r>
+          </a:p>
+          <a:p>
+            <a:r>
+              <a:rPr lang="en-US" dirty="0" smtClean="0"/>
+              <a:t>Schedule</a:t>
+            </a:r>
+          </a:p>
+          <a:p>
+            <a:pPr lvl="1"/>
+            <a:r>
+              <a:rPr lang="en-US" dirty="0" smtClean="0"/>
+              <a:t>After each major lecture topic</a:t>
+            </a:r>
+          </a:p>
+          <a:p>
+            <a:pPr lvl="1"/>
+            <a:r>
+              <a:rPr lang="en-US" dirty="0" smtClean="0"/>
+              <a:t>Will be informed one week before the quiz</a:t>
+            </a:r>
+          </a:p>
+          <a:p>
+            <a:r>
+              <a:rPr lang="en-US" u="sng" dirty="0" smtClean="0"/>
+              <a:t>Closed</a:t>
+            </a:r>
+            <a:r>
+              <a:rPr lang="en-US" dirty="0" smtClean="0"/>
+              <a:t> </a:t>
+            </a:r>
+            <a:r>
               <a:rPr lang="en-US" dirty="0"/>
-              <a:t>Choosing from recommended </a:t>
-            </a:r>
-            <a:r>
-              <a:rPr lang="en-US" dirty="0" smtClean="0"/>
-              <a:t>readings, or your favorite paper outside the list</a:t>
+              <a:t>book and </a:t>
+            </a:r>
+            <a:r>
+              <a:rPr lang="en-US" u="sng" dirty="0"/>
+              <a:t>closed</a:t>
+            </a:r>
+            <a:r>
+              <a:rPr lang="en-US" dirty="0"/>
+              <a:t> </a:t>
+            </a:r>
+            <a:r>
+              <a:rPr lang="en-US" dirty="0" smtClean="0"/>
+              <a:t>notes</a:t>
             </a:r>
           </a:p>
           <a:p>
             <a:pPr lvl="1"/>
             <a:r>
               <a:rPr lang="en-US" dirty="0" smtClean="0"/>
-              <a:t>15-mins presentation including 2-mins Q&amp;A</a:t>
-            </a:r>
-            <a:endParaRPr lang="en-US" dirty="0"/>
-          </a:p>
-          <a:p>
-            <a:pPr lvl="1"/>
-            <a:r>
-              <a:rPr lang="en-US" dirty="0" smtClean="0"/>
-              <a:t>One paper one student </a:t>
-            </a:r>
-          </a:p>
-          <a:p>
-            <a:pPr lvl="1"/>
-            <a:r>
-              <a:rPr lang="en-US" dirty="0" smtClean="0"/>
-              <a:t>Register your choice early, first come first serve</a:t>
-            </a:r>
-          </a:p>
-          <a:p>
-            <a:pPr lvl="1"/>
-            <a:r>
-              <a:rPr lang="en-US" dirty="0" smtClean="0"/>
-              <a:t>Will be graded by the instructor and other students </a:t>
-            </a:r>
-            <a:endParaRPr lang="en-US" dirty="0"/>
-          </a:p>
-        </p:txBody>
-      </p:sp>
-      <p:sp>
-        <p:nvSpPr>
-          <p:cNvPr id="6" name="Date Placeholder 5"/>
+              <a:t>No </a:t>
+            </a:r>
+            <a:r>
+              <a:rPr lang="en-US" dirty="0"/>
+              <a:t>electronic aids or cheat sheets</a:t>
+            </a:r>
+          </a:p>
+        </p:txBody>
+      </p:sp>
+      <p:sp>
+        <p:nvSpPr>
+          <p:cNvPr id="4" name="Date Placeholder 3"/>
           <p:cNvSpPr>
             <a:spLocks noGrp="1"/>
           </p:cNvSpPr>
@@ -5614,7 +6258,7 @@
       </p:sp>
       <p:sp>
         <p:nvSpPr>
-          <p:cNvPr id="7" name="Footer Placeholder 6"/>
+          <p:cNvPr id="5" name="Footer Placeholder 4"/>
           <p:cNvSpPr>
             <a:spLocks noGrp="1"/>
           </p:cNvSpPr>
@@ -5637,7 +6281,7 @@
       </p:sp>
       <p:sp>
         <p:nvSpPr>
-          <p:cNvPr id="8" name="Slide Number Placeholder 7"/>
+          <p:cNvPr id="6" name="Slide Number Placeholder 5"/>
           <p:cNvSpPr>
             <a:spLocks noGrp="1"/>
           </p:cNvSpPr>
@@ -5661,7 +6305,7 @@
     </p:spTree>
     <p:extLst>
       <p:ext uri="{BB962C8B-B14F-4D97-AF65-F5344CB8AC3E}">
-        <p14:creationId xmlns:p14="http://schemas.microsoft.com/office/powerpoint/2010/main" val="124379478"/>
+        <p14:creationId xmlns:p14="http://schemas.microsoft.com/office/powerpoint/2010/main" val="3487711243"/>
       </p:ext>
     </p:extLst>
   </p:cSld>
@@ -5712,7 +6356,7 @@
           <a:p>
             <a:r>
               <a:rPr lang="en-US" dirty="0" smtClean="0"/>
-              <a:t>Course project</a:t>
+              <a:t>Paper presentation</a:t>
             </a:r>
             <a:endParaRPr lang="en-US" dirty="0"/>
           </a:p>
@@ -5728,127 +6372,57 @@
             <p:ph idx="1"/>
           </p:nvPr>
         </p:nvSpPr>
-        <p:spPr>
-          <a:xfrm>
-            <a:off x="457200" y="1600200"/>
-            <a:ext cx="8229600" cy="4572000"/>
-          </a:xfrm>
-        </p:spPr>
+        <p:spPr/>
         <p:txBody>
           <a:bodyPr>
-            <a:normAutofit fontScale="92500" lnSpcReduction="20000"/>
+            <a:normAutofit/>
           </a:bodyPr>
           <a:lstStyle/>
           <a:p>
             <a:r>
               <a:rPr lang="en-US" dirty="0" smtClean="0"/>
-              <a:t>Appreciate research-oriented </a:t>
-            </a:r>
+              <a:t>Let students present the state-of-the-art  research related to text mining</a:t>
+            </a:r>
+          </a:p>
+          <a:p>
+            <a:pPr lvl="1"/>
             <a:r>
               <a:rPr lang="en-US" dirty="0"/>
-              <a:t>problems or </a:t>
-            </a:r>
-            <a:r>
-              <a:rPr lang="en-US" dirty="0" smtClean="0"/>
-              <a:t>“deliverables”</a:t>
+              <a:t>Choosing from recommended </a:t>
+            </a:r>
+            <a:r>
+              <a:rPr lang="en-US" dirty="0" smtClean="0"/>
+              <a:t>readings, or your favorite paper outside the list</a:t>
             </a:r>
           </a:p>
           <a:p>
             <a:pPr lvl="1"/>
             <a:r>
               <a:rPr lang="en-US" dirty="0" smtClean="0"/>
-              <a:t>Work in groups (</a:t>
-            </a:r>
-            <a:r>
-              <a:rPr lang="en-US" i="1" dirty="0" smtClean="0"/>
-              <a:t>not required</a:t>
-            </a:r>
-            <a:r>
-              <a:rPr lang="en-US" dirty="0" smtClean="0"/>
-              <a:t>)</a:t>
-            </a:r>
-          </a:p>
-          <a:p>
-            <a:pPr lvl="2"/>
-            <a:r>
-              <a:rPr lang="en-US" dirty="0" smtClean="0"/>
-              <a:t>Up to three students</a:t>
-            </a:r>
+              <a:t>15-mins presentation including 2-mins Q&amp;A</a:t>
+            </a:r>
+            <a:endParaRPr lang="en-US" dirty="0"/>
           </a:p>
           <a:p>
             <a:pPr lvl="1"/>
             <a:r>
-              <a:rPr lang="en-US" dirty="0"/>
-              <a:t>Project </a:t>
-            </a:r>
-            <a:r>
-              <a:rPr lang="en-US" dirty="0" smtClean="0"/>
-              <a:t>proposal (20%)</a:t>
-            </a:r>
-          </a:p>
-          <a:p>
-            <a:pPr lvl="2"/>
-            <a:r>
-              <a:rPr lang="en-US" dirty="0" smtClean="0"/>
-              <a:t>Discuss your topic with peers or the instructor</a:t>
-            </a:r>
-          </a:p>
-          <a:p>
-            <a:pPr lvl="2"/>
-            <a:r>
-              <a:rPr lang="en-US" dirty="0" smtClean="0"/>
-              <a:t>Written report</a:t>
+              <a:rPr lang="en-US" dirty="0" smtClean="0"/>
+              <a:t>One paper one student </a:t>
             </a:r>
           </a:p>
           <a:p>
             <a:pPr lvl="1"/>
             <a:r>
-              <a:rPr lang="en-US" dirty="0"/>
-              <a:t>Project </a:t>
-            </a:r>
-            <a:r>
-              <a:rPr lang="en-US" dirty="0" smtClean="0"/>
-              <a:t>report (40%)</a:t>
-            </a:r>
-          </a:p>
-          <a:p>
-            <a:pPr lvl="2"/>
-            <a:r>
-              <a:rPr lang="en-US" dirty="0" smtClean="0"/>
-              <a:t>Due </a:t>
-            </a:r>
-            <a:r>
-              <a:rPr lang="en-US" b="1" dirty="0" smtClean="0"/>
-              <a:t>before</a:t>
-            </a:r>
-            <a:r>
-              <a:rPr lang="en-US" dirty="0" smtClean="0"/>
-              <a:t> the final presentation</a:t>
+              <a:rPr lang="en-US" dirty="0" smtClean="0"/>
+              <a:t>Register your choice early, first come first serve</a:t>
             </a:r>
           </a:p>
           <a:p>
             <a:pPr lvl="1"/>
             <a:r>
               <a:rPr lang="en-US" dirty="0" smtClean="0"/>
-              <a:t>Project presentation (40%)</a:t>
-            </a:r>
-          </a:p>
-          <a:p>
-            <a:pPr lvl="2"/>
-            <a:r>
-              <a:rPr lang="en-US" dirty="0" smtClean="0"/>
-              <a:t>15-mins in-class presentation</a:t>
-            </a:r>
-          </a:p>
-          <a:p>
-            <a:pPr lvl="2"/>
-            <a:r>
-              <a:rPr lang="en-US" dirty="0" smtClean="0"/>
-              <a:t>5-mins Q&amp;A</a:t>
-            </a:r>
-          </a:p>
-          <a:p>
-            <a:pPr lvl="1"/>
+              <a:t>Will be graded by the instructor and other students </a:t>
+            </a:r>
             <a:endParaRPr lang="en-US" dirty="0"/>
           </a:p>
         </p:txBody>
@@ -5925,7 +6499,7 @@
     </p:spTree>
     <p:extLst>
       <p:ext uri="{BB962C8B-B14F-4D97-AF65-F5344CB8AC3E}">
-        <p14:creationId xmlns:p14="http://schemas.microsoft.com/office/powerpoint/2010/main" val="1790905027"/>
+        <p14:creationId xmlns:p14="http://schemas.microsoft.com/office/powerpoint/2010/main" val="124379478"/>
       </p:ext>
     </p:extLst>
   </p:cSld>
@@ -5976,7 +6550,7 @@
           <a:p>
             <a:r>
               <a:rPr lang="en-US" dirty="0" smtClean="0"/>
-              <a:t>Deadlines</a:t>
+              <a:t>Course project</a:t>
             </a:r>
             <a:endParaRPr lang="en-US" dirty="0"/>
           </a:p>
@@ -5995,130 +6569,131 @@
         <p:spPr>
           <a:xfrm>
             <a:off x="457200" y="1600200"/>
-            <a:ext cx="8229600" cy="4756150"/>
+            <a:ext cx="8229600" cy="4572000"/>
           </a:xfrm>
         </p:spPr>
         <p:txBody>
           <a:bodyPr>
-            <a:normAutofit/>
+            <a:normAutofit fontScale="92500" lnSpcReduction="20000"/>
           </a:bodyPr>
           <a:lstStyle/>
           <a:p>
             <a:r>
               <a:rPr lang="en-US" dirty="0" smtClean="0"/>
-              <a:t>Machine problems</a:t>
+              <a:t>Appreciate research-oriented </a:t>
+            </a:r>
+            <a:r>
+              <a:rPr lang="en-US" dirty="0"/>
+              <a:t>problems or </a:t>
+            </a:r>
+            <a:r>
+              <a:rPr lang="en-US" dirty="0" smtClean="0"/>
+              <a:t>“deliverables”</a:t>
             </a:r>
           </a:p>
           <a:p>
             <a:pPr lvl="1"/>
             <a:r>
               <a:rPr lang="en-US" dirty="0" smtClean="0"/>
-              <a:t>Due in 7-days after posting</a:t>
-            </a:r>
-          </a:p>
-          <a:p>
-            <a:r>
-              <a:rPr lang="en-US" dirty="0" smtClean="0"/>
-              <a:t>Paper presentation</a:t>
-            </a:r>
+              <a:t>Work in groups (</a:t>
+            </a:r>
+            <a:r>
+              <a:rPr lang="en-US" i="1" dirty="0" smtClean="0"/>
+              <a:t>not required</a:t>
+            </a:r>
+            <a:r>
+              <a:rPr lang="en-US" dirty="0" smtClean="0"/>
+              <a:t>)</a:t>
+            </a:r>
+          </a:p>
+          <a:p>
+            <a:pPr lvl="2"/>
+            <a:r>
+              <a:rPr lang="en-US" dirty="0" smtClean="0"/>
+              <a:t>Up to </a:t>
+            </a:r>
+            <a:r>
+              <a:rPr lang="en-US" dirty="0" smtClean="0"/>
+              <a:t>3 students</a:t>
+            </a:r>
+            <a:endParaRPr lang="en-US" dirty="0" smtClean="0"/>
           </a:p>
           <a:p>
             <a:pPr lvl="1"/>
             <a:r>
-              <a:rPr lang="en-US" dirty="0" smtClean="0"/>
-              <a:t>Sign </a:t>
-            </a:r>
-            <a:r>
               <a:rPr lang="en-US" dirty="0"/>
-              <a:t>up is due </a:t>
-            </a:r>
-            <a:r>
-              <a:rPr lang="en-US" dirty="0" smtClean="0"/>
-              <a:t>in </a:t>
-            </a:r>
-            <a:r>
-              <a:rPr lang="en-US" b="1" dirty="0"/>
-              <a:t>the end of </a:t>
+              <a:t>Project </a:t>
+            </a:r>
+            <a:r>
+              <a:rPr lang="en-US" dirty="0" smtClean="0"/>
+              <a:t>proposal (20%)</a:t>
+            </a:r>
+          </a:p>
+          <a:p>
+            <a:pPr lvl="2"/>
+            <a:r>
+              <a:rPr lang="en-US" dirty="0" smtClean="0"/>
+              <a:t>Discuss your topic with peers or the </a:t>
+            </a:r>
+            <a:r>
+              <a:rPr lang="en-US" dirty="0" smtClean="0"/>
+              <a:t>instructor first</a:t>
+            </a:r>
+            <a:endParaRPr lang="en-US" dirty="0" smtClean="0"/>
+          </a:p>
+          <a:p>
+            <a:pPr lvl="2"/>
+            <a:r>
+              <a:rPr lang="en-US" dirty="0" smtClean="0"/>
+              <a:t>Written report</a:t>
+            </a:r>
+          </a:p>
+          <a:p>
+            <a:pPr lvl="1"/>
+            <a:r>
+              <a:rPr lang="en-US" dirty="0"/>
+              <a:t>Project </a:t>
+            </a:r>
+            <a:r>
+              <a:rPr lang="en-US" dirty="0" smtClean="0"/>
+              <a:t>report (40%)</a:t>
+            </a:r>
+          </a:p>
+          <a:p>
+            <a:pPr lvl="2"/>
+            <a:r>
+              <a:rPr lang="en-US" dirty="0" smtClean="0"/>
+              <a:t>Due </a:t>
             </a:r>
             <a:r>
               <a:rPr lang="en-US" b="1" dirty="0" smtClean="0"/>
-              <a:t>6</a:t>
-            </a:r>
-            <a:r>
-              <a:rPr lang="en-US" b="1" baseline="30000" dirty="0" smtClean="0"/>
-              <a:t>th</a:t>
-            </a:r>
-            <a:r>
-              <a:rPr lang="en-US" b="1" dirty="0" smtClean="0"/>
-              <a:t> week</a:t>
+              <a:t>before</a:t>
+            </a:r>
+            <a:r>
+              <a:rPr lang="en-US" dirty="0" smtClean="0"/>
+              <a:t> the final presentation</a:t>
             </a:r>
           </a:p>
           <a:p>
             <a:pPr lvl="1"/>
             <a:r>
               <a:rPr lang="en-US" dirty="0" smtClean="0"/>
-              <a:t>Presentation starts on the </a:t>
-            </a:r>
-            <a:r>
-              <a:rPr lang="en-US" b="1" dirty="0" smtClean="0"/>
-              <a:t>7</a:t>
-            </a:r>
-            <a:r>
-              <a:rPr lang="en-US" b="1" baseline="30000" dirty="0" smtClean="0"/>
-              <a:t>th</a:t>
-            </a:r>
-            <a:r>
-              <a:rPr lang="en-US" b="1" dirty="0" smtClean="0"/>
-              <a:t> week</a:t>
-            </a:r>
-          </a:p>
-          <a:p>
-            <a:r>
-              <a:rPr lang="en-US" dirty="0" smtClean="0"/>
-              <a:t>Project</a:t>
-            </a:r>
-          </a:p>
-          <a:p>
-            <a:pPr lvl="1"/>
-            <a:r>
-              <a:rPr lang="en-US" dirty="0" smtClean="0"/>
-              <a:t>Proposal due in </a:t>
-            </a:r>
-            <a:r>
-              <a:rPr lang="en-US" b="1" dirty="0"/>
-              <a:t>the end of </a:t>
-            </a:r>
-            <a:r>
-              <a:rPr lang="en-US" b="1" dirty="0" smtClean="0"/>
-              <a:t>5</a:t>
-            </a:r>
-            <a:r>
-              <a:rPr lang="en-US" b="1" baseline="30000" dirty="0" smtClean="0"/>
-              <a:t>th</a:t>
-            </a:r>
-            <a:r>
-              <a:rPr lang="en-US" b="1" dirty="0" smtClean="0"/>
-              <a:t> week</a:t>
-            </a:r>
-          </a:p>
-          <a:p>
-            <a:pPr lvl="1"/>
-            <a:r>
-              <a:rPr lang="en-US" dirty="0" smtClean="0"/>
-              <a:t>Presentation </a:t>
-            </a:r>
-            <a:r>
-              <a:rPr lang="en-US" dirty="0" smtClean="0"/>
-              <a:t>in the last </a:t>
-            </a:r>
-            <a:r>
-              <a:rPr lang="en-US" dirty="0" smtClean="0"/>
-              <a:t>two lectures of the semester</a:t>
-            </a:r>
-          </a:p>
-          <a:p>
-            <a:pPr lvl="1"/>
-            <a:endParaRPr lang="en-US" dirty="0" smtClean="0"/>
+              <a:t>Project presentation (40%)</a:t>
+            </a:r>
+          </a:p>
+          <a:p>
+            <a:pPr lvl="2"/>
+            <a:r>
+              <a:rPr lang="en-US" dirty="0" smtClean="0"/>
+              <a:t>15-mins in-class presentation</a:t>
+            </a:r>
+          </a:p>
+          <a:p>
+            <a:pPr lvl="2"/>
+            <a:r>
+              <a:rPr lang="en-US" dirty="0" smtClean="0"/>
+              <a:t>5-mins Q&amp;A</a:t>
+            </a:r>
           </a:p>
           <a:p>
             <a:pPr lvl="1"/>
@@ -6128,7 +6703,7 @@
       </p:sp>
       <p:sp>
         <p:nvSpPr>
-          <p:cNvPr id="4" name="Date Placeholder 3"/>
+          <p:cNvPr id="6" name="Date Placeholder 5"/>
           <p:cNvSpPr>
             <a:spLocks noGrp="1"/>
           </p:cNvSpPr>
@@ -6151,7 +6726,7 @@
       </p:sp>
       <p:sp>
         <p:nvSpPr>
-          <p:cNvPr id="5" name="Footer Placeholder 4"/>
+          <p:cNvPr id="7" name="Footer Placeholder 6"/>
           <p:cNvSpPr>
             <a:spLocks noGrp="1"/>
           </p:cNvSpPr>
@@ -6174,7 +6749,7 @@
       </p:sp>
       <p:sp>
         <p:nvSpPr>
-          <p:cNvPr id="6" name="Slide Number Placeholder 5"/>
+          <p:cNvPr id="8" name="Slide Number Placeholder 7"/>
           <p:cNvSpPr>
             <a:spLocks noGrp="1"/>
           </p:cNvSpPr>
@@ -6198,13 +6773,20 @@
     </p:spTree>
     <p:extLst>
       <p:ext uri="{BB962C8B-B14F-4D97-AF65-F5344CB8AC3E}">
-        <p14:creationId xmlns:p14="http://schemas.microsoft.com/office/powerpoint/2010/main" val="650771550"/>
+        <p14:creationId xmlns:p14="http://schemas.microsoft.com/office/powerpoint/2010/main" val="1790905027"/>
       </p:ext>
     </p:extLst>
   </p:cSld>
   <p:clrMapOvr>
     <a:masterClrMapping/>
   </p:clrMapOvr>
+  <p:timing>
+    <p:tnLst>
+      <p:par>
+        <p:cTn id="1" dur="indefinite" restart="never" nodeType="tmRoot"/>
+      </p:par>
+    </p:tnLst>
+  </p:timing>
 </p:sld>
 </file>
 
@@ -6242,7 +6824,7 @@
           <a:p>
             <a:r>
               <a:rPr lang="en-US" dirty="0" smtClean="0"/>
-              <a:t>Late policy</a:t>
+              <a:t>Deadlines</a:t>
             </a:r>
             <a:endParaRPr lang="en-US" dirty="0"/>
           </a:p>
@@ -6266,98 +6848,125 @@
         </p:spPr>
         <p:txBody>
           <a:bodyPr>
-            <a:normAutofit fontScale="85000" lnSpcReduction="20000"/>
+            <a:normAutofit/>
           </a:bodyPr>
           <a:lstStyle/>
           <a:p>
             <a:r>
               <a:rPr lang="en-US" dirty="0" smtClean="0"/>
-              <a:t>Homework</a:t>
+              <a:t>Machine problems</a:t>
             </a:r>
           </a:p>
           <a:p>
             <a:pPr lvl="1"/>
             <a:r>
               <a:rPr lang="en-US" dirty="0" smtClean="0"/>
-              <a:t>Everyone will have one chance to ask for extension (extra three days after deadline)</a:t>
+              <a:t>Due in 7-days after posting</a:t>
+            </a:r>
+          </a:p>
+          <a:p>
+            <a:r>
+              <a:rPr lang="en-US" dirty="0" smtClean="0"/>
+              <a:t>Paper presentation</a:t>
             </a:r>
           </a:p>
           <a:p>
             <a:pPr lvl="1"/>
             <a:r>
               <a:rPr lang="en-US" dirty="0" smtClean="0"/>
-              <a:t>Request must be made </a:t>
+              <a:t>Sign </a:t>
+            </a:r>
+            <a:r>
+              <a:rPr lang="en-US" dirty="0"/>
+              <a:t>up is due </a:t>
+            </a:r>
+            <a:r>
+              <a:rPr lang="en-US" dirty="0" smtClean="0"/>
+              <a:t>in </a:t>
+            </a:r>
+            <a:r>
+              <a:rPr lang="en-US" b="1" dirty="0"/>
+              <a:t>the end of </a:t>
             </a:r>
             <a:r>
               <a:rPr lang="en-US" b="1" dirty="0" smtClean="0"/>
-              <a:t>before</a:t>
-            </a:r>
-            <a:r>
-              <a:rPr lang="en-US" dirty="0" smtClean="0"/>
-              <a:t> the deadline!</a:t>
-            </a:r>
-          </a:p>
-          <a:p>
-            <a:r>
-              <a:rPr lang="en-US" dirty="0" smtClean="0"/>
-              <a:t>Midterm</a:t>
+              <a:t>6</a:t>
+            </a:r>
+            <a:r>
+              <a:rPr lang="en-US" b="1" baseline="30000" dirty="0" smtClean="0"/>
+              <a:t>th</a:t>
+            </a:r>
+            <a:r>
+              <a:rPr lang="en-US" b="1" dirty="0" smtClean="0"/>
+              <a:t> week</a:t>
             </a:r>
           </a:p>
           <a:p>
             <a:pPr lvl="1"/>
             <a:r>
+              <a:rPr lang="en-US" dirty="0" smtClean="0"/>
+              <a:t>Presentation starts on the </a:t>
+            </a:r>
+            <a:r>
               <a:rPr lang="en-US" b="1" dirty="0" smtClean="0"/>
-              <a:t>No</a:t>
-            </a:r>
-            <a:r>
-              <a:rPr lang="en-US" dirty="0" smtClean="0"/>
-              <a:t> make-up exams unless under emergency situation</a:t>
-            </a:r>
-          </a:p>
-          <a:p>
-            <a:r>
-              <a:rPr lang="en-US" dirty="0" smtClean="0"/>
-              <a:t>Paper presentation</a:t>
+              <a:t>7</a:t>
+            </a:r>
+            <a:r>
+              <a:rPr lang="en-US" b="1" baseline="30000" dirty="0" smtClean="0"/>
+              <a:t>th</a:t>
+            </a:r>
+            <a:r>
+              <a:rPr lang="en-US" b="1" dirty="0" smtClean="0"/>
+              <a:t> week</a:t>
+            </a:r>
+          </a:p>
+          <a:p>
+            <a:r>
+              <a:rPr lang="en-US" dirty="0" smtClean="0"/>
+              <a:t>Project</a:t>
             </a:r>
           </a:p>
           <a:p>
             <a:pPr lvl="1"/>
             <a:r>
               <a:rPr lang="en-US" dirty="0" smtClean="0"/>
-              <a:t>Must be presented on your selected date</a:t>
-            </a:r>
-          </a:p>
-          <a:p>
-            <a:r>
-              <a:rPr lang="en-US" dirty="0"/>
-              <a:t>Course </a:t>
-            </a:r>
-            <a:r>
-              <a:rPr lang="en-US" dirty="0" smtClean="0"/>
-              <a:t>project</a:t>
+              <a:t>Proposal due in </a:t>
+            </a:r>
+            <a:r>
+              <a:rPr lang="en-US" b="1" dirty="0"/>
+              <a:t>the end of </a:t>
+            </a:r>
+            <a:r>
+              <a:rPr lang="en-US" b="1" dirty="0" smtClean="0"/>
+              <a:t>5</a:t>
+            </a:r>
+            <a:r>
+              <a:rPr lang="en-US" b="1" baseline="30000" dirty="0" smtClean="0"/>
+              <a:t>th</a:t>
+            </a:r>
+            <a:r>
+              <a:rPr lang="en-US" b="1" dirty="0" smtClean="0"/>
+              <a:t> week</a:t>
             </a:r>
           </a:p>
           <a:p>
             <a:pPr lvl="1"/>
             <a:r>
               <a:rPr lang="en-US" dirty="0" smtClean="0"/>
-              <a:t>Proposal due early in the semester (~5</a:t>
-            </a:r>
-            <a:r>
-              <a:rPr lang="en-US" baseline="30000" dirty="0" smtClean="0"/>
-              <a:t>th</a:t>
-            </a:r>
-            <a:r>
-              <a:rPr lang="en-US" dirty="0" smtClean="0"/>
-              <a:t> week, no extension)</a:t>
+              <a:t>Presentation in the last </a:t>
+            </a:r>
+            <a:r>
+              <a:rPr lang="en-US" dirty="0" smtClean="0"/>
+              <a:t>week of </a:t>
+            </a:r>
+            <a:r>
+              <a:rPr lang="en-US" dirty="0" smtClean="0"/>
+              <a:t>the semester</a:t>
             </a:r>
           </a:p>
           <a:p>
             <a:pPr lvl="1"/>
-            <a:r>
-              <a:rPr lang="en-US" dirty="0" smtClean="0"/>
-              <a:t>Final report due before presentation (no extension)</a:t>
-            </a:r>
+            <a:endParaRPr lang="en-US" dirty="0" smtClean="0"/>
           </a:p>
           <a:p>
             <a:pPr lvl="1"/>
@@ -6367,7 +6976,7 @@
       </p:sp>
       <p:sp>
         <p:nvSpPr>
-          <p:cNvPr id="6" name="Date Placeholder 5"/>
+          <p:cNvPr id="4" name="Date Placeholder 3"/>
           <p:cNvSpPr>
             <a:spLocks noGrp="1"/>
           </p:cNvSpPr>
@@ -6390,7 +6999,7 @@
       </p:sp>
       <p:sp>
         <p:nvSpPr>
-          <p:cNvPr id="7" name="Footer Placeholder 6"/>
+          <p:cNvPr id="5" name="Footer Placeholder 4"/>
           <p:cNvSpPr>
             <a:spLocks noGrp="1"/>
           </p:cNvSpPr>
@@ -6413,7 +7022,7 @@
       </p:sp>
       <p:sp>
         <p:nvSpPr>
-          <p:cNvPr id="8" name="Slide Number Placeholder 7"/>
+          <p:cNvPr id="6" name="Slide Number Placeholder 5"/>
           <p:cNvSpPr>
             <a:spLocks noGrp="1"/>
           </p:cNvSpPr>
@@ -6437,7 +7046,7 @@
     </p:spTree>
     <p:extLst>
       <p:ext uri="{BB962C8B-B14F-4D97-AF65-F5344CB8AC3E}">
-        <p14:creationId xmlns:p14="http://schemas.microsoft.com/office/powerpoint/2010/main" val="954530267"/>
+        <p14:creationId xmlns:p14="http://schemas.microsoft.com/office/powerpoint/2010/main" val="650771550"/>
       </p:ext>
     </p:extLst>
   </p:cSld>

--- a/docs/CoursePolicy.pptx
+++ b/docs/CoursePolicy.pptx
@@ -241,7 +241,7 @@
           <a:p>
             <a:fld id="{89855770-2AA3-43A4-9924-C8197CB04EA0}" type="datetimeFigureOut">
               <a:rPr lang="en-US" smtClean="0"/>
-              <a:t>1/11/2015</a:t>
+              <a:t>1/13/2015</a:t>
             </a:fld>
             <a:endParaRPr lang="en-US"/>
           </a:p>
@@ -3800,7 +3800,6 @@
               <a:rPr lang="en-US" dirty="0" smtClean="0"/>
               <a:t>Quizzes</a:t>
             </a:r>
-            <a:endParaRPr lang="en-US" dirty="0" smtClean="0"/>
           </a:p>
           <a:p>
             <a:pPr lvl="1"/>
@@ -3810,15 +3809,7 @@
             </a:r>
             <a:r>
               <a:rPr lang="en-US" dirty="0" smtClean="0"/>
-              <a:t> make-up </a:t>
-            </a:r>
-            <a:r>
-              <a:rPr lang="en-US" dirty="0" smtClean="0"/>
-              <a:t>quizzes unless </a:t>
-            </a:r>
-            <a:r>
-              <a:rPr lang="en-US" dirty="0" smtClean="0"/>
-              <a:t>under emergency situation</a:t>
+              <a:t> make-up quizzes unless under emergency situation</a:t>
             </a:r>
           </a:p>
           <a:p>
@@ -4823,11 +4814,7 @@
             <a:pPr lvl="2"/>
             <a:r>
               <a:rPr lang="en-US" sz="2000" dirty="0" smtClean="0"/>
-              <a:t>Document </a:t>
-            </a:r>
-            <a:r>
-              <a:rPr lang="en-US" sz="2000" dirty="0" smtClean="0"/>
-              <a:t>classification/clustering</a:t>
+              <a:t>Document classification/clustering</a:t>
             </a:r>
           </a:p>
           <a:p>
@@ -4836,7 +4823,6 @@
               <a:rPr lang="en-US" sz="2000" dirty="0" smtClean="0"/>
               <a:t>Topic modeling</a:t>
             </a:r>
-            <a:endParaRPr lang="en-US" sz="2000" dirty="0" smtClean="0"/>
           </a:p>
           <a:p>
             <a:pPr lvl="2"/>
@@ -5034,21 +5020,8 @@
             <a:pPr lvl="1"/>
             <a:r>
               <a:rPr lang="en-US" dirty="0" smtClean="0"/>
-              <a:t>Introduce state-of-the-art </a:t>
-            </a:r>
-            <a:r>
-              <a:rPr lang="en-US" dirty="0" smtClean="0"/>
-              <a:t>large-scale </a:t>
-            </a:r>
-            <a:r>
-              <a:rPr lang="en-US" dirty="0" smtClean="0"/>
-              <a:t>text </a:t>
-            </a:r>
-            <a:r>
-              <a:rPr lang="en-US" dirty="0" smtClean="0"/>
-              <a:t>analytics techniques</a:t>
-            </a:r>
-            <a:endParaRPr lang="en-US" dirty="0" smtClean="0"/>
+              <a:t>Introduce state-of-the-art large-scale text analytics techniques</a:t>
+            </a:r>
           </a:p>
           <a:p>
             <a:pPr lvl="2"/>
@@ -5285,7 +5258,11 @@
             <a:pPr lvl="2"/>
             <a:r>
               <a:rPr lang="en-US" dirty="0" smtClean="0"/>
-              <a:t>discrete/continuous distributions, expectation, moments</a:t>
+              <a:t>Discrete/continuous </a:t>
+            </a:r>
+            <a:r>
+              <a:rPr lang="en-US" dirty="0" smtClean="0"/>
+              <a:t>distributions, expectation, moments</a:t>
             </a:r>
           </a:p>
           <a:p>
@@ -5697,26 +5674,14 @@
           <a:p>
             <a:r>
               <a:rPr lang="en-US" dirty="0" smtClean="0"/>
-              <a:t>Homework </a:t>
-            </a:r>
-            <a:r>
-              <a:rPr lang="en-US" dirty="0" smtClean="0"/>
-              <a:t>(30</a:t>
-            </a:r>
-            <a:r>
-              <a:rPr lang="en-US" dirty="0" smtClean="0"/>
-              <a:t>%)</a:t>
+              <a:t>Homework (30%)</a:t>
             </a:r>
           </a:p>
           <a:p>
             <a:pPr lvl="1"/>
             <a:r>
               <a:rPr lang="en-US" dirty="0" smtClean="0"/>
-              <a:t>Machine problems (~4</a:t>
-            </a:r>
-            <a:r>
-              <a:rPr lang="en-US" dirty="0" smtClean="0"/>
-              <a:t>)</a:t>
+              <a:t>Machine problems (~4)</a:t>
             </a:r>
           </a:p>
           <a:p>
@@ -5731,7 +5696,6 @@
               <a:rPr lang="en-US" dirty="0" smtClean="0"/>
               <a:t>To review the learned concepts (~5)</a:t>
             </a:r>
-            <a:endParaRPr lang="en-US" dirty="0" smtClean="0"/>
           </a:p>
           <a:p>
             <a:r>
@@ -5749,13 +5713,8 @@
           <a:p>
             <a:r>
               <a:rPr lang="en-US" dirty="0" smtClean="0"/>
-              <a:t>Course project </a:t>
-            </a:r>
-            <a:r>
-              <a:rPr lang="en-US" dirty="0" smtClean="0"/>
-              <a:t>(35%)</a:t>
-            </a:r>
-            <a:endParaRPr lang="en-US" dirty="0" smtClean="0"/>
+              <a:t>Course project (35%)</a:t>
+            </a:r>
           </a:p>
           <a:p>
             <a:pPr lvl="1"/>
@@ -5771,25 +5730,25 @@
             </a:r>
             <a:r>
               <a:rPr lang="en-US" dirty="0" smtClean="0"/>
-              <a:t>midterm/final </a:t>
-            </a:r>
-            <a:r>
-              <a:rPr lang="en-US" dirty="0" smtClean="0"/>
-              <a:t>exams</a:t>
-            </a:r>
-            <a:r>
-              <a:rPr lang="en-US" dirty="0" smtClean="0"/>
-              <a:t>!</a:t>
-            </a:r>
-          </a:p>
-          <a:p>
-            <a:r>
-              <a:rPr lang="en-US" b="1" dirty="0" smtClean="0"/>
+              <a:t>midterm/final exams!</a:t>
+            </a:r>
+          </a:p>
+          <a:p>
+            <a:r>
+              <a:rPr lang="en-US" b="1" smtClean="0"/>
               <a:t>No</a:t>
             </a:r>
             <a:r>
-              <a:rPr lang="en-US" dirty="0" smtClean="0"/>
-              <a:t> curves will be applied in final grading!</a:t>
+              <a:rPr lang="en-US" smtClean="0"/>
+              <a:t> </a:t>
+            </a:r>
+            <a:r>
+              <a:rPr lang="en-US" smtClean="0"/>
+              <a:t>curve </a:t>
+            </a:r>
+            <a:r>
+              <a:rPr lang="en-US" dirty="0" smtClean="0"/>
+              <a:t>will be applied in final grading!</a:t>
             </a:r>
             <a:endParaRPr lang="en-US" dirty="0"/>
           </a:p>
@@ -6610,13 +6569,8 @@
             <a:pPr lvl="2"/>
             <a:r>
               <a:rPr lang="en-US" dirty="0" smtClean="0"/>
-              <a:t>Up to </a:t>
-            </a:r>
-            <a:r>
-              <a:rPr lang="en-US" dirty="0" smtClean="0"/>
-              <a:t>3 students</a:t>
-            </a:r>
-            <a:endParaRPr lang="en-US" dirty="0" smtClean="0"/>
+              <a:t>Up to 3 students</a:t>
+            </a:r>
           </a:p>
           <a:p>
             <a:pPr lvl="1"/>
@@ -6633,13 +6587,8 @@
             <a:pPr lvl="2"/>
             <a:r>
               <a:rPr lang="en-US" dirty="0" smtClean="0"/>
-              <a:t>Discuss your topic with peers or the </a:t>
-            </a:r>
-            <a:r>
-              <a:rPr lang="en-US" dirty="0" smtClean="0"/>
-              <a:t>instructor first</a:t>
-            </a:r>
-            <a:endParaRPr lang="en-US" dirty="0" smtClean="0"/>
+              <a:t>Discuss your topic with peers or the instructor first</a:t>
+            </a:r>
           </a:p>
           <a:p>
             <a:pPr lvl="2"/>
@@ -6953,15 +6902,7 @@
             <a:pPr lvl="1"/>
             <a:r>
               <a:rPr lang="en-US" dirty="0" smtClean="0"/>
-              <a:t>Presentation in the last </a:t>
-            </a:r>
-            <a:r>
-              <a:rPr lang="en-US" dirty="0" smtClean="0"/>
-              <a:t>week of </a:t>
-            </a:r>
-            <a:r>
-              <a:rPr lang="en-US" dirty="0" smtClean="0"/>
-              <a:t>the semester</a:t>
+              <a:t>Presentation in the last week of the semester</a:t>
             </a:r>
           </a:p>
           <a:p>

--- a/docs/CoursePolicy.pptx
+++ b/docs/CoursePolicy.pptx
@@ -5,7 +5,7 @@
     <p:sldMasterId id="2147483648" r:id="rId1"/>
   </p:sldMasterIdLst>
   <p:notesMasterIdLst>
-    <p:notesMasterId r:id="rId15"/>
+    <p:notesMasterId r:id="rId17"/>
   </p:notesMasterIdLst>
   <p:sldIdLst>
     <p:sldId id="256" r:id="rId2"/>
@@ -19,8 +19,10 @@
     <p:sldId id="266" r:id="rId10"/>
     <p:sldId id="260" r:id="rId11"/>
     <p:sldId id="267" r:id="rId12"/>
-    <p:sldId id="263" r:id="rId13"/>
-    <p:sldId id="264" r:id="rId14"/>
+    <p:sldId id="269" r:id="rId13"/>
+    <p:sldId id="270" r:id="rId14"/>
+    <p:sldId id="263" r:id="rId15"/>
+    <p:sldId id="264" r:id="rId16"/>
   </p:sldIdLst>
   <p:sldSz cx="9144000" cy="6858000" type="screen4x3"/>
   <p:notesSz cx="6858000" cy="9144000"/>
@@ -135,6 +137,8 @@
             <p14:sldId id="266"/>
             <p14:sldId id="260"/>
             <p14:sldId id="267"/>
+            <p14:sldId id="269"/>
+            <p14:sldId id="270"/>
             <p14:sldId id="263"/>
             <p14:sldId id="264"/>
           </p14:sldIdLst>
@@ -241,7 +245,7 @@
           <a:p>
             <a:fld id="{89855770-2AA3-43A4-9924-C8197CB04EA0}" type="datetimeFigureOut">
               <a:rPr lang="en-US" smtClean="0"/>
-              <a:t>1/13/2015</a:t>
+              <a:t>1/19/2016</a:t>
             </a:fld>
             <a:endParaRPr lang="en-US"/>
           </a:p>
@@ -584,6 +588,174 @@
     <p:extLst>
       <p:ext uri="{BB962C8B-B14F-4D97-AF65-F5344CB8AC3E}">
         <p14:creationId xmlns:p14="http://schemas.microsoft.com/office/powerpoint/2010/main" val="3021190735"/>
+      </p:ext>
+    </p:extLst>
+  </p:cSld>
+  <p:clrMapOvr>
+    <a:masterClrMapping/>
+  </p:clrMapOvr>
+</p:notes>
+</file>
+
+<file path=ppt/notesSlides/notesSlide2.xml><?xml version="1.0" encoding="utf-8"?>
+<p:notes xmlns:a="http://schemas.openxmlformats.org/drawingml/2006/main" xmlns:r="http://schemas.openxmlformats.org/officeDocument/2006/relationships" xmlns:p="http://schemas.openxmlformats.org/presentationml/2006/main">
+  <p:cSld>
+    <p:spTree>
+      <p:nvGrpSpPr>
+        <p:cNvPr id="1" name=""/>
+        <p:cNvGrpSpPr/>
+        <p:nvPr/>
+      </p:nvGrpSpPr>
+      <p:grpSpPr>
+        <a:xfrm>
+          <a:off x="0" y="0"/>
+          <a:ext cx="0" cy="0"/>
+          <a:chOff x="0" y="0"/>
+          <a:chExt cx="0" cy="0"/>
+        </a:xfrm>
+      </p:grpSpPr>
+      <p:sp>
+        <p:nvSpPr>
+          <p:cNvPr id="2" name="Slide Image Placeholder 1"/>
+          <p:cNvSpPr>
+            <a:spLocks noGrp="1" noRot="1" noChangeAspect="1"/>
+          </p:cNvSpPr>
+          <p:nvPr>
+            <p:ph type="sldImg"/>
+          </p:nvPr>
+        </p:nvSpPr>
+        <p:spPr/>
+      </p:sp>
+      <p:sp>
+        <p:nvSpPr>
+          <p:cNvPr id="3" name="Notes Placeholder 2"/>
+          <p:cNvSpPr>
+            <a:spLocks noGrp="1"/>
+          </p:cNvSpPr>
+          <p:nvPr>
+            <p:ph type="body" idx="1"/>
+          </p:nvPr>
+        </p:nvSpPr>
+        <p:spPr/>
+        <p:txBody>
+          <a:bodyPr/>
+          <a:lstStyle/>
+          <a:p>
+            <a:endParaRPr lang="en-US"/>
+          </a:p>
+        </p:txBody>
+      </p:sp>
+      <p:sp>
+        <p:nvSpPr>
+          <p:cNvPr id="4" name="Slide Number Placeholder 3"/>
+          <p:cNvSpPr>
+            <a:spLocks noGrp="1"/>
+          </p:cNvSpPr>
+          <p:nvPr>
+            <p:ph type="sldNum" sz="quarter" idx="10"/>
+          </p:nvPr>
+        </p:nvSpPr>
+        <p:spPr/>
+        <p:txBody>
+          <a:bodyPr/>
+          <a:lstStyle/>
+          <a:p>
+            <a:fld id="{34E5FF70-55B8-4FAD-BCE2-A4D3A44BBAF4}" type="slidenum">
+              <a:rPr lang="en-US" smtClean="0"/>
+              <a:t>11</a:t>
+            </a:fld>
+            <a:endParaRPr lang="en-US"/>
+          </a:p>
+        </p:txBody>
+      </p:sp>
+    </p:spTree>
+    <p:extLst>
+      <p:ext uri="{BB962C8B-B14F-4D97-AF65-F5344CB8AC3E}">
+        <p14:creationId xmlns:p14="http://schemas.microsoft.com/office/powerpoint/2010/main" val="529276281"/>
+      </p:ext>
+    </p:extLst>
+  </p:cSld>
+  <p:clrMapOvr>
+    <a:masterClrMapping/>
+  </p:clrMapOvr>
+</p:notes>
+</file>
+
+<file path=ppt/notesSlides/notesSlide3.xml><?xml version="1.0" encoding="utf-8"?>
+<p:notes xmlns:a="http://schemas.openxmlformats.org/drawingml/2006/main" xmlns:r="http://schemas.openxmlformats.org/officeDocument/2006/relationships" xmlns:p="http://schemas.openxmlformats.org/presentationml/2006/main">
+  <p:cSld>
+    <p:spTree>
+      <p:nvGrpSpPr>
+        <p:cNvPr id="1" name=""/>
+        <p:cNvGrpSpPr/>
+        <p:nvPr/>
+      </p:nvGrpSpPr>
+      <p:grpSpPr>
+        <a:xfrm>
+          <a:off x="0" y="0"/>
+          <a:ext cx="0" cy="0"/>
+          <a:chOff x="0" y="0"/>
+          <a:chExt cx="0" cy="0"/>
+        </a:xfrm>
+      </p:grpSpPr>
+      <p:sp>
+        <p:nvSpPr>
+          <p:cNvPr id="2" name="Slide Image Placeholder 1"/>
+          <p:cNvSpPr>
+            <a:spLocks noGrp="1" noRot="1" noChangeAspect="1"/>
+          </p:cNvSpPr>
+          <p:nvPr>
+            <p:ph type="sldImg"/>
+          </p:nvPr>
+        </p:nvSpPr>
+        <p:spPr/>
+      </p:sp>
+      <p:sp>
+        <p:nvSpPr>
+          <p:cNvPr id="3" name="Notes Placeholder 2"/>
+          <p:cNvSpPr>
+            <a:spLocks noGrp="1"/>
+          </p:cNvSpPr>
+          <p:nvPr>
+            <p:ph type="body" idx="1"/>
+          </p:nvPr>
+        </p:nvSpPr>
+        <p:spPr/>
+        <p:txBody>
+          <a:bodyPr/>
+          <a:lstStyle/>
+          <a:p>
+            <a:endParaRPr lang="en-US"/>
+          </a:p>
+        </p:txBody>
+      </p:sp>
+      <p:sp>
+        <p:nvSpPr>
+          <p:cNvPr id="4" name="Slide Number Placeholder 3"/>
+          <p:cNvSpPr>
+            <a:spLocks noGrp="1"/>
+          </p:cNvSpPr>
+          <p:nvPr>
+            <p:ph type="sldNum" sz="quarter" idx="10"/>
+          </p:nvPr>
+        </p:nvSpPr>
+        <p:spPr/>
+        <p:txBody>
+          <a:bodyPr/>
+          <a:lstStyle/>
+          <a:p>
+            <a:fld id="{34E5FF70-55B8-4FAD-BCE2-A4D3A44BBAF4}" type="slidenum">
+              <a:rPr lang="en-US" smtClean="0"/>
+              <a:t>12</a:t>
+            </a:fld>
+            <a:endParaRPr lang="en-US"/>
+          </a:p>
+        </p:txBody>
+      </p:sp>
+    </p:spTree>
+    <p:extLst>
+      <p:ext uri="{BB962C8B-B14F-4D97-AF65-F5344CB8AC3E}">
+        <p14:creationId xmlns:p14="http://schemas.microsoft.com/office/powerpoint/2010/main" val="411770181"/>
       </p:ext>
     </p:extLst>
   </p:cSld>
@@ -4023,8 +4195,20 @@
             <a:pPr lvl="1"/>
             <a:r>
               <a:rPr lang="en-US" dirty="0" smtClean="0"/>
-              <a:t>15% late penalty will be applied</a:t>
-            </a:r>
+              <a:t>15% late penalty will be </a:t>
+            </a:r>
+            <a:r>
+              <a:rPr lang="en-US" dirty="0" smtClean="0"/>
+              <a:t>applied within the first week of due date</a:t>
+            </a:r>
+          </a:p>
+          <a:p>
+            <a:pPr lvl="1"/>
+            <a:r>
+              <a:rPr lang="en-US" dirty="0" smtClean="0"/>
+              <a:t>30% late penalty thereafter</a:t>
+            </a:r>
+            <a:endParaRPr lang="en-US" dirty="0" smtClean="0"/>
           </a:p>
           <a:p>
             <a:pPr lvl="1"/>
@@ -4103,16 +4287,16 @@
       </p:sp>
       <p:grpSp>
         <p:nvGrpSpPr>
-          <p:cNvPr id="5" name="Group 4"/>
+          <p:cNvPr id="9" name="Group 8"/>
           <p:cNvGrpSpPr/>
           <p:nvPr/>
         </p:nvGrpSpPr>
         <p:grpSpPr>
           <a:xfrm>
-            <a:off x="874190" y="3429000"/>
-            <a:ext cx="7507810" cy="2927350"/>
-            <a:chOff x="874190" y="3429000"/>
-            <a:chExt cx="7507810" cy="2927350"/>
+            <a:off x="1066800" y="3352800"/>
+            <a:ext cx="7467600" cy="2927350"/>
+            <a:chOff x="1066800" y="3352800"/>
+            <a:chExt cx="7467600" cy="2927350"/>
           </a:xfrm>
         </p:grpSpPr>
         <p:sp>
@@ -4123,7 +4307,7 @@
           </p:nvSpPr>
           <p:spPr>
             <a:xfrm>
-              <a:off x="3810000" y="4377645"/>
+              <a:off x="1066800" y="4816475"/>
               <a:ext cx="4572000" cy="954107"/>
             </a:xfrm>
             <a:prstGeom prst="rect">
@@ -4178,7 +4362,7 @@
             <p:nvPr/>
           </p:nvPicPr>
           <p:blipFill>
-            <a:blip r:embed="rId2">
+            <a:blip r:embed="rId3">
               <a:extLst>
                 <a:ext uri="{28A0092B-C50C-407E-A947-70E740481C1C}">
                   <a14:useLocalDpi xmlns:a14="http://schemas.microsoft.com/office/drawing/2010/main" val="0"/>
@@ -4192,7 +4376,7 @@
           </p:blipFill>
           <p:spPr bwMode="auto">
             <a:xfrm>
-              <a:off x="874190" y="3429000"/>
+              <a:off x="5598590" y="3352800"/>
               <a:ext cx="2935810" cy="2927350"/>
             </a:xfrm>
             <a:prstGeom prst="rect">
@@ -4242,7 +4426,7 @@
                             </p:stCondLst>
                             <p:childTnLst>
                               <p:par>
-                                <p:cTn id="5" presetID="1" presetClass="entr" presetSubtype="0" fill="hold" nodeType="clickEffect">
+                                <p:cTn id="5" presetID="10" presetClass="entr" presetSubtype="0" fill="hold" nodeType="clickEffect">
                                   <p:stCondLst>
                                     <p:cond delay="0"/>
                                   </p:stCondLst>
@@ -4255,7 +4439,7 @@
                                           </p:stCondLst>
                                         </p:cTn>
                                         <p:tgtEl>
-                                          <p:spTgt spid="5"/>
+                                          <p:spTgt spid="9"/>
                                         </p:tgtEl>
                                         <p:attrNameLst>
                                           <p:attrName>style.visibility</p:attrName>
@@ -4265,6 +4449,14 @@
                                         <p:strVal val="visible"/>
                                       </p:to>
                                     </p:set>
+                                    <p:animEffect transition="in" filter="fade">
+                                      <p:cBhvr>
+                                        <p:cTn id="7" dur="500"/>
+                                        <p:tgtEl>
+                                          <p:spTgt spid="9"/>
+                                        </p:tgtEl>
+                                      </p:cBhvr>
+                                    </p:animEffect>
                                   </p:childTnLst>
                                 </p:cTn>
                               </p:par>
@@ -4316,6 +4508,47 @@
           <a:chExt cx="0" cy="0"/>
         </a:xfrm>
       </p:grpSpPr>
+      <p:pic>
+        <p:nvPicPr>
+          <p:cNvPr id="2050" name="Picture 2" descr="https://s-media-cache-ak0.pinimg.com/236x/bd/71/92/bd7192d842f692d51546f689e4783552.jpg"/>
+          <p:cNvPicPr>
+            <a:picLocks noChangeAspect="1" noChangeArrowheads="1"/>
+          </p:cNvPicPr>
+          <p:nvPr/>
+        </p:nvPicPr>
+        <p:blipFill>
+          <a:blip r:embed="rId3">
+            <a:extLst>
+              <a:ext uri="{28A0092B-C50C-407E-A947-70E740481C1C}">
+                <a14:useLocalDpi xmlns:a14="http://schemas.microsoft.com/office/drawing/2010/main" val="0"/>
+              </a:ext>
+            </a:extLst>
+          </a:blip>
+          <a:srcRect/>
+          <a:stretch>
+            <a:fillRect/>
+          </a:stretch>
+        </p:blipFill>
+        <p:spPr bwMode="auto">
+          <a:xfrm>
+            <a:off x="3035300" y="3363382"/>
+            <a:ext cx="3009900" cy="3009901"/>
+          </a:xfrm>
+          <a:prstGeom prst="rect">
+            <a:avLst/>
+          </a:prstGeom>
+          <a:noFill/>
+          <a:extLst>
+            <a:ext uri="{909E8E84-426E-40DD-AFC4-6F175D3DCCD1}">
+              <a14:hiddenFill xmlns:a14="http://schemas.microsoft.com/office/drawing/2010/main">
+                <a:solidFill>
+                  <a:srgbClr val="FFFFFF"/>
+                </a:solidFill>
+              </a14:hiddenFill>
+            </a:ext>
+          </a:extLst>
+        </p:spPr>
+      </p:pic>
       <p:sp>
         <p:nvSpPr>
           <p:cNvPr id="2" name="Title 1"/>
@@ -4333,7 +4566,7 @@
           <a:p>
             <a:r>
               <a:rPr lang="en-US" dirty="0" smtClean="0"/>
-              <a:t>Contact information</a:t>
+              <a:t>Classroom participation</a:t>
             </a:r>
             <a:endParaRPr lang="en-US" dirty="0"/>
           </a:p>
@@ -4349,153 +4582,53 @@
             <p:ph idx="1"/>
           </p:nvPr>
         </p:nvSpPr>
-        <p:spPr>
-          <a:xfrm>
-            <a:off x="457200" y="1600200"/>
-            <a:ext cx="8229600" cy="4756150"/>
-          </a:xfrm>
-        </p:spPr>
-        <p:txBody>
-          <a:bodyPr>
-            <a:normAutofit fontScale="85000" lnSpcReduction="20000"/>
-          </a:bodyPr>
-          <a:lstStyle/>
-          <a:p>
-            <a:r>
-              <a:rPr lang="en-US" dirty="0" smtClean="0"/>
-              <a:t>Lecture </a:t>
+        <p:spPr/>
+        <p:txBody>
+          <a:bodyPr/>
+          <a:lstStyle/>
+          <a:p>
+            <a:r>
+              <a:rPr lang="en-US" dirty="0"/>
+              <a:t>HIGHLY APPRECIATED</a:t>
+            </a:r>
+            <a:r>
+              <a:rPr lang="en-US" dirty="0" smtClean="0"/>
+              <a:t>!</a:t>
             </a:r>
           </a:p>
           <a:p>
             <a:pPr lvl="1"/>
             <a:r>
               <a:rPr lang="en-US" dirty="0" smtClean="0"/>
-              <a:t>Instructor: </a:t>
-            </a:r>
-            <a:r>
-              <a:rPr lang="en-US" dirty="0" err="1" smtClean="0"/>
-              <a:t>Hongning</a:t>
-            </a:r>
-            <a:r>
-              <a:rPr lang="en-US" dirty="0" smtClean="0"/>
-              <a:t> Wang</a:t>
+              <a:t>Helps me quickly remember your names</a:t>
             </a:r>
           </a:p>
           <a:p>
             <a:pPr lvl="1"/>
             <a:r>
               <a:rPr lang="en-US" dirty="0" smtClean="0"/>
-              <a:t>Time: Tuesday/Thursday 9:30am to 10:45am</a:t>
+              <a:t>Reminds me what is still confusing </a:t>
             </a:r>
           </a:p>
           <a:p>
             <a:pPr lvl="1"/>
             <a:r>
               <a:rPr lang="en-US" dirty="0" smtClean="0"/>
-              <a:t>Location: </a:t>
-            </a:r>
-            <a:r>
-              <a:rPr lang="en-US" dirty="0"/>
-              <a:t>Rice Hall </a:t>
-            </a:r>
-            <a:r>
-              <a:rPr lang="en-US" dirty="0" smtClean="0"/>
-              <a:t>340</a:t>
-            </a:r>
-          </a:p>
-          <a:p>
-            <a:r>
-              <a:rPr lang="en-US" dirty="0" smtClean="0"/>
-              <a:t>Office hour</a:t>
+              <a:t>You can drive the lecture/discussion in this class!</a:t>
             </a:r>
           </a:p>
           <a:p>
             <a:pPr lvl="1"/>
-            <a:r>
-              <a:rPr lang="en-US" dirty="0" smtClean="0"/>
-              <a:t>Instructor’s</a:t>
-            </a:r>
-          </a:p>
-          <a:p>
-            <a:pPr lvl="2"/>
-            <a:r>
-              <a:rPr lang="en-US" dirty="0" smtClean="0"/>
-              <a:t>Time</a:t>
-            </a:r>
-            <a:r>
-              <a:rPr lang="en-US" dirty="0"/>
-              <a:t>: </a:t>
-            </a:r>
-            <a:r>
-              <a:rPr lang="en-US" dirty="0" smtClean="0"/>
-              <a:t>Thursday 11am </a:t>
-            </a:r>
-            <a:r>
-              <a:rPr lang="en-US" dirty="0"/>
-              <a:t>to </a:t>
-            </a:r>
-            <a:r>
-              <a:rPr lang="en-US" dirty="0" smtClean="0"/>
-              <a:t>12pm</a:t>
-            </a:r>
+            <a:endParaRPr lang="en-US" dirty="0" smtClean="0"/>
+          </a:p>
+          <a:p>
             <a:endParaRPr lang="en-US" dirty="0"/>
           </a:p>
-          <a:p>
-            <a:pPr lvl="2"/>
-            <a:r>
-              <a:rPr lang="en-US" dirty="0"/>
-              <a:t>Location: </a:t>
-            </a:r>
-            <a:r>
-              <a:rPr lang="en-US" dirty="0" smtClean="0"/>
-              <a:t>Rice Hall 408</a:t>
-            </a:r>
-          </a:p>
-          <a:p>
-            <a:r>
-              <a:rPr lang="en-US" dirty="0" smtClean="0"/>
-              <a:t>Course website</a:t>
-            </a:r>
-          </a:p>
-          <a:p>
-            <a:pPr lvl="1"/>
-            <a:r>
-              <a:rPr lang="en-US" dirty="0"/>
-              <a:t>Website: </a:t>
-            </a:r>
-            <a:r>
-              <a:rPr lang="en-US" dirty="0">
-                <a:hlinkClick r:id="rId2"/>
-              </a:rPr>
-              <a:t>http://www.cs.virginia.edu/~hw5x/Course/Text-Mining-2015-Spring/_</a:t>
-            </a:r>
-            <a:r>
-              <a:rPr lang="en-US" dirty="0" smtClean="0">
-                <a:hlinkClick r:id="rId2"/>
-              </a:rPr>
-              <a:t>site</a:t>
-            </a:r>
-            <a:endParaRPr lang="en-US" dirty="0" smtClean="0"/>
-          </a:p>
-          <a:p>
-            <a:pPr lvl="1"/>
-            <a:r>
-              <a:rPr lang="en-US" dirty="0" smtClean="0"/>
-              <a:t>Piazza: </a:t>
-            </a:r>
-            <a:r>
-              <a:rPr lang="en-US" dirty="0">
-                <a:hlinkClick r:id="rId3"/>
-              </a:rPr>
-              <a:t>https://piazza.com/class/i3zaobi7ivhlx</a:t>
-            </a:r>
-            <a:endParaRPr lang="en-US" dirty="0"/>
-          </a:p>
-        </p:txBody>
-      </p:sp>
-      <p:sp>
-        <p:nvSpPr>
-          <p:cNvPr id="6" name="Date Placeholder 5"/>
+        </p:txBody>
+      </p:sp>
+      <p:sp>
+        <p:nvSpPr>
+          <p:cNvPr id="4" name="Date Placeholder 3"/>
           <p:cNvSpPr>
             <a:spLocks noGrp="1"/>
           </p:cNvSpPr>
@@ -4518,7 +4651,7 @@
       </p:sp>
       <p:sp>
         <p:nvSpPr>
-          <p:cNvPr id="7" name="Footer Placeholder 6"/>
+          <p:cNvPr id="5" name="Footer Placeholder 4"/>
           <p:cNvSpPr>
             <a:spLocks noGrp="1"/>
           </p:cNvSpPr>
@@ -4541,7 +4674,7 @@
       </p:sp>
       <p:sp>
         <p:nvSpPr>
-          <p:cNvPr id="8" name="Slide Number Placeholder 7"/>
+          <p:cNvPr id="6" name="Slide Number Placeholder 5"/>
           <p:cNvSpPr>
             <a:spLocks noGrp="1"/>
           </p:cNvSpPr>
@@ -4562,10 +4695,51 @@
           </a:p>
         </p:txBody>
       </p:sp>
+      <p:pic>
+        <p:nvPicPr>
+          <p:cNvPr id="2054" name="Picture 6" descr="https://mathsimulationtechnology.files.wordpress.com/2012/02/sleepingstudents.jpg"/>
+          <p:cNvPicPr>
+            <a:picLocks noChangeAspect="1" noChangeArrowheads="1"/>
+          </p:cNvPicPr>
+          <p:nvPr/>
+        </p:nvPicPr>
+        <p:blipFill>
+          <a:blip r:embed="rId4" cstate="print">
+            <a:extLst>
+              <a:ext uri="{28A0092B-C50C-407E-A947-70E740481C1C}">
+                <a14:useLocalDpi xmlns:a14="http://schemas.microsoft.com/office/drawing/2010/main" val="0"/>
+              </a:ext>
+            </a:extLst>
+          </a:blip>
+          <a:srcRect/>
+          <a:stretch>
+            <a:fillRect/>
+          </a:stretch>
+        </p:blipFill>
+        <p:spPr bwMode="auto">
+          <a:xfrm>
+            <a:off x="2760134" y="3886200"/>
+            <a:ext cx="3318933" cy="2489200"/>
+          </a:xfrm>
+          <a:prstGeom prst="rect">
+            <a:avLst/>
+          </a:prstGeom>
+          <a:noFill/>
+          <a:extLst>
+            <a:ext uri="{909E8E84-426E-40DD-AFC4-6F175D3DCCD1}">
+              <a14:hiddenFill xmlns:a14="http://schemas.microsoft.com/office/drawing/2010/main">
+                <a:solidFill>
+                  <a:srgbClr val="FFFFFF"/>
+                </a:solidFill>
+              </a14:hiddenFill>
+            </a:ext>
+          </a:extLst>
+        </p:spPr>
+      </p:pic>
     </p:spTree>
     <p:extLst>
       <p:ext uri="{BB962C8B-B14F-4D97-AF65-F5344CB8AC3E}">
-        <p14:creationId xmlns:p14="http://schemas.microsoft.com/office/powerpoint/2010/main" val="3745411287"/>
+        <p14:creationId xmlns:p14="http://schemas.microsoft.com/office/powerpoint/2010/main" val="1552650695"/>
       </p:ext>
     </p:extLst>
   </p:cSld>
@@ -4575,7 +4749,147 @@
   <p:timing>
     <p:tnLst>
       <p:par>
-        <p:cTn id="1" dur="indefinite" restart="never" nodeType="tmRoot"/>
+        <p:cTn id="1" dur="indefinite" restart="never" nodeType="tmRoot">
+          <p:childTnLst>
+            <p:seq concurrent="1" nextAc="seek">
+              <p:cTn id="2" dur="indefinite" nodeType="mainSeq">
+                <p:childTnLst>
+                  <p:par>
+                    <p:cTn id="3" fill="hold">
+                      <p:stCondLst>
+                        <p:cond delay="indefinite"/>
+                      </p:stCondLst>
+                      <p:childTnLst>
+                        <p:par>
+                          <p:cTn id="4" fill="hold">
+                            <p:stCondLst>
+                              <p:cond delay="0"/>
+                            </p:stCondLst>
+                            <p:childTnLst>
+                              <p:par>
+                                <p:cTn id="5" presetID="1" presetClass="entr" presetSubtype="0" fill="hold" nodeType="clickEffect">
+                                  <p:stCondLst>
+                                    <p:cond delay="0"/>
+                                  </p:stCondLst>
+                                  <p:childTnLst>
+                                    <p:set>
+                                      <p:cBhvr>
+                                        <p:cTn id="6" dur="1" fill="hold">
+                                          <p:stCondLst>
+                                            <p:cond delay="0"/>
+                                          </p:stCondLst>
+                                        </p:cTn>
+                                        <p:tgtEl>
+                                          <p:spTgt spid="2054"/>
+                                        </p:tgtEl>
+                                        <p:attrNameLst>
+                                          <p:attrName>style.visibility</p:attrName>
+                                        </p:attrNameLst>
+                                      </p:cBhvr>
+                                      <p:to>
+                                        <p:strVal val="visible"/>
+                                      </p:to>
+                                    </p:set>
+                                  </p:childTnLst>
+                                </p:cTn>
+                              </p:par>
+                            </p:childTnLst>
+                          </p:cTn>
+                        </p:par>
+                      </p:childTnLst>
+                    </p:cTn>
+                  </p:par>
+                  <p:par>
+                    <p:cTn id="7" fill="hold">
+                      <p:stCondLst>
+                        <p:cond delay="indefinite"/>
+                      </p:stCondLst>
+                      <p:childTnLst>
+                        <p:par>
+                          <p:cTn id="8" fill="hold">
+                            <p:stCondLst>
+                              <p:cond delay="0"/>
+                            </p:stCondLst>
+                            <p:childTnLst>
+                              <p:par>
+                                <p:cTn id="9" presetID="1" presetClass="exit" presetSubtype="0" fill="hold" nodeType="clickEffect">
+                                  <p:stCondLst>
+                                    <p:cond delay="0"/>
+                                  </p:stCondLst>
+                                  <p:childTnLst>
+                                    <p:set>
+                                      <p:cBhvr>
+                                        <p:cTn id="10" dur="1" fill="hold">
+                                          <p:stCondLst>
+                                            <p:cond delay="0"/>
+                                          </p:stCondLst>
+                                        </p:cTn>
+                                        <p:tgtEl>
+                                          <p:spTgt spid="2054"/>
+                                        </p:tgtEl>
+                                        <p:attrNameLst>
+                                          <p:attrName>style.visibility</p:attrName>
+                                        </p:attrNameLst>
+                                      </p:cBhvr>
+                                      <p:to>
+                                        <p:strVal val="hidden"/>
+                                      </p:to>
+                                    </p:set>
+                                  </p:childTnLst>
+                                </p:cTn>
+                              </p:par>
+                              <p:par>
+                                <p:cTn id="11" presetID="1" presetClass="entr" presetSubtype="0" fill="hold" nodeType="withEffect">
+                                  <p:stCondLst>
+                                    <p:cond delay="0"/>
+                                  </p:stCondLst>
+                                  <p:childTnLst>
+                                    <p:set>
+                                      <p:cBhvr>
+                                        <p:cTn id="12" dur="1" fill="hold">
+                                          <p:stCondLst>
+                                            <p:cond delay="0"/>
+                                          </p:stCondLst>
+                                        </p:cTn>
+                                        <p:tgtEl>
+                                          <p:spTgt spid="2050"/>
+                                        </p:tgtEl>
+                                        <p:attrNameLst>
+                                          <p:attrName>style.visibility</p:attrName>
+                                        </p:attrNameLst>
+                                      </p:cBhvr>
+                                      <p:to>
+                                        <p:strVal val="visible"/>
+                                      </p:to>
+                                    </p:set>
+                                  </p:childTnLst>
+                                </p:cTn>
+                              </p:par>
+                            </p:childTnLst>
+                          </p:cTn>
+                        </p:par>
+                      </p:childTnLst>
+                    </p:cTn>
+                  </p:par>
+                </p:childTnLst>
+              </p:cTn>
+              <p:prevCondLst>
+                <p:cond evt="onPrev" delay="0">
+                  <p:tgtEl>
+                    <p:sldTgt/>
+                  </p:tgtEl>
+                </p:cond>
+              </p:prevCondLst>
+              <p:nextCondLst>
+                <p:cond evt="onNext" delay="0">
+                  <p:tgtEl>
+                    <p:sldTgt/>
+                  </p:tgtEl>
+                </p:cond>
+              </p:nextCondLst>
+            </p:seq>
+          </p:childTnLst>
+        </p:cTn>
       </p:par>
     </p:tnLst>
   </p:timing>
@@ -4601,6 +4915,613 @@
       </p:grpSpPr>
       <p:sp>
         <p:nvSpPr>
+          <p:cNvPr id="2" name="Title 1"/>
+          <p:cNvSpPr>
+            <a:spLocks noGrp="1"/>
+          </p:cNvSpPr>
+          <p:nvPr>
+            <p:ph type="title"/>
+          </p:nvPr>
+        </p:nvSpPr>
+        <p:spPr/>
+        <p:txBody>
+          <a:bodyPr/>
+          <a:lstStyle/>
+          <a:p>
+            <a:r>
+              <a:rPr lang="en-US" dirty="0" smtClean="0"/>
+              <a:t>TAs</a:t>
+            </a:r>
+            <a:endParaRPr lang="en-US" dirty="0"/>
+          </a:p>
+        </p:txBody>
+      </p:sp>
+      <p:sp>
+        <p:nvSpPr>
+          <p:cNvPr id="4" name="Date Placeholder 3"/>
+          <p:cNvSpPr>
+            <a:spLocks noGrp="1"/>
+          </p:cNvSpPr>
+          <p:nvPr>
+            <p:ph type="dt" sz="half" idx="10"/>
+          </p:nvPr>
+        </p:nvSpPr>
+        <p:spPr/>
+        <p:txBody>
+          <a:bodyPr/>
+          <a:lstStyle/>
+          <a:p>
+            <a:r>
+              <a:rPr lang="en-US" smtClean="0"/>
+              <a:t>CS@UVa</a:t>
+            </a:r>
+            <a:endParaRPr lang="en-US"/>
+          </a:p>
+        </p:txBody>
+      </p:sp>
+      <p:sp>
+        <p:nvSpPr>
+          <p:cNvPr id="5" name="Footer Placeholder 4"/>
+          <p:cNvSpPr>
+            <a:spLocks noGrp="1"/>
+          </p:cNvSpPr>
+          <p:nvPr>
+            <p:ph type="ftr" sz="quarter" idx="11"/>
+          </p:nvPr>
+        </p:nvSpPr>
+        <p:spPr/>
+        <p:txBody>
+          <a:bodyPr/>
+          <a:lstStyle/>
+          <a:p>
+            <a:r>
+              <a:rPr lang="en-US" smtClean="0"/>
+              <a:t>CS4501: Information Retrieval</a:t>
+            </a:r>
+            <a:endParaRPr lang="en-US"/>
+          </a:p>
+        </p:txBody>
+      </p:sp>
+      <p:sp>
+        <p:nvSpPr>
+          <p:cNvPr id="6" name="Slide Number Placeholder 5"/>
+          <p:cNvSpPr>
+            <a:spLocks noGrp="1"/>
+          </p:cNvSpPr>
+          <p:nvPr>
+            <p:ph type="sldNum" sz="quarter" idx="12"/>
+          </p:nvPr>
+        </p:nvSpPr>
+        <p:spPr/>
+        <p:txBody>
+          <a:bodyPr/>
+          <a:lstStyle/>
+          <a:p>
+            <a:fld id="{8B73B576-4618-475D-9FCB-4FE0D483ACFE}" type="slidenum">
+              <a:rPr lang="en-US" smtClean="0"/>
+              <a:t>13</a:t>
+            </a:fld>
+            <a:endParaRPr lang="en-US"/>
+          </a:p>
+        </p:txBody>
+      </p:sp>
+      <p:pic>
+        <p:nvPicPr>
+          <p:cNvPr id="3074" name="Picture 2" descr="http://www.cs.virginia.edu/people/grads/images/newgrads2013/Gong,Lin2.JPG"/>
+          <p:cNvPicPr>
+            <a:picLocks noChangeAspect="1" noChangeArrowheads="1"/>
+          </p:cNvPicPr>
+          <p:nvPr/>
+        </p:nvPicPr>
+        <p:blipFill>
+          <a:blip r:embed="rId2">
+            <a:extLst>
+              <a:ext uri="{28A0092B-C50C-407E-A947-70E740481C1C}">
+                <a14:useLocalDpi xmlns:a14="http://schemas.microsoft.com/office/drawing/2010/main" val="0"/>
+              </a:ext>
+            </a:extLst>
+          </a:blip>
+          <a:srcRect/>
+          <a:stretch>
+            <a:fillRect/>
+          </a:stretch>
+        </p:blipFill>
+        <p:spPr bwMode="auto">
+          <a:xfrm>
+            <a:off x="2362200" y="2362200"/>
+            <a:ext cx="1143000" cy="1524001"/>
+          </a:xfrm>
+          <a:prstGeom prst="rect">
+            <a:avLst/>
+          </a:prstGeom>
+          <a:noFill/>
+          <a:extLst>
+            <a:ext uri="{909E8E84-426E-40DD-AFC4-6F175D3DCCD1}">
+              <a14:hiddenFill xmlns:a14="http://schemas.microsoft.com/office/drawing/2010/main">
+                <a:solidFill>
+                  <a:srgbClr val="FFFFFF"/>
+                </a:solidFill>
+              </a14:hiddenFill>
+            </a:ext>
+          </a:extLst>
+        </p:spPr>
+      </p:pic>
+      <p:pic>
+        <p:nvPicPr>
+          <p:cNvPr id="3076" name="Picture 4" descr="http://www.cs.virginia.edu/people/grads/images/newgrads14/Wu,Qingyun2.jpg"/>
+          <p:cNvPicPr>
+            <a:picLocks noChangeAspect="1" noChangeArrowheads="1"/>
+          </p:cNvPicPr>
+          <p:nvPr/>
+        </p:nvPicPr>
+        <p:blipFill>
+          <a:blip r:embed="rId3">
+            <a:extLst>
+              <a:ext uri="{28A0092B-C50C-407E-A947-70E740481C1C}">
+                <a14:useLocalDpi xmlns:a14="http://schemas.microsoft.com/office/drawing/2010/main" val="0"/>
+              </a:ext>
+            </a:extLst>
+          </a:blip>
+          <a:srcRect/>
+          <a:stretch>
+            <a:fillRect/>
+          </a:stretch>
+        </p:blipFill>
+        <p:spPr bwMode="auto">
+          <a:xfrm>
+            <a:off x="5181600" y="2362200"/>
+            <a:ext cx="1143000" cy="1524001"/>
+          </a:xfrm>
+          <a:prstGeom prst="rect">
+            <a:avLst/>
+          </a:prstGeom>
+          <a:noFill/>
+          <a:extLst>
+            <a:ext uri="{909E8E84-426E-40DD-AFC4-6F175D3DCCD1}">
+              <a14:hiddenFill xmlns:a14="http://schemas.microsoft.com/office/drawing/2010/main">
+                <a:solidFill>
+                  <a:srgbClr val="FFFFFF"/>
+                </a:solidFill>
+              </a14:hiddenFill>
+            </a:ext>
+          </a:extLst>
+        </p:spPr>
+      </p:pic>
+      <p:sp>
+        <p:nvSpPr>
+          <p:cNvPr id="7" name="TextBox 6"/>
+          <p:cNvSpPr txBox="1"/>
+          <p:nvPr/>
+        </p:nvSpPr>
+        <p:spPr>
+          <a:xfrm>
+            <a:off x="2257424" y="4078862"/>
+            <a:ext cx="1981201" cy="923330"/>
+          </a:xfrm>
+          <a:prstGeom prst="rect">
+            <a:avLst/>
+          </a:prstGeom>
+          <a:noFill/>
+        </p:spPr>
+        <p:txBody>
+          <a:bodyPr wrap="square" rtlCol="0">
+            <a:spAutoFit/>
+          </a:bodyPr>
+          <a:lstStyle/>
+          <a:p>
+            <a:r>
+              <a:rPr lang="en-US" dirty="0" smtClean="0"/>
+              <a:t>Gong </a:t>
+            </a:r>
+            <a:r>
+              <a:rPr lang="en-US" dirty="0" smtClean="0"/>
+              <a:t>Lin (lead)</a:t>
+            </a:r>
+            <a:endParaRPr lang="en-US" dirty="0" smtClean="0"/>
+          </a:p>
+          <a:p>
+            <a:r>
+              <a:rPr lang="en-US" dirty="0"/>
+              <a:t>lg5bt@virginia.edu </a:t>
+            </a:r>
+            <a:endParaRPr lang="en-US" dirty="0" smtClean="0"/>
+          </a:p>
+          <a:p>
+            <a:endParaRPr lang="en-US" dirty="0"/>
+          </a:p>
+        </p:txBody>
+      </p:sp>
+      <p:sp>
+        <p:nvSpPr>
+          <p:cNvPr id="11" name="TextBox 10"/>
+          <p:cNvSpPr txBox="1"/>
+          <p:nvPr/>
+        </p:nvSpPr>
+        <p:spPr>
+          <a:xfrm>
+            <a:off x="5076824" y="4085257"/>
+            <a:ext cx="2133601" cy="923330"/>
+          </a:xfrm>
+          <a:prstGeom prst="rect">
+            <a:avLst/>
+          </a:prstGeom>
+          <a:noFill/>
+        </p:spPr>
+        <p:txBody>
+          <a:bodyPr wrap="square" rtlCol="0">
+            <a:spAutoFit/>
+          </a:bodyPr>
+          <a:lstStyle/>
+          <a:p>
+            <a:r>
+              <a:rPr lang="en-US" dirty="0" err="1" smtClean="0"/>
+              <a:t>Qingyun</a:t>
+            </a:r>
+            <a:r>
+              <a:rPr lang="en-US" dirty="0" smtClean="0"/>
+              <a:t> Wu</a:t>
+            </a:r>
+          </a:p>
+          <a:p>
+            <a:r>
+              <a:rPr lang="en-US" dirty="0"/>
+              <a:t>qw2ky@virginia.edu  </a:t>
+            </a:r>
+            <a:endParaRPr lang="en-US" dirty="0" smtClean="0"/>
+          </a:p>
+          <a:p>
+            <a:endParaRPr lang="en-US" dirty="0"/>
+          </a:p>
+        </p:txBody>
+      </p:sp>
+    </p:spTree>
+    <p:extLst>
+      <p:ext uri="{BB962C8B-B14F-4D97-AF65-F5344CB8AC3E}">
+        <p14:creationId xmlns:p14="http://schemas.microsoft.com/office/powerpoint/2010/main" val="2489746396"/>
+      </p:ext>
+    </p:extLst>
+  </p:cSld>
+  <p:clrMapOvr>
+    <a:masterClrMapping/>
+  </p:clrMapOvr>
+  <p:timing>
+    <p:tnLst>
+      <p:par>
+        <p:cTn id="1" dur="indefinite" restart="never" nodeType="tmRoot"/>
+      </p:par>
+    </p:tnLst>
+  </p:timing>
+</p:sld>
+</file>
+
+<file path=ppt/slides/slide14.xml><?xml version="1.0" encoding="utf-8"?>
+<p:sld xmlns:a="http://schemas.openxmlformats.org/drawingml/2006/main" xmlns:r="http://schemas.openxmlformats.org/officeDocument/2006/relationships" xmlns:p="http://schemas.openxmlformats.org/presentationml/2006/main">
+  <p:cSld>
+    <p:spTree>
+      <p:nvGrpSpPr>
+        <p:cNvPr id="1" name=""/>
+        <p:cNvGrpSpPr/>
+        <p:nvPr/>
+      </p:nvGrpSpPr>
+      <p:grpSpPr>
+        <a:xfrm>
+          <a:off x="0" y="0"/>
+          <a:ext cx="0" cy="0"/>
+          <a:chOff x="0" y="0"/>
+          <a:chExt cx="0" cy="0"/>
+        </a:xfrm>
+      </p:grpSpPr>
+      <p:sp>
+        <p:nvSpPr>
+          <p:cNvPr id="2" name="Title 1"/>
+          <p:cNvSpPr>
+            <a:spLocks noGrp="1"/>
+          </p:cNvSpPr>
+          <p:nvPr>
+            <p:ph type="title"/>
+          </p:nvPr>
+        </p:nvSpPr>
+        <p:spPr/>
+        <p:txBody>
+          <a:bodyPr/>
+          <a:lstStyle/>
+          <a:p>
+            <a:r>
+              <a:rPr lang="en-US" dirty="0" smtClean="0"/>
+              <a:t>Contact information</a:t>
+            </a:r>
+            <a:endParaRPr lang="en-US" dirty="0"/>
+          </a:p>
+        </p:txBody>
+      </p:sp>
+      <p:sp>
+        <p:nvSpPr>
+          <p:cNvPr id="3" name="Content Placeholder 2"/>
+          <p:cNvSpPr>
+            <a:spLocks noGrp="1"/>
+          </p:cNvSpPr>
+          <p:nvPr>
+            <p:ph idx="1"/>
+          </p:nvPr>
+        </p:nvSpPr>
+        <p:spPr>
+          <a:xfrm>
+            <a:off x="457200" y="1600200"/>
+            <a:ext cx="8229600" cy="4756150"/>
+          </a:xfrm>
+        </p:spPr>
+        <p:txBody>
+          <a:bodyPr>
+            <a:normAutofit fontScale="70000" lnSpcReduction="20000"/>
+          </a:bodyPr>
+          <a:lstStyle/>
+          <a:p>
+            <a:r>
+              <a:rPr lang="en-US" dirty="0"/>
+              <a:t>Lecture </a:t>
+            </a:r>
+          </a:p>
+          <a:p>
+            <a:pPr lvl="1"/>
+            <a:r>
+              <a:rPr lang="en-US" dirty="0"/>
+              <a:t>Instructor: Hongning Wang</a:t>
+            </a:r>
+          </a:p>
+          <a:p>
+            <a:pPr lvl="1"/>
+            <a:r>
+              <a:rPr lang="en-US" dirty="0"/>
+              <a:t>Time: Monday/Wednesday 5:00pm to 6:15pm</a:t>
+            </a:r>
+          </a:p>
+          <a:p>
+            <a:pPr lvl="1"/>
+            <a:r>
+              <a:rPr lang="en-US" dirty="0"/>
+              <a:t>Location: Olsson Hall </a:t>
+            </a:r>
+            <a:r>
+              <a:rPr lang="en-US" dirty="0" smtClean="0"/>
+              <a:t>009</a:t>
+            </a:r>
+            <a:endParaRPr lang="en-US" dirty="0"/>
+          </a:p>
+          <a:p>
+            <a:r>
+              <a:rPr lang="en-US" dirty="0"/>
+              <a:t>Office hour</a:t>
+            </a:r>
+          </a:p>
+          <a:p>
+            <a:pPr lvl="1"/>
+            <a:r>
+              <a:rPr lang="en-US" dirty="0"/>
+              <a:t>Instructor’s</a:t>
+            </a:r>
+          </a:p>
+          <a:p>
+            <a:pPr lvl="2"/>
+            <a:r>
+              <a:rPr lang="en-US" dirty="0"/>
+              <a:t>Time: Monday/Wednesday 4:00pm to 5:00pm</a:t>
+            </a:r>
+          </a:p>
+          <a:p>
+            <a:pPr lvl="2"/>
+            <a:r>
+              <a:rPr lang="en-US" dirty="0"/>
+              <a:t>Location: Rice Hall 408</a:t>
+            </a:r>
+          </a:p>
+          <a:p>
+            <a:pPr lvl="1"/>
+            <a:r>
+              <a:rPr lang="en-US" dirty="0"/>
+              <a:t>TAs’</a:t>
+            </a:r>
+          </a:p>
+          <a:p>
+            <a:pPr lvl="2"/>
+            <a:r>
+              <a:rPr lang="en-US" dirty="0"/>
+              <a:t>Time: Tuesday/Thursday </a:t>
+            </a:r>
+            <a:r>
+              <a:rPr lang="en-US" b="1" dirty="0" smtClean="0"/>
+              <a:t>3:00pm </a:t>
+            </a:r>
+            <a:r>
+              <a:rPr lang="en-US" b="1" dirty="0"/>
+              <a:t>to </a:t>
+            </a:r>
+            <a:r>
+              <a:rPr lang="en-US" b="1" dirty="0" smtClean="0"/>
+              <a:t>4:00pm</a:t>
+            </a:r>
+            <a:endParaRPr lang="en-US" b="1" dirty="0"/>
+          </a:p>
+          <a:p>
+            <a:pPr lvl="2"/>
+            <a:r>
+              <a:rPr lang="en-US" dirty="0"/>
+              <a:t>Location: Rice Hall 414 </a:t>
+            </a:r>
+            <a:endParaRPr lang="en-US" dirty="0" smtClean="0"/>
+          </a:p>
+          <a:p>
+            <a:r>
+              <a:rPr lang="en-US" dirty="0" smtClean="0"/>
+              <a:t>Course </a:t>
+            </a:r>
+            <a:r>
+              <a:rPr lang="en-US" dirty="0" smtClean="0"/>
+              <a:t>website</a:t>
+            </a:r>
+          </a:p>
+          <a:p>
+            <a:pPr lvl="1"/>
+            <a:r>
+              <a:rPr lang="en-US" dirty="0"/>
+              <a:t>Website: </a:t>
+            </a:r>
+            <a:r>
+              <a:rPr lang="en-US" dirty="0">
+                <a:hlinkClick r:id="rId2"/>
+              </a:rPr>
+              <a:t>http://www.cs.virginia.edu/~hw5x/Course/CS6501-Text-Mining/_</a:t>
+            </a:r>
+            <a:r>
+              <a:rPr lang="en-US" dirty="0" smtClean="0">
+                <a:hlinkClick r:id="rId2"/>
+              </a:rPr>
+              <a:t>site</a:t>
+            </a:r>
+            <a:r>
+              <a:rPr lang="en-US" dirty="0" smtClean="0"/>
+              <a:t> </a:t>
+            </a:r>
+          </a:p>
+          <a:p>
+            <a:pPr lvl="1"/>
+            <a:r>
+              <a:rPr lang="en-US" dirty="0" smtClean="0"/>
+              <a:t>Piazza</a:t>
+            </a:r>
+            <a:r>
+              <a:rPr lang="en-US" dirty="0" smtClean="0"/>
+              <a:t>: </a:t>
+            </a:r>
+            <a:r>
+              <a:rPr lang="en-US" dirty="0">
+                <a:hlinkClick r:id="rId3" action="ppaction://hlinkfile"/>
+              </a:rPr>
+              <a:t>https</a:t>
+            </a:r>
+            <a:r>
+              <a:rPr lang="en-US" dirty="0" smtClean="0">
+                <a:hlinkClick r:id="rId3" action="ppaction://hlinkfile"/>
+              </a:rPr>
+              <a:t>://</a:t>
+            </a:r>
+            <a:r>
+              <a:rPr lang="en-US" dirty="0" smtClean="0">
+                <a:hlinkClick r:id="rId3" action="ppaction://hlinkfile"/>
+              </a:rPr>
+              <a:t>piazza.com/virginia/spring2016/cs6501/home</a:t>
+            </a:r>
+            <a:endParaRPr lang="en-US" dirty="0"/>
+          </a:p>
+        </p:txBody>
+      </p:sp>
+      <p:sp>
+        <p:nvSpPr>
+          <p:cNvPr id="6" name="Date Placeholder 5"/>
+          <p:cNvSpPr>
+            <a:spLocks noGrp="1"/>
+          </p:cNvSpPr>
+          <p:nvPr>
+            <p:ph type="dt" sz="half" idx="10"/>
+          </p:nvPr>
+        </p:nvSpPr>
+        <p:spPr/>
+        <p:txBody>
+          <a:bodyPr/>
+          <a:lstStyle/>
+          <a:p>
+            <a:r>
+              <a:rPr lang="en-US" smtClean="0"/>
+              <a:t>CS@UVa</a:t>
+            </a:r>
+            <a:endParaRPr lang="en-US"/>
+          </a:p>
+        </p:txBody>
+      </p:sp>
+      <p:sp>
+        <p:nvSpPr>
+          <p:cNvPr id="7" name="Footer Placeholder 6"/>
+          <p:cNvSpPr>
+            <a:spLocks noGrp="1"/>
+          </p:cNvSpPr>
+          <p:nvPr>
+            <p:ph type="ftr" sz="quarter" idx="11"/>
+          </p:nvPr>
+        </p:nvSpPr>
+        <p:spPr/>
+        <p:txBody>
+          <a:bodyPr/>
+          <a:lstStyle/>
+          <a:p>
+            <a:r>
+              <a:rPr lang="en-US" smtClean="0"/>
+              <a:t>CS6501: Text Mining</a:t>
+            </a:r>
+            <a:endParaRPr lang="en-US"/>
+          </a:p>
+        </p:txBody>
+      </p:sp>
+      <p:sp>
+        <p:nvSpPr>
+          <p:cNvPr id="8" name="Slide Number Placeholder 7"/>
+          <p:cNvSpPr>
+            <a:spLocks noGrp="1"/>
+          </p:cNvSpPr>
+          <p:nvPr>
+            <p:ph type="sldNum" sz="quarter" idx="12"/>
+          </p:nvPr>
+        </p:nvSpPr>
+        <p:spPr/>
+        <p:txBody>
+          <a:bodyPr/>
+          <a:lstStyle/>
+          <a:p>
+            <a:fld id="{8B73B576-4618-475D-9FCB-4FE0D483ACFE}" type="slidenum">
+              <a:rPr lang="en-US" smtClean="0"/>
+              <a:t>14</a:t>
+            </a:fld>
+            <a:endParaRPr lang="en-US"/>
+          </a:p>
+        </p:txBody>
+      </p:sp>
+    </p:spTree>
+    <p:extLst>
+      <p:ext uri="{BB962C8B-B14F-4D97-AF65-F5344CB8AC3E}">
+        <p14:creationId xmlns:p14="http://schemas.microsoft.com/office/powerpoint/2010/main" val="3745411287"/>
+      </p:ext>
+    </p:extLst>
+  </p:cSld>
+  <p:clrMapOvr>
+    <a:masterClrMapping/>
+  </p:clrMapOvr>
+  <p:timing>
+    <p:tnLst>
+      <p:par>
+        <p:cTn id="1" dur="indefinite" restart="never" nodeType="tmRoot"/>
+      </p:par>
+    </p:tnLst>
+  </p:timing>
+</p:sld>
+</file>
+
+<file path=ppt/slides/slide15.xml><?xml version="1.0" encoding="utf-8"?>
+<p:sld xmlns:a="http://schemas.openxmlformats.org/drawingml/2006/main" xmlns:r="http://schemas.openxmlformats.org/officeDocument/2006/relationships" xmlns:p="http://schemas.openxmlformats.org/presentationml/2006/main">
+  <p:cSld>
+    <p:spTree>
+      <p:nvGrpSpPr>
+        <p:cNvPr id="1" name=""/>
+        <p:cNvGrpSpPr/>
+        <p:nvPr/>
+      </p:nvGrpSpPr>
+      <p:grpSpPr>
+        <a:xfrm>
+          <a:off x="0" y="0"/>
+          <a:ext cx="0" cy="0"/>
+          <a:chOff x="0" y="0"/>
+          <a:chExt cx="0" cy="0"/>
+        </a:xfrm>
+      </p:grpSpPr>
+      <p:sp>
+        <p:nvSpPr>
           <p:cNvPr id="4" name="Title 3"/>
           <p:cNvSpPr>
             <a:spLocks noGrp="1"/>
@@ -4708,7 +5629,7 @@
           <a:p>
             <a:fld id="{8B73B576-4618-475D-9FCB-4FE0D483ACFE}" type="slidenum">
               <a:rPr lang="en-US" smtClean="0"/>
-              <a:t>13</a:t>
+              <a:t>15</a:t>
             </a:fld>
             <a:endParaRPr lang="en-US"/>
           </a:p>
@@ -5013,8 +5934,13 @@
             <a:pPr lvl="2"/>
             <a:r>
               <a:rPr lang="en-US" dirty="0" smtClean="0"/>
-              <a:t>E.g., NLP pipelines, classification/clustering models, and social network analysis</a:t>
-            </a:r>
+              <a:t>E.g., NLP pipelines, classification/clustering models, and </a:t>
+            </a:r>
+            <a:r>
+              <a:rPr lang="en-US" dirty="0" smtClean="0"/>
+              <a:t>probabilistic topic models</a:t>
+            </a:r>
+            <a:endParaRPr lang="en-US" dirty="0" smtClean="0"/>
           </a:p>
           <a:p>
             <a:pPr lvl="1"/>
@@ -5231,8 +6157,13 @@
             <a:pPr lvl="2"/>
             <a:r>
               <a:rPr lang="en-US" dirty="0" smtClean="0"/>
-              <a:t>Most open source packages are written in Java</a:t>
-            </a:r>
+              <a:t>Most open source packages are written in </a:t>
+            </a:r>
+            <a:r>
+              <a:rPr lang="en-US" dirty="0" smtClean="0"/>
+              <a:t>Java!</a:t>
+            </a:r>
+            <a:endParaRPr lang="en-US" dirty="0" smtClean="0"/>
           </a:p>
           <a:p>
             <a:pPr lvl="1"/>
@@ -5258,11 +6189,7 @@
             <a:pPr lvl="2"/>
             <a:r>
               <a:rPr lang="en-US" dirty="0" smtClean="0"/>
-              <a:t>Discrete/continuous </a:t>
-            </a:r>
-            <a:r>
-              <a:rPr lang="en-US" dirty="0" smtClean="0"/>
-              <a:t>distributions, expectation, moments</a:t>
+              <a:t>Discrete/continuous distributions, expectation, moments</a:t>
             </a:r>
           </a:p>
           <a:p>
@@ -5276,8 +6203,13 @@
             <a:pPr lvl="2"/>
             <a:r>
               <a:rPr lang="en-US" dirty="0" smtClean="0"/>
-              <a:t>Vector, matrix, dot product</a:t>
-            </a:r>
+              <a:t>Vector, matrix, dot </a:t>
+            </a:r>
+            <a:r>
+              <a:rPr lang="en-US" dirty="0" smtClean="0"/>
+              <a:t>product, matrix factorization</a:t>
+            </a:r>
+            <a:endParaRPr lang="en-US" dirty="0" smtClean="0"/>
           </a:p>
           <a:p>
             <a:pPr lvl="1"/>
@@ -5290,7 +6222,11 @@
             <a:pPr lvl="2"/>
             <a:r>
               <a:rPr lang="en-US" dirty="0" smtClean="0"/>
-              <a:t>Gradient-based methods</a:t>
+              <a:t>Gradient-based </a:t>
+            </a:r>
+            <a:r>
+              <a:rPr lang="en-US" dirty="0" smtClean="0"/>
+              <a:t>methods, optimality conditions</a:t>
             </a:r>
             <a:endParaRPr lang="en-US" dirty="0"/>
           </a:p>
@@ -5674,7 +6610,15 @@
           <a:p>
             <a:r>
               <a:rPr lang="en-US" dirty="0" smtClean="0"/>
-              <a:t>Homework (30%)</a:t>
+              <a:t>Homework </a:t>
+            </a:r>
+            <a:r>
+              <a:rPr lang="en-US" dirty="0" smtClean="0"/>
+              <a:t>(40</a:t>
+            </a:r>
+            <a:r>
+              <a:rPr lang="en-US" dirty="0" smtClean="0"/>
+              <a:t>%)</a:t>
             </a:r>
           </a:p>
           <a:p>
@@ -5700,8 +6644,13 @@
           <a:p>
             <a:r>
               <a:rPr lang="en-US" dirty="0" smtClean="0"/>
-              <a:t>Paper presentation (20%)</a:t>
-            </a:r>
+              <a:t>Paper presentation </a:t>
+            </a:r>
+            <a:r>
+              <a:rPr lang="en-US" dirty="0" smtClean="0"/>
+              <a:t>(15%)</a:t>
+            </a:r>
+            <a:endParaRPr lang="en-US" dirty="0" smtClean="0"/>
           </a:p>
           <a:p>
             <a:pPr lvl="1"/>
@@ -5735,20 +6684,12 @@
           </a:p>
           <a:p>
             <a:r>
-              <a:rPr lang="en-US" b="1" smtClean="0"/>
+              <a:rPr lang="en-US" b="1" dirty="0" smtClean="0"/>
               <a:t>No</a:t>
             </a:r>
             <a:r>
-              <a:rPr lang="en-US" smtClean="0"/>
-              <a:t> </a:t>
-            </a:r>
-            <a:r>
-              <a:rPr lang="en-US" smtClean="0"/>
-              <a:t>curve </a:t>
-            </a:r>
-            <a:r>
-              <a:rPr lang="en-US" dirty="0" smtClean="0"/>
-              <a:t>will be applied in final grading!</a:t>
+              <a:rPr lang="en-US" dirty="0" smtClean="0"/>
+              <a:t> curve will be applied in final grading!</a:t>
             </a:r>
             <a:endParaRPr lang="en-US" dirty="0"/>
           </a:p>
@@ -6334,7 +7275,7 @@
         <p:spPr/>
         <p:txBody>
           <a:bodyPr>
-            <a:normAutofit/>
+            <a:normAutofit fontScale="92500"/>
           </a:bodyPr>
           <a:lstStyle/>
           <a:p>
@@ -6351,13 +7292,25 @@
             </a:r>
             <a:r>
               <a:rPr lang="en-US" dirty="0" smtClean="0"/>
-              <a:t>readings, or your favorite paper outside the list</a:t>
+              <a:t>readings, or your favorite paper outside the </a:t>
+            </a:r>
+            <a:r>
+              <a:rPr lang="en-US" dirty="0" smtClean="0"/>
+              <a:t>list</a:t>
             </a:r>
           </a:p>
           <a:p>
             <a:pPr lvl="1"/>
             <a:r>
               <a:rPr lang="en-US" dirty="0" smtClean="0"/>
+              <a:t>Should be related to your course project</a:t>
+            </a:r>
+            <a:endParaRPr lang="en-US" dirty="0" smtClean="0"/>
+          </a:p>
+          <a:p>
+            <a:pPr lvl="1"/>
+            <a:r>
+              <a:rPr lang="en-US" dirty="0" smtClean="0"/>
               <a:t>15-mins presentation including 2-mins Q&amp;A</a:t>
             </a:r>
             <a:endParaRPr lang="en-US" dirty="0"/>
@@ -6366,8 +7319,21 @@
             <a:pPr lvl="1"/>
             <a:r>
               <a:rPr lang="en-US" dirty="0" smtClean="0"/>
-              <a:t>One paper one student </a:t>
-            </a:r>
+              <a:t>One paper </a:t>
+            </a:r>
+            <a:r>
+              <a:rPr lang="en-US" dirty="0" smtClean="0"/>
+              <a:t>per a </a:t>
+            </a:r>
+            <a:r>
+              <a:rPr lang="en-US" b="1" i="1" dirty="0" smtClean="0"/>
+              <a:t>group</a:t>
+            </a:r>
+            <a:r>
+              <a:rPr lang="en-US" dirty="0" smtClean="0"/>
+              <a:t> of students </a:t>
+            </a:r>
+            <a:endParaRPr lang="en-US" dirty="0" smtClean="0"/>
           </a:p>
           <a:p>
             <a:pPr lvl="1"/>
@@ -6554,11 +7520,15 @@
             <a:pPr lvl="1"/>
             <a:r>
               <a:rPr lang="en-US" dirty="0" smtClean="0"/>
-              <a:t>Work in groups (</a:t>
+              <a:t>Work in groups </a:t>
+            </a:r>
+            <a:r>
+              <a:rPr lang="en-US" dirty="0" smtClean="0"/>
+              <a:t>(</a:t>
             </a:r>
             <a:r>
               <a:rPr lang="en-US" i="1" dirty="0" smtClean="0"/>
-              <a:t>not required</a:t>
+              <a:t>required</a:t>
             </a:r>
             <a:r>
               <a:rPr lang="en-US" dirty="0" smtClean="0"/>
@@ -6634,7 +7604,11 @@
             <a:pPr lvl="2"/>
             <a:r>
               <a:rPr lang="en-US" dirty="0" smtClean="0"/>
-              <a:t>15-mins in-class presentation</a:t>
+              <a:t>15-mins </a:t>
+            </a:r>
+            <a:r>
+              <a:rPr lang="en-US" dirty="0" smtClean="0"/>
+              <a:t>in-class presentation</a:t>
             </a:r>
           </a:p>
           <a:p>
@@ -6797,14 +7771,26 @@
         </p:spPr>
         <p:txBody>
           <a:bodyPr>
-            <a:normAutofit/>
+            <a:normAutofit lnSpcReduction="10000"/>
           </a:bodyPr>
           <a:lstStyle/>
           <a:p>
             <a:r>
               <a:rPr lang="en-US" dirty="0" smtClean="0"/>
-              <a:t>Machine problems</a:t>
-            </a:r>
+              <a:t>Machine </a:t>
+            </a:r>
+            <a:r>
+              <a:rPr lang="en-US" dirty="0" smtClean="0"/>
+              <a:t>problems</a:t>
+            </a:r>
+          </a:p>
+          <a:p>
+            <a:pPr lvl="1"/>
+            <a:r>
+              <a:rPr lang="en-US" dirty="0" smtClean="0"/>
+              <a:t>Submit via Collab</a:t>
+            </a:r>
+            <a:endParaRPr lang="en-US" dirty="0" smtClean="0"/>
           </a:p>
           <a:p>
             <a:pPr lvl="1"/>
@@ -6839,7 +7825,7 @@
             </a:r>
             <a:r>
               <a:rPr lang="en-US" b="1" dirty="0" smtClean="0"/>
-              <a:t>6</a:t>
+              <a:t>4</a:t>
             </a:r>
             <a:r>
               <a:rPr lang="en-US" b="1" baseline="30000" dirty="0" smtClean="0"/>
@@ -6847,7 +7833,11 @@
             </a:r>
             <a:r>
               <a:rPr lang="en-US" b="1" dirty="0" smtClean="0"/>
-              <a:t> week</a:t>
+              <a:t> </a:t>
+            </a:r>
+            <a:r>
+              <a:rPr lang="en-US" b="1" dirty="0" smtClean="0"/>
+              <a:t>week</a:t>
             </a:r>
           </a:p>
           <a:p>
@@ -6858,7 +7848,7 @@
             </a:r>
             <a:r>
               <a:rPr lang="en-US" b="1" dirty="0" smtClean="0"/>
-              <a:t>7</a:t>
+              <a:t>6</a:t>
             </a:r>
             <a:r>
               <a:rPr lang="en-US" b="1" baseline="30000" dirty="0" smtClean="0"/>
@@ -6866,7 +7856,11 @@
             </a:r>
             <a:r>
               <a:rPr lang="en-US" b="1" dirty="0" smtClean="0"/>
-              <a:t> week</a:t>
+              <a:t> </a:t>
+            </a:r>
+            <a:r>
+              <a:rPr lang="en-US" b="1" dirty="0" smtClean="0"/>
+              <a:t>week</a:t>
             </a:r>
           </a:p>
           <a:p>
@@ -6902,8 +7896,17 @@
             <a:pPr lvl="1"/>
             <a:r>
               <a:rPr lang="en-US" dirty="0" smtClean="0"/>
-              <a:t>Presentation in the last week of the semester</a:t>
-            </a:r>
+              <a:t>Presentation in the last week of </a:t>
+            </a:r>
+            <a:r>
+              <a:rPr lang="en-US" dirty="0" smtClean="0"/>
+              <a:t>Spring </a:t>
+            </a:r>
+            <a:r>
+              <a:rPr lang="en-US" dirty="0" smtClean="0"/>
+              <a:t>semester</a:t>
+            </a:r>
+            <a:endParaRPr lang="en-US" dirty="0" smtClean="0"/>
           </a:p>
           <a:p>
             <a:pPr lvl="1"/>

--- a/docs/CoursePolicy.pptx
+++ b/docs/CoursePolicy.pptx
@@ -245,7 +245,7 @@
           <a:p>
             <a:fld id="{89855770-2AA3-43A4-9924-C8197CB04EA0}" type="datetimeFigureOut">
               <a:rPr lang="en-US" smtClean="0"/>
-              <a:t>1/19/2016</a:t>
+              <a:t>1/20/2016</a:t>
             </a:fld>
             <a:endParaRPr lang="en-US"/>
           </a:p>
@@ -4195,11 +4195,7 @@
             <a:pPr lvl="1"/>
             <a:r>
               <a:rPr lang="en-US" dirty="0" smtClean="0"/>
-              <a:t>15% late penalty will be </a:t>
-            </a:r>
-            <a:r>
-              <a:rPr lang="en-US" dirty="0" smtClean="0"/>
-              <a:t>applied within the first week of due date</a:t>
+              <a:t>15% late penalty will be applied within the first week of due date</a:t>
             </a:r>
           </a:p>
           <a:p>
@@ -4208,7 +4204,6 @@
               <a:rPr lang="en-US" dirty="0" smtClean="0"/>
               <a:t>30% late penalty thereafter</a:t>
             </a:r>
-            <a:endParaRPr lang="en-US" dirty="0" smtClean="0"/>
           </a:p>
           <a:p>
             <a:pPr lvl="1"/>
@@ -5028,8 +5023,8 @@
         </p:blipFill>
         <p:spPr bwMode="auto">
           <a:xfrm>
-            <a:off x="2362200" y="2362200"/>
-            <a:ext cx="1143000" cy="1524001"/>
+            <a:off x="1981200" y="2297337"/>
+            <a:ext cx="1676400" cy="2235201"/>
           </a:xfrm>
           <a:prstGeom prst="rect">
             <a:avLst/>
@@ -5069,8 +5064,8 @@
         </p:blipFill>
         <p:spPr bwMode="auto">
           <a:xfrm>
-            <a:off x="5181600" y="2362200"/>
-            <a:ext cx="1143000" cy="1524001"/>
+            <a:off x="5000624" y="2293873"/>
+            <a:ext cx="1676400" cy="2235201"/>
           </a:xfrm>
           <a:prstGeom prst="rect">
             <a:avLst/>
@@ -5095,7 +5090,7 @@
         </p:nvSpPr>
         <p:spPr>
           <a:xfrm>
-            <a:off x="2257424" y="4078862"/>
+            <a:off x="1981200" y="4549856"/>
             <a:ext cx="1981201" cy="923330"/>
           </a:xfrm>
           <a:prstGeom prst="rect">
@@ -5111,13 +5106,12 @@
           <a:p>
             <a:r>
               <a:rPr lang="en-US" dirty="0" smtClean="0"/>
-              <a:t>Gong </a:t>
-            </a:r>
-            <a:r>
-              <a:rPr lang="en-US" dirty="0" smtClean="0"/>
-              <a:t>Lin (lead)</a:t>
-            </a:r>
-            <a:endParaRPr lang="en-US" dirty="0" smtClean="0"/>
+              <a:t>Lin Gong </a:t>
+            </a:r>
+            <a:r>
+              <a:rPr lang="en-US" dirty="0" smtClean="0"/>
+              <a:t>(lead)</a:t>
+            </a:r>
           </a:p>
           <a:p>
             <a:r>
@@ -5139,7 +5133,7 @@
         </p:nvSpPr>
         <p:spPr>
           <a:xfrm>
-            <a:off x="5076824" y="4085257"/>
+            <a:off x="4965988" y="4549856"/>
             <a:ext cx="2133601" cy="923330"/>
           </a:xfrm>
           <a:prstGeom prst="rect">
@@ -5352,11 +5346,7 @@
           <a:p>
             <a:r>
               <a:rPr lang="en-US" dirty="0" smtClean="0"/>
-              <a:t>Course </a:t>
-            </a:r>
-            <a:r>
-              <a:rPr lang="en-US" dirty="0" smtClean="0"/>
-              <a:t>website</a:t>
+              <a:t>Course website</a:t>
             </a:r>
           </a:p>
           <a:p>
@@ -5386,11 +5376,7 @@
             <a:pPr lvl="1"/>
             <a:r>
               <a:rPr lang="en-US" dirty="0" smtClean="0"/>
-              <a:t>Piazza</a:t>
-            </a:r>
-            <a:r>
-              <a:rPr lang="en-US" dirty="0" smtClean="0"/>
-              <a:t>: </a:t>
+              <a:t>Piazza: </a:t>
             </a:r>
             <a:r>
               <a:rPr lang="en-US" dirty="0">
@@ -5402,13 +5388,7 @@
               <a:rPr lang="en-US" dirty="0" smtClean="0">
                 <a:hlinkClick r:id="rId3" action="ppaction://hlinkfile"/>
               </a:rPr>
-              <a:t>://</a:t>
-            </a:r>
-            <a:r>
-              <a:rPr lang="en-US" dirty="0" smtClean="0">
-                <a:hlinkClick r:id="rId3" action="ppaction://hlinkfile"/>
-              </a:rPr>
-              <a:t>piazza.com/virginia/spring2016/cs6501/home</a:t>
+              <a:t>://piazza.com/virginia/spring2016/cs6501/home</a:t>
             </a:r>
             <a:endParaRPr lang="en-US" dirty="0"/>
           </a:p>
@@ -5934,13 +5914,8 @@
             <a:pPr lvl="2"/>
             <a:r>
               <a:rPr lang="en-US" dirty="0" smtClean="0"/>
-              <a:t>E.g., NLP pipelines, classification/clustering models, and </a:t>
-            </a:r>
-            <a:r>
-              <a:rPr lang="en-US" dirty="0" smtClean="0"/>
-              <a:t>probabilistic topic models</a:t>
-            </a:r>
-            <a:endParaRPr lang="en-US" dirty="0" smtClean="0"/>
+              <a:t>E.g., NLP pipelines, classification/clustering models, and probabilistic topic models</a:t>
+            </a:r>
           </a:p>
           <a:p>
             <a:pPr lvl="1"/>
@@ -6157,13 +6132,8 @@
             <a:pPr lvl="2"/>
             <a:r>
               <a:rPr lang="en-US" dirty="0" smtClean="0"/>
-              <a:t>Most open source packages are written in </a:t>
-            </a:r>
-            <a:r>
-              <a:rPr lang="en-US" dirty="0" smtClean="0"/>
-              <a:t>Java!</a:t>
-            </a:r>
-            <a:endParaRPr lang="en-US" dirty="0" smtClean="0"/>
+              <a:t>Most open source packages are written in Java!</a:t>
+            </a:r>
           </a:p>
           <a:p>
             <a:pPr lvl="1"/>
@@ -6203,13 +6173,8 @@
             <a:pPr lvl="2"/>
             <a:r>
               <a:rPr lang="en-US" dirty="0" smtClean="0"/>
-              <a:t>Vector, matrix, dot </a:t>
-            </a:r>
-            <a:r>
-              <a:rPr lang="en-US" dirty="0" smtClean="0"/>
-              <a:t>product, matrix factorization</a:t>
-            </a:r>
-            <a:endParaRPr lang="en-US" dirty="0" smtClean="0"/>
+              <a:t>Vector, matrix, dot product, matrix factorization</a:t>
+            </a:r>
           </a:p>
           <a:p>
             <a:pPr lvl="1"/>
@@ -6222,11 +6187,7 @@
             <a:pPr lvl="2"/>
             <a:r>
               <a:rPr lang="en-US" dirty="0" smtClean="0"/>
-              <a:t>Gradient-based </a:t>
-            </a:r>
-            <a:r>
-              <a:rPr lang="en-US" dirty="0" smtClean="0"/>
-              <a:t>methods, optimality conditions</a:t>
+              <a:t>Gradient-based methods, optimality conditions</a:t>
             </a:r>
             <a:endParaRPr lang="en-US" dirty="0"/>
           </a:p>
@@ -6610,15 +6571,7 @@
           <a:p>
             <a:r>
               <a:rPr lang="en-US" dirty="0" smtClean="0"/>
-              <a:t>Homework </a:t>
-            </a:r>
-            <a:r>
-              <a:rPr lang="en-US" dirty="0" smtClean="0"/>
-              <a:t>(40</a:t>
-            </a:r>
-            <a:r>
-              <a:rPr lang="en-US" dirty="0" smtClean="0"/>
-              <a:t>%)</a:t>
+              <a:t>Homework (40%)</a:t>
             </a:r>
           </a:p>
           <a:p>
@@ -6644,13 +6597,8 @@
           <a:p>
             <a:r>
               <a:rPr lang="en-US" dirty="0" smtClean="0"/>
-              <a:t>Paper presentation </a:t>
-            </a:r>
-            <a:r>
-              <a:rPr lang="en-US" dirty="0" smtClean="0"/>
-              <a:t>(15%)</a:t>
-            </a:r>
-            <a:endParaRPr lang="en-US" dirty="0" smtClean="0"/>
+              <a:t>Paper presentation (15%)</a:t>
+            </a:r>
           </a:p>
           <a:p>
             <a:pPr lvl="1"/>
@@ -7292,11 +7240,7 @@
             </a:r>
             <a:r>
               <a:rPr lang="en-US" dirty="0" smtClean="0"/>
-              <a:t>readings, or your favorite paper outside the </a:t>
-            </a:r>
-            <a:r>
-              <a:rPr lang="en-US" dirty="0" smtClean="0"/>
-              <a:t>list</a:t>
+              <a:t>readings, or your favorite paper outside the list</a:t>
             </a:r>
           </a:p>
           <a:p>
@@ -7305,7 +7249,6 @@
               <a:rPr lang="en-US" dirty="0" smtClean="0"/>
               <a:t>Should be related to your course project</a:t>
             </a:r>
-            <a:endParaRPr lang="en-US" dirty="0" smtClean="0"/>
           </a:p>
           <a:p>
             <a:pPr lvl="1"/>
@@ -7319,11 +7262,7 @@
             <a:pPr lvl="1"/>
             <a:r>
               <a:rPr lang="en-US" dirty="0" smtClean="0"/>
-              <a:t>One paper </a:t>
-            </a:r>
-            <a:r>
-              <a:rPr lang="en-US" dirty="0" smtClean="0"/>
-              <a:t>per a </a:t>
+              <a:t>One paper per a </a:t>
             </a:r>
             <a:r>
               <a:rPr lang="en-US" b="1" i="1" dirty="0" smtClean="0"/>
@@ -7333,7 +7272,6 @@
               <a:rPr lang="en-US" dirty="0" smtClean="0"/>
               <a:t> of students </a:t>
             </a:r>
-            <a:endParaRPr lang="en-US" dirty="0" smtClean="0"/>
           </a:p>
           <a:p>
             <a:pPr lvl="1"/>
@@ -7520,11 +7458,7 @@
             <a:pPr lvl="1"/>
             <a:r>
               <a:rPr lang="en-US" dirty="0" smtClean="0"/>
-              <a:t>Work in groups </a:t>
-            </a:r>
-            <a:r>
-              <a:rPr lang="en-US" dirty="0" smtClean="0"/>
-              <a:t>(</a:t>
+              <a:t>Work in groups (</a:t>
             </a:r>
             <a:r>
               <a:rPr lang="en-US" i="1" dirty="0" smtClean="0"/>
@@ -7604,11 +7538,7 @@
             <a:pPr lvl="2"/>
             <a:r>
               <a:rPr lang="en-US" dirty="0" smtClean="0"/>
-              <a:t>15-mins </a:t>
-            </a:r>
-            <a:r>
-              <a:rPr lang="en-US" dirty="0" smtClean="0"/>
-              <a:t>in-class presentation</a:t>
+              <a:t>15-mins in-class presentation</a:t>
             </a:r>
           </a:p>
           <a:p>
@@ -7777,11 +7707,7 @@
           <a:p>
             <a:r>
               <a:rPr lang="en-US" dirty="0" smtClean="0"/>
-              <a:t>Machine </a:t>
-            </a:r>
-            <a:r>
-              <a:rPr lang="en-US" dirty="0" smtClean="0"/>
-              <a:t>problems</a:t>
+              <a:t>Machine problems</a:t>
             </a:r>
           </a:p>
           <a:p>
@@ -7790,7 +7716,6 @@
               <a:rPr lang="en-US" dirty="0" smtClean="0"/>
               <a:t>Submit via Collab</a:t>
             </a:r>
-            <a:endParaRPr lang="en-US" dirty="0" smtClean="0"/>
           </a:p>
           <a:p>
             <a:pPr lvl="1"/>
@@ -7833,11 +7758,7 @@
             </a:r>
             <a:r>
               <a:rPr lang="en-US" b="1" dirty="0" smtClean="0"/>
-              <a:t> </a:t>
-            </a:r>
-            <a:r>
-              <a:rPr lang="en-US" b="1" dirty="0" smtClean="0"/>
-              <a:t>week</a:t>
+              <a:t> week</a:t>
             </a:r>
           </a:p>
           <a:p>
@@ -7856,11 +7777,7 @@
             </a:r>
             <a:r>
               <a:rPr lang="en-US" b="1" dirty="0" smtClean="0"/>
-              <a:t> </a:t>
-            </a:r>
-            <a:r>
-              <a:rPr lang="en-US" b="1" dirty="0" smtClean="0"/>
-              <a:t>week</a:t>
+              <a:t> week</a:t>
             </a:r>
           </a:p>
           <a:p>
@@ -7896,17 +7813,8 @@
             <a:pPr lvl="1"/>
             <a:r>
               <a:rPr lang="en-US" dirty="0" smtClean="0"/>
-              <a:t>Presentation in the last week of </a:t>
-            </a:r>
-            <a:r>
-              <a:rPr lang="en-US" dirty="0" smtClean="0"/>
-              <a:t>Spring </a:t>
-            </a:r>
-            <a:r>
-              <a:rPr lang="en-US" dirty="0" smtClean="0"/>
-              <a:t>semester</a:t>
-            </a:r>
-            <a:endParaRPr lang="en-US" dirty="0" smtClean="0"/>
+              <a:t>Presentation in the last week of Spring semester</a:t>
+            </a:r>
           </a:p>
           <a:p>
             <a:pPr lvl="1"/>

--- a/docs/CoursePolicy.pptx
+++ b/docs/CoursePolicy.pptx
@@ -5,24 +5,25 @@
     <p:sldMasterId id="2147483648" r:id="rId1"/>
   </p:sldMasterIdLst>
   <p:notesMasterIdLst>
-    <p:notesMasterId r:id="rId17"/>
+    <p:notesMasterId r:id="rId18"/>
   </p:notesMasterIdLst>
   <p:sldIdLst>
     <p:sldId id="256" r:id="rId2"/>
     <p:sldId id="257" r:id="rId3"/>
-    <p:sldId id="258" r:id="rId4"/>
-    <p:sldId id="265" r:id="rId5"/>
-    <p:sldId id="259" r:id="rId6"/>
-    <p:sldId id="268" r:id="rId7"/>
-    <p:sldId id="261" r:id="rId8"/>
-    <p:sldId id="262" r:id="rId9"/>
-    <p:sldId id="266" r:id="rId10"/>
-    <p:sldId id="260" r:id="rId11"/>
-    <p:sldId id="267" r:id="rId12"/>
-    <p:sldId id="269" r:id="rId13"/>
-    <p:sldId id="270" r:id="rId14"/>
-    <p:sldId id="263" r:id="rId15"/>
-    <p:sldId id="264" r:id="rId16"/>
+    <p:sldId id="271" r:id="rId4"/>
+    <p:sldId id="258" r:id="rId5"/>
+    <p:sldId id="265" r:id="rId6"/>
+    <p:sldId id="259" r:id="rId7"/>
+    <p:sldId id="268" r:id="rId8"/>
+    <p:sldId id="261" r:id="rId9"/>
+    <p:sldId id="262" r:id="rId10"/>
+    <p:sldId id="266" r:id="rId11"/>
+    <p:sldId id="260" r:id="rId12"/>
+    <p:sldId id="267" r:id="rId13"/>
+    <p:sldId id="269" r:id="rId14"/>
+    <p:sldId id="270" r:id="rId15"/>
+    <p:sldId id="263" r:id="rId16"/>
+    <p:sldId id="264" r:id="rId17"/>
   </p:sldIdLst>
   <p:sldSz cx="9144000" cy="6858000" type="screen4x3"/>
   <p:notesSz cx="6858000" cy="9144000"/>
@@ -128,6 +129,7 @@
           <p14:sldIdLst>
             <p14:sldId id="256"/>
             <p14:sldId id="257"/>
+            <p14:sldId id="271"/>
             <p14:sldId id="258"/>
             <p14:sldId id="265"/>
             <p14:sldId id="259"/>
@@ -245,7 +247,7 @@
           <a:p>
             <a:fld id="{89855770-2AA3-43A4-9924-C8197CB04EA0}" type="datetimeFigureOut">
               <a:rPr lang="en-US" smtClean="0"/>
-              <a:t>1/20/2016</a:t>
+              <a:t>1/25/2016</a:t>
             </a:fld>
             <a:endParaRPr lang="en-US"/>
           </a:p>
@@ -578,7 +580,7 @@
           <a:p>
             <a:fld id="{34E5FF70-55B8-4FAD-BCE2-A4D3A44BBAF4}" type="slidenum">
               <a:rPr lang="en-US" smtClean="0"/>
-              <a:t>10</a:t>
+              <a:t>11</a:t>
             </a:fld>
             <a:endParaRPr lang="en-US"/>
           </a:p>
@@ -662,7 +664,7 @@
           <a:p>
             <a:fld id="{34E5FF70-55B8-4FAD-BCE2-A4D3A44BBAF4}" type="slidenum">
               <a:rPr lang="en-US" smtClean="0"/>
-              <a:t>11</a:t>
+              <a:t>12</a:t>
             </a:fld>
             <a:endParaRPr lang="en-US"/>
           </a:p>
@@ -746,7 +748,7 @@
           <a:p>
             <a:fld id="{34E5FF70-55B8-4FAD-BCE2-A4D3A44BBAF4}" type="slidenum">
               <a:rPr lang="en-US" smtClean="0"/>
-              <a:t>12</a:t>
+              <a:t>13</a:t>
             </a:fld>
             <a:endParaRPr lang="en-US"/>
           </a:p>
@@ -3912,7 +3914,7 @@
           <a:p>
             <a:r>
               <a:rPr lang="en-US" dirty="0" smtClean="0"/>
-              <a:t>Late policy</a:t>
+              <a:t>Deadlines</a:t>
             </a:r>
             <a:endParaRPr lang="en-US" dirty="0"/>
           </a:p>
@@ -3936,98 +3938,124 @@
         </p:spPr>
         <p:txBody>
           <a:bodyPr>
-            <a:normAutofit fontScale="85000" lnSpcReduction="20000"/>
+            <a:normAutofit lnSpcReduction="10000"/>
           </a:bodyPr>
           <a:lstStyle/>
           <a:p>
             <a:r>
               <a:rPr lang="en-US" dirty="0" smtClean="0"/>
-              <a:t>Homework</a:t>
+              <a:t>Machine problems</a:t>
             </a:r>
           </a:p>
           <a:p>
             <a:pPr lvl="1"/>
             <a:r>
               <a:rPr lang="en-US" dirty="0" smtClean="0"/>
-              <a:t>Everyone will have one chance to ask for extension (extra three days after deadline)</a:t>
+              <a:t>Submit via Collab</a:t>
             </a:r>
           </a:p>
           <a:p>
             <a:pPr lvl="1"/>
             <a:r>
               <a:rPr lang="en-US" dirty="0" smtClean="0"/>
-              <a:t>Request must be made </a:t>
+              <a:t>Due in 7-days after posting</a:t>
+            </a:r>
+          </a:p>
+          <a:p>
+            <a:r>
+              <a:rPr lang="en-US" dirty="0" smtClean="0"/>
+              <a:t>Paper presentation</a:t>
+            </a:r>
+          </a:p>
+          <a:p>
+            <a:pPr lvl="1"/>
+            <a:r>
+              <a:rPr lang="en-US" dirty="0" smtClean="0"/>
+              <a:t>Sign </a:t>
+            </a:r>
+            <a:r>
+              <a:rPr lang="en-US" dirty="0"/>
+              <a:t>up is due </a:t>
+            </a:r>
+            <a:r>
+              <a:rPr lang="en-US" dirty="0" smtClean="0"/>
+              <a:t>in </a:t>
+            </a:r>
+            <a:r>
+              <a:rPr lang="en-US" b="1" dirty="0"/>
+              <a:t>the end of </a:t>
             </a:r>
             <a:r>
               <a:rPr lang="en-US" b="1" dirty="0" smtClean="0"/>
-              <a:t>before</a:t>
-            </a:r>
-            <a:r>
-              <a:rPr lang="en-US" dirty="0" smtClean="0"/>
-              <a:t> the deadline!</a:t>
-            </a:r>
-          </a:p>
-          <a:p>
-            <a:r>
-              <a:rPr lang="en-US" dirty="0" smtClean="0"/>
-              <a:t>Quizzes</a:t>
+              <a:t>4</a:t>
+            </a:r>
+            <a:r>
+              <a:rPr lang="en-US" b="1" baseline="30000" dirty="0" smtClean="0"/>
+              <a:t>th</a:t>
+            </a:r>
+            <a:r>
+              <a:rPr lang="en-US" b="1" dirty="0" smtClean="0"/>
+              <a:t> week</a:t>
             </a:r>
           </a:p>
           <a:p>
             <a:pPr lvl="1"/>
             <a:r>
+              <a:rPr lang="en-US" dirty="0" smtClean="0"/>
+              <a:t>Presentation starts on the </a:t>
+            </a:r>
+            <a:r>
               <a:rPr lang="en-US" b="1" dirty="0" smtClean="0"/>
-              <a:t>No</a:t>
-            </a:r>
-            <a:r>
-              <a:rPr lang="en-US" dirty="0" smtClean="0"/>
-              <a:t> make-up quizzes unless under emergency situation</a:t>
-            </a:r>
-          </a:p>
-          <a:p>
-            <a:r>
-              <a:rPr lang="en-US" dirty="0" smtClean="0"/>
-              <a:t>Paper presentation</a:t>
+              <a:t>6</a:t>
+            </a:r>
+            <a:r>
+              <a:rPr lang="en-US" b="1" baseline="30000" dirty="0" smtClean="0"/>
+              <a:t>th</a:t>
+            </a:r>
+            <a:r>
+              <a:rPr lang="en-US" b="1" dirty="0" smtClean="0"/>
+              <a:t> week</a:t>
+            </a:r>
+          </a:p>
+          <a:p>
+            <a:r>
+              <a:rPr lang="en-US" dirty="0" smtClean="0"/>
+              <a:t>Project</a:t>
             </a:r>
           </a:p>
           <a:p>
             <a:pPr lvl="1"/>
             <a:r>
               <a:rPr lang="en-US" dirty="0" smtClean="0"/>
-              <a:t>Must be presented on your selected date</a:t>
-            </a:r>
-          </a:p>
-          <a:p>
-            <a:r>
-              <a:rPr lang="en-US" dirty="0"/>
-              <a:t>Course </a:t>
-            </a:r>
-            <a:r>
-              <a:rPr lang="en-US" dirty="0" smtClean="0"/>
-              <a:t>project</a:t>
+              <a:t>Proposal due in </a:t>
+            </a:r>
+            <a:r>
+              <a:rPr lang="en-US" b="1" dirty="0"/>
+              <a:t>the end of </a:t>
+            </a:r>
+            <a:r>
+              <a:rPr lang="en-US" b="1" dirty="0" smtClean="0"/>
+              <a:t>5</a:t>
+            </a:r>
+            <a:r>
+              <a:rPr lang="en-US" b="1" baseline="30000" dirty="0" smtClean="0"/>
+              <a:t>th</a:t>
+            </a:r>
+            <a:r>
+              <a:rPr lang="en-US" b="1" dirty="0" smtClean="0"/>
+              <a:t> week</a:t>
             </a:r>
           </a:p>
           <a:p>
             <a:pPr lvl="1"/>
             <a:r>
               <a:rPr lang="en-US" dirty="0" smtClean="0"/>
-              <a:t>Proposal due early in the semester (~5</a:t>
-            </a:r>
-            <a:r>
-              <a:rPr lang="en-US" baseline="30000" dirty="0" smtClean="0"/>
-              <a:t>th</a:t>
-            </a:r>
-            <a:r>
-              <a:rPr lang="en-US" dirty="0" smtClean="0"/>
-              <a:t> week, no extension)</a:t>
+              <a:t>Presentation in the last week of Spring semester</a:t>
             </a:r>
           </a:p>
           <a:p>
             <a:pPr lvl="1"/>
-            <a:r>
-              <a:rPr lang="en-US" dirty="0" smtClean="0"/>
-              <a:t>Final report due before presentation (no extension)</a:t>
-            </a:r>
+            <a:endParaRPr lang="en-US" dirty="0" smtClean="0"/>
           </a:p>
           <a:p>
             <a:pPr lvl="1"/>
@@ -4037,7 +4065,7 @@
       </p:sp>
       <p:sp>
         <p:nvSpPr>
-          <p:cNvPr id="6" name="Date Placeholder 5"/>
+          <p:cNvPr id="4" name="Date Placeholder 3"/>
           <p:cNvSpPr>
             <a:spLocks noGrp="1"/>
           </p:cNvSpPr>
@@ -4060,7 +4088,7 @@
       </p:sp>
       <p:sp>
         <p:nvSpPr>
-          <p:cNvPr id="7" name="Footer Placeholder 6"/>
+          <p:cNvPr id="5" name="Footer Placeholder 4"/>
           <p:cNvSpPr>
             <a:spLocks noGrp="1"/>
           </p:cNvSpPr>
@@ -4083,7 +4111,7 @@
       </p:sp>
       <p:sp>
         <p:nvSpPr>
-          <p:cNvPr id="8" name="Slide Number Placeholder 7"/>
+          <p:cNvPr id="6" name="Slide Number Placeholder 5"/>
           <p:cNvSpPr>
             <a:spLocks noGrp="1"/>
           </p:cNvSpPr>
@@ -4107,7 +4135,7 @@
     </p:spTree>
     <p:extLst>
       <p:ext uri="{BB962C8B-B14F-4D97-AF65-F5344CB8AC3E}">
-        <p14:creationId xmlns:p14="http://schemas.microsoft.com/office/powerpoint/2010/main" val="954530267"/>
+        <p14:creationId xmlns:p14="http://schemas.microsoft.com/office/powerpoint/2010/main" val="650771550"/>
       </p:ext>
     </p:extLst>
   </p:cSld>
@@ -4177,6 +4205,252 @@
         <p:spPr>
           <a:xfrm>
             <a:off x="457200" y="1600200"/>
+            <a:ext cx="8229600" cy="4756150"/>
+          </a:xfrm>
+        </p:spPr>
+        <p:txBody>
+          <a:bodyPr>
+            <a:normAutofit fontScale="85000" lnSpcReduction="20000"/>
+          </a:bodyPr>
+          <a:lstStyle/>
+          <a:p>
+            <a:r>
+              <a:rPr lang="en-US" dirty="0" smtClean="0"/>
+              <a:t>Homework</a:t>
+            </a:r>
+          </a:p>
+          <a:p>
+            <a:pPr lvl="1"/>
+            <a:r>
+              <a:rPr lang="en-US" dirty="0" smtClean="0"/>
+              <a:t>Everyone will have one chance to ask for extension (extra three days after deadline)</a:t>
+            </a:r>
+          </a:p>
+          <a:p>
+            <a:pPr lvl="1"/>
+            <a:r>
+              <a:rPr lang="en-US" dirty="0" smtClean="0"/>
+              <a:t>Request must be made </a:t>
+            </a:r>
+            <a:r>
+              <a:rPr lang="en-US" b="1" dirty="0" smtClean="0"/>
+              <a:t>before</a:t>
+            </a:r>
+            <a:r>
+              <a:rPr lang="en-US" dirty="0" smtClean="0"/>
+              <a:t> the deadline!</a:t>
+            </a:r>
+          </a:p>
+          <a:p>
+            <a:r>
+              <a:rPr lang="en-US" dirty="0" smtClean="0"/>
+              <a:t>Quizzes</a:t>
+            </a:r>
+          </a:p>
+          <a:p>
+            <a:pPr lvl="1"/>
+            <a:r>
+              <a:rPr lang="en-US" b="1" dirty="0" smtClean="0"/>
+              <a:t>No</a:t>
+            </a:r>
+            <a:r>
+              <a:rPr lang="en-US" dirty="0" smtClean="0"/>
+              <a:t> make-up quizzes unless under emergency situation</a:t>
+            </a:r>
+          </a:p>
+          <a:p>
+            <a:r>
+              <a:rPr lang="en-US" dirty="0" smtClean="0"/>
+              <a:t>Paper presentation</a:t>
+            </a:r>
+          </a:p>
+          <a:p>
+            <a:pPr lvl="1"/>
+            <a:r>
+              <a:rPr lang="en-US" dirty="0" smtClean="0"/>
+              <a:t>Must be presented on your selected date</a:t>
+            </a:r>
+          </a:p>
+          <a:p>
+            <a:r>
+              <a:rPr lang="en-US" dirty="0"/>
+              <a:t>Course </a:t>
+            </a:r>
+            <a:r>
+              <a:rPr lang="en-US" dirty="0" smtClean="0"/>
+              <a:t>project</a:t>
+            </a:r>
+          </a:p>
+          <a:p>
+            <a:pPr lvl="1"/>
+            <a:r>
+              <a:rPr lang="en-US" dirty="0" smtClean="0"/>
+              <a:t>Proposal due early in the semester (~5</a:t>
+            </a:r>
+            <a:r>
+              <a:rPr lang="en-US" baseline="30000" dirty="0" smtClean="0"/>
+              <a:t>th</a:t>
+            </a:r>
+            <a:r>
+              <a:rPr lang="en-US" dirty="0" smtClean="0"/>
+              <a:t> week, no extension)</a:t>
+            </a:r>
+          </a:p>
+          <a:p>
+            <a:pPr lvl="1"/>
+            <a:r>
+              <a:rPr lang="en-US" dirty="0" smtClean="0"/>
+              <a:t>Final report due before presentation (no extension)</a:t>
+            </a:r>
+          </a:p>
+          <a:p>
+            <a:pPr lvl="1"/>
+            <a:endParaRPr lang="en-US" dirty="0"/>
+          </a:p>
+        </p:txBody>
+      </p:sp>
+      <p:sp>
+        <p:nvSpPr>
+          <p:cNvPr id="6" name="Date Placeholder 5"/>
+          <p:cNvSpPr>
+            <a:spLocks noGrp="1"/>
+          </p:cNvSpPr>
+          <p:nvPr>
+            <p:ph type="dt" sz="half" idx="10"/>
+          </p:nvPr>
+        </p:nvSpPr>
+        <p:spPr/>
+        <p:txBody>
+          <a:bodyPr/>
+          <a:lstStyle/>
+          <a:p>
+            <a:r>
+              <a:rPr lang="en-US" smtClean="0"/>
+              <a:t>CS@UVa</a:t>
+            </a:r>
+            <a:endParaRPr lang="en-US"/>
+          </a:p>
+        </p:txBody>
+      </p:sp>
+      <p:sp>
+        <p:nvSpPr>
+          <p:cNvPr id="7" name="Footer Placeholder 6"/>
+          <p:cNvSpPr>
+            <a:spLocks noGrp="1"/>
+          </p:cNvSpPr>
+          <p:nvPr>
+            <p:ph type="ftr" sz="quarter" idx="11"/>
+          </p:nvPr>
+        </p:nvSpPr>
+        <p:spPr/>
+        <p:txBody>
+          <a:bodyPr/>
+          <a:lstStyle/>
+          <a:p>
+            <a:r>
+              <a:rPr lang="en-US" smtClean="0"/>
+              <a:t>CS6501: Text Mining</a:t>
+            </a:r>
+            <a:endParaRPr lang="en-US"/>
+          </a:p>
+        </p:txBody>
+      </p:sp>
+      <p:sp>
+        <p:nvSpPr>
+          <p:cNvPr id="8" name="Slide Number Placeholder 7"/>
+          <p:cNvSpPr>
+            <a:spLocks noGrp="1"/>
+          </p:cNvSpPr>
+          <p:nvPr>
+            <p:ph type="sldNum" sz="quarter" idx="12"/>
+          </p:nvPr>
+        </p:nvSpPr>
+        <p:spPr/>
+        <p:txBody>
+          <a:bodyPr/>
+          <a:lstStyle/>
+          <a:p>
+            <a:fld id="{8B73B576-4618-475D-9FCB-4FE0D483ACFE}" type="slidenum">
+              <a:rPr lang="en-US" smtClean="0"/>
+              <a:t>11</a:t>
+            </a:fld>
+            <a:endParaRPr lang="en-US"/>
+          </a:p>
+        </p:txBody>
+      </p:sp>
+    </p:spTree>
+    <p:extLst>
+      <p:ext uri="{BB962C8B-B14F-4D97-AF65-F5344CB8AC3E}">
+        <p14:creationId xmlns:p14="http://schemas.microsoft.com/office/powerpoint/2010/main" val="954530267"/>
+      </p:ext>
+    </p:extLst>
+  </p:cSld>
+  <p:clrMapOvr>
+    <a:masterClrMapping/>
+  </p:clrMapOvr>
+  <p:timing>
+    <p:tnLst>
+      <p:par>
+        <p:cTn id="1" dur="indefinite" restart="never" nodeType="tmRoot"/>
+      </p:par>
+    </p:tnLst>
+  </p:timing>
+</p:sld>
+</file>
+
+<file path=ppt/slides/slide12.xml><?xml version="1.0" encoding="utf-8"?>
+<p:sld xmlns:a="http://schemas.openxmlformats.org/drawingml/2006/main" xmlns:r="http://schemas.openxmlformats.org/officeDocument/2006/relationships" xmlns:p="http://schemas.openxmlformats.org/presentationml/2006/main">
+  <p:cSld>
+    <p:spTree>
+      <p:nvGrpSpPr>
+        <p:cNvPr id="1" name=""/>
+        <p:cNvGrpSpPr/>
+        <p:nvPr/>
+      </p:nvGrpSpPr>
+      <p:grpSpPr>
+        <a:xfrm>
+          <a:off x="0" y="0"/>
+          <a:ext cx="0" cy="0"/>
+          <a:chOff x="0" y="0"/>
+          <a:chExt cx="0" cy="0"/>
+        </a:xfrm>
+      </p:grpSpPr>
+      <p:sp>
+        <p:nvSpPr>
+          <p:cNvPr id="2" name="Title 1"/>
+          <p:cNvSpPr>
+            <a:spLocks noGrp="1"/>
+          </p:cNvSpPr>
+          <p:nvPr>
+            <p:ph type="title"/>
+          </p:nvPr>
+        </p:nvSpPr>
+        <p:spPr/>
+        <p:txBody>
+          <a:bodyPr/>
+          <a:lstStyle/>
+          <a:p>
+            <a:r>
+              <a:rPr lang="en-US" dirty="0" smtClean="0"/>
+              <a:t>Late policy</a:t>
+            </a:r>
+            <a:endParaRPr lang="en-US" dirty="0"/>
+          </a:p>
+        </p:txBody>
+      </p:sp>
+      <p:sp>
+        <p:nvSpPr>
+          <p:cNvPr id="3" name="Content Placeholder 2"/>
+          <p:cNvSpPr>
+            <a:spLocks noGrp="1"/>
+          </p:cNvSpPr>
+          <p:nvPr>
+            <p:ph idx="1"/>
+          </p:nvPr>
+        </p:nvSpPr>
+        <p:spPr>
+          <a:xfrm>
+            <a:off x="457200" y="1600200"/>
             <a:ext cx="8229600" cy="4800600"/>
           </a:xfrm>
         </p:spPr>
@@ -4274,7 +4548,7 @@
           <a:p>
             <a:fld id="{8B73B576-4618-475D-9FCB-4FE0D483ACFE}" type="slidenum">
               <a:rPr lang="en-US" smtClean="0"/>
-              <a:t>11</a:t>
+              <a:t>12</a:t>
             </a:fld>
             <a:endParaRPr lang="en-US"/>
           </a:p>
@@ -4486,7 +4760,7 @@
 </p:sld>
 </file>
 
-<file path=ppt/slides/slide12.xml><?xml version="1.0" encoding="utf-8"?>
+<file path=ppt/slides/slide13.xml><?xml version="1.0" encoding="utf-8"?>
 <p:sld xmlns:a="http://schemas.openxmlformats.org/drawingml/2006/main" xmlns:r="http://schemas.openxmlformats.org/officeDocument/2006/relationships" xmlns:p="http://schemas.openxmlformats.org/presentationml/2006/main">
   <p:cSld>
     <p:spTree>
@@ -4684,7 +4958,7 @@
           <a:p>
             <a:fld id="{8B73B576-4618-475D-9FCB-4FE0D483ACFE}" type="slidenum">
               <a:rPr lang="en-US" smtClean="0"/>
-              <a:t>12</a:t>
+              <a:t>13</a:t>
             </a:fld>
             <a:endParaRPr lang="en-US"/>
           </a:p>
@@ -4891,7 +5165,7 @@
 </p:sld>
 </file>
 
-<file path=ppt/slides/slide13.xml><?xml version="1.0" encoding="utf-8"?>
+<file path=ppt/slides/slide14.xml><?xml version="1.0" encoding="utf-8"?>
 <p:sld xmlns:a="http://schemas.openxmlformats.org/drawingml/2006/main" xmlns:r="http://schemas.openxmlformats.org/officeDocument/2006/relationships" xmlns:p="http://schemas.openxmlformats.org/presentationml/2006/main">
   <p:cSld>
     <p:spTree>
@@ -4994,7 +5268,7 @@
           <a:p>
             <a:fld id="{8B73B576-4618-475D-9FCB-4FE0D483ACFE}" type="slidenum">
               <a:rPr lang="en-US" smtClean="0"/>
-              <a:t>13</a:t>
+              <a:t>14</a:t>
             </a:fld>
             <a:endParaRPr lang="en-US"/>
           </a:p>
@@ -5106,11 +5380,7 @@
           <a:p>
             <a:r>
               <a:rPr lang="en-US" dirty="0" smtClean="0"/>
-              <a:t>Lin Gong </a:t>
-            </a:r>
-            <a:r>
-              <a:rPr lang="en-US" dirty="0" smtClean="0"/>
-              <a:t>(lead)</a:t>
+              <a:t>Lin Gong (lead)</a:t>
             </a:r>
           </a:p>
           <a:p>
@@ -5172,301 +5442,6 @@
     <p:extLst>
       <p:ext uri="{BB962C8B-B14F-4D97-AF65-F5344CB8AC3E}">
         <p14:creationId xmlns:p14="http://schemas.microsoft.com/office/powerpoint/2010/main" val="2489746396"/>
-      </p:ext>
-    </p:extLst>
-  </p:cSld>
-  <p:clrMapOvr>
-    <a:masterClrMapping/>
-  </p:clrMapOvr>
-  <p:timing>
-    <p:tnLst>
-      <p:par>
-        <p:cTn id="1" dur="indefinite" restart="never" nodeType="tmRoot"/>
-      </p:par>
-    </p:tnLst>
-  </p:timing>
-</p:sld>
-</file>
-
-<file path=ppt/slides/slide14.xml><?xml version="1.0" encoding="utf-8"?>
-<p:sld xmlns:a="http://schemas.openxmlformats.org/drawingml/2006/main" xmlns:r="http://schemas.openxmlformats.org/officeDocument/2006/relationships" xmlns:p="http://schemas.openxmlformats.org/presentationml/2006/main">
-  <p:cSld>
-    <p:spTree>
-      <p:nvGrpSpPr>
-        <p:cNvPr id="1" name=""/>
-        <p:cNvGrpSpPr/>
-        <p:nvPr/>
-      </p:nvGrpSpPr>
-      <p:grpSpPr>
-        <a:xfrm>
-          <a:off x="0" y="0"/>
-          <a:ext cx="0" cy="0"/>
-          <a:chOff x="0" y="0"/>
-          <a:chExt cx="0" cy="0"/>
-        </a:xfrm>
-      </p:grpSpPr>
-      <p:sp>
-        <p:nvSpPr>
-          <p:cNvPr id="2" name="Title 1"/>
-          <p:cNvSpPr>
-            <a:spLocks noGrp="1"/>
-          </p:cNvSpPr>
-          <p:nvPr>
-            <p:ph type="title"/>
-          </p:nvPr>
-        </p:nvSpPr>
-        <p:spPr/>
-        <p:txBody>
-          <a:bodyPr/>
-          <a:lstStyle/>
-          <a:p>
-            <a:r>
-              <a:rPr lang="en-US" dirty="0" smtClean="0"/>
-              <a:t>Contact information</a:t>
-            </a:r>
-            <a:endParaRPr lang="en-US" dirty="0"/>
-          </a:p>
-        </p:txBody>
-      </p:sp>
-      <p:sp>
-        <p:nvSpPr>
-          <p:cNvPr id="3" name="Content Placeholder 2"/>
-          <p:cNvSpPr>
-            <a:spLocks noGrp="1"/>
-          </p:cNvSpPr>
-          <p:nvPr>
-            <p:ph idx="1"/>
-          </p:nvPr>
-        </p:nvSpPr>
-        <p:spPr>
-          <a:xfrm>
-            <a:off x="457200" y="1600200"/>
-            <a:ext cx="8229600" cy="4756150"/>
-          </a:xfrm>
-        </p:spPr>
-        <p:txBody>
-          <a:bodyPr>
-            <a:normAutofit fontScale="70000" lnSpcReduction="20000"/>
-          </a:bodyPr>
-          <a:lstStyle/>
-          <a:p>
-            <a:r>
-              <a:rPr lang="en-US" dirty="0"/>
-              <a:t>Lecture </a:t>
-            </a:r>
-          </a:p>
-          <a:p>
-            <a:pPr lvl="1"/>
-            <a:r>
-              <a:rPr lang="en-US" dirty="0"/>
-              <a:t>Instructor: Hongning Wang</a:t>
-            </a:r>
-          </a:p>
-          <a:p>
-            <a:pPr lvl="1"/>
-            <a:r>
-              <a:rPr lang="en-US" dirty="0"/>
-              <a:t>Time: Monday/Wednesday 5:00pm to 6:15pm</a:t>
-            </a:r>
-          </a:p>
-          <a:p>
-            <a:pPr lvl="1"/>
-            <a:r>
-              <a:rPr lang="en-US" dirty="0"/>
-              <a:t>Location: Olsson Hall </a:t>
-            </a:r>
-            <a:r>
-              <a:rPr lang="en-US" dirty="0" smtClean="0"/>
-              <a:t>009</a:t>
-            </a:r>
-            <a:endParaRPr lang="en-US" dirty="0"/>
-          </a:p>
-          <a:p>
-            <a:r>
-              <a:rPr lang="en-US" dirty="0"/>
-              <a:t>Office hour</a:t>
-            </a:r>
-          </a:p>
-          <a:p>
-            <a:pPr lvl="1"/>
-            <a:r>
-              <a:rPr lang="en-US" dirty="0"/>
-              <a:t>Instructor’s</a:t>
-            </a:r>
-          </a:p>
-          <a:p>
-            <a:pPr lvl="2"/>
-            <a:r>
-              <a:rPr lang="en-US" dirty="0"/>
-              <a:t>Time: Monday/Wednesday 4:00pm to 5:00pm</a:t>
-            </a:r>
-          </a:p>
-          <a:p>
-            <a:pPr lvl="2"/>
-            <a:r>
-              <a:rPr lang="en-US" dirty="0"/>
-              <a:t>Location: Rice Hall 408</a:t>
-            </a:r>
-          </a:p>
-          <a:p>
-            <a:pPr lvl="1"/>
-            <a:r>
-              <a:rPr lang="en-US" dirty="0"/>
-              <a:t>TAs’</a:t>
-            </a:r>
-          </a:p>
-          <a:p>
-            <a:pPr lvl="2"/>
-            <a:r>
-              <a:rPr lang="en-US" dirty="0"/>
-              <a:t>Time: Tuesday/Thursday </a:t>
-            </a:r>
-            <a:r>
-              <a:rPr lang="en-US" b="1" dirty="0" smtClean="0"/>
-              <a:t>3:00pm </a:t>
-            </a:r>
-            <a:r>
-              <a:rPr lang="en-US" b="1" dirty="0"/>
-              <a:t>to </a:t>
-            </a:r>
-            <a:r>
-              <a:rPr lang="en-US" b="1" dirty="0" smtClean="0"/>
-              <a:t>4:00pm</a:t>
-            </a:r>
-            <a:endParaRPr lang="en-US" b="1" dirty="0"/>
-          </a:p>
-          <a:p>
-            <a:pPr lvl="2"/>
-            <a:r>
-              <a:rPr lang="en-US" dirty="0"/>
-              <a:t>Location: Rice Hall 414 </a:t>
-            </a:r>
-            <a:endParaRPr lang="en-US" dirty="0" smtClean="0"/>
-          </a:p>
-          <a:p>
-            <a:r>
-              <a:rPr lang="en-US" dirty="0" smtClean="0"/>
-              <a:t>Course website</a:t>
-            </a:r>
-          </a:p>
-          <a:p>
-            <a:pPr lvl="1"/>
-            <a:r>
-              <a:rPr lang="en-US" dirty="0"/>
-              <a:t>Website: </a:t>
-            </a:r>
-            <a:r>
-              <a:rPr lang="en-US" dirty="0">
-                <a:hlinkClick r:id="rId2"/>
-              </a:rPr>
-              <a:t>http://www.cs.virginia.edu/~hw5x/Course/CS6501-Text-Mining/_</a:t>
-            </a:r>
-            <a:r>
-              <a:rPr lang="en-US" dirty="0" smtClean="0">
-                <a:hlinkClick r:id="rId2"/>
-              </a:rPr>
-              <a:t>site</a:t>
-            </a:r>
-            <a:r>
-              <a:rPr lang="en-US" dirty="0" smtClean="0"/>
-              <a:t> </a:t>
-            </a:r>
-          </a:p>
-          <a:p>
-            <a:pPr lvl="1"/>
-            <a:r>
-              <a:rPr lang="en-US" dirty="0" smtClean="0"/>
-              <a:t>Piazza: </a:t>
-            </a:r>
-            <a:r>
-              <a:rPr lang="en-US" dirty="0">
-                <a:hlinkClick r:id="rId3" action="ppaction://hlinkfile"/>
-              </a:rPr>
-              <a:t>https</a:t>
-            </a:r>
-            <a:r>
-              <a:rPr lang="en-US" dirty="0" smtClean="0">
-                <a:hlinkClick r:id="rId3" action="ppaction://hlinkfile"/>
-              </a:rPr>
-              <a:t>://piazza.com/virginia/spring2016/cs6501/home</a:t>
-            </a:r>
-            <a:endParaRPr lang="en-US" dirty="0"/>
-          </a:p>
-        </p:txBody>
-      </p:sp>
-      <p:sp>
-        <p:nvSpPr>
-          <p:cNvPr id="6" name="Date Placeholder 5"/>
-          <p:cNvSpPr>
-            <a:spLocks noGrp="1"/>
-          </p:cNvSpPr>
-          <p:nvPr>
-            <p:ph type="dt" sz="half" idx="10"/>
-          </p:nvPr>
-        </p:nvSpPr>
-        <p:spPr/>
-        <p:txBody>
-          <a:bodyPr/>
-          <a:lstStyle/>
-          <a:p>
-            <a:r>
-              <a:rPr lang="en-US" smtClean="0"/>
-              <a:t>CS@UVa</a:t>
-            </a:r>
-            <a:endParaRPr lang="en-US"/>
-          </a:p>
-        </p:txBody>
-      </p:sp>
-      <p:sp>
-        <p:nvSpPr>
-          <p:cNvPr id="7" name="Footer Placeholder 6"/>
-          <p:cNvSpPr>
-            <a:spLocks noGrp="1"/>
-          </p:cNvSpPr>
-          <p:nvPr>
-            <p:ph type="ftr" sz="quarter" idx="11"/>
-          </p:nvPr>
-        </p:nvSpPr>
-        <p:spPr/>
-        <p:txBody>
-          <a:bodyPr/>
-          <a:lstStyle/>
-          <a:p>
-            <a:r>
-              <a:rPr lang="en-US" smtClean="0"/>
-              <a:t>CS6501: Text Mining</a:t>
-            </a:r>
-            <a:endParaRPr lang="en-US"/>
-          </a:p>
-        </p:txBody>
-      </p:sp>
-      <p:sp>
-        <p:nvSpPr>
-          <p:cNvPr id="8" name="Slide Number Placeholder 7"/>
-          <p:cNvSpPr>
-            <a:spLocks noGrp="1"/>
-          </p:cNvSpPr>
-          <p:nvPr>
-            <p:ph type="sldNum" sz="quarter" idx="12"/>
-          </p:nvPr>
-        </p:nvSpPr>
-        <p:spPr/>
-        <p:txBody>
-          <a:bodyPr/>
-          <a:lstStyle/>
-          <a:p>
-            <a:fld id="{8B73B576-4618-475D-9FCB-4FE0D483ACFE}" type="slidenum">
-              <a:rPr lang="en-US" smtClean="0"/>
-              <a:t>14</a:t>
-            </a:fld>
-            <a:endParaRPr lang="en-US"/>
-          </a:p>
-        </p:txBody>
-      </p:sp>
-    </p:spTree>
-    <p:extLst>
-      <p:ext uri="{BB962C8B-B14F-4D97-AF65-F5344CB8AC3E}">
-        <p14:creationId xmlns:p14="http://schemas.microsoft.com/office/powerpoint/2010/main" val="3745411287"/>
       </p:ext>
     </p:extLst>
   </p:cSld>
@@ -5502,6 +5477,301 @@
       </p:grpSpPr>
       <p:sp>
         <p:nvSpPr>
+          <p:cNvPr id="2" name="Title 1"/>
+          <p:cNvSpPr>
+            <a:spLocks noGrp="1"/>
+          </p:cNvSpPr>
+          <p:nvPr>
+            <p:ph type="title"/>
+          </p:nvPr>
+        </p:nvSpPr>
+        <p:spPr/>
+        <p:txBody>
+          <a:bodyPr/>
+          <a:lstStyle/>
+          <a:p>
+            <a:r>
+              <a:rPr lang="en-US" dirty="0" smtClean="0"/>
+              <a:t>Contact information</a:t>
+            </a:r>
+            <a:endParaRPr lang="en-US" dirty="0"/>
+          </a:p>
+        </p:txBody>
+      </p:sp>
+      <p:sp>
+        <p:nvSpPr>
+          <p:cNvPr id="3" name="Content Placeholder 2"/>
+          <p:cNvSpPr>
+            <a:spLocks noGrp="1"/>
+          </p:cNvSpPr>
+          <p:nvPr>
+            <p:ph idx="1"/>
+          </p:nvPr>
+        </p:nvSpPr>
+        <p:spPr>
+          <a:xfrm>
+            <a:off x="457200" y="1600200"/>
+            <a:ext cx="8229600" cy="4756150"/>
+          </a:xfrm>
+        </p:spPr>
+        <p:txBody>
+          <a:bodyPr>
+            <a:normAutofit fontScale="70000" lnSpcReduction="20000"/>
+          </a:bodyPr>
+          <a:lstStyle/>
+          <a:p>
+            <a:r>
+              <a:rPr lang="en-US" dirty="0"/>
+              <a:t>Lecture </a:t>
+            </a:r>
+          </a:p>
+          <a:p>
+            <a:pPr lvl="1"/>
+            <a:r>
+              <a:rPr lang="en-US" dirty="0"/>
+              <a:t>Instructor: Hongning Wang</a:t>
+            </a:r>
+          </a:p>
+          <a:p>
+            <a:pPr lvl="1"/>
+            <a:r>
+              <a:rPr lang="en-US" dirty="0"/>
+              <a:t>Time: Monday/Wednesday 5:00pm to 6:15pm</a:t>
+            </a:r>
+          </a:p>
+          <a:p>
+            <a:pPr lvl="1"/>
+            <a:r>
+              <a:rPr lang="en-US" dirty="0"/>
+              <a:t>Location: Olsson Hall </a:t>
+            </a:r>
+            <a:r>
+              <a:rPr lang="en-US" dirty="0" smtClean="0"/>
+              <a:t>009</a:t>
+            </a:r>
+            <a:endParaRPr lang="en-US" dirty="0"/>
+          </a:p>
+          <a:p>
+            <a:r>
+              <a:rPr lang="en-US" dirty="0"/>
+              <a:t>Office hour</a:t>
+            </a:r>
+          </a:p>
+          <a:p>
+            <a:pPr lvl="1"/>
+            <a:r>
+              <a:rPr lang="en-US" dirty="0"/>
+              <a:t>Instructor’s</a:t>
+            </a:r>
+          </a:p>
+          <a:p>
+            <a:pPr lvl="2"/>
+            <a:r>
+              <a:rPr lang="en-US" dirty="0"/>
+              <a:t>Time: Monday/Wednesday 4:00pm to 5:00pm</a:t>
+            </a:r>
+          </a:p>
+          <a:p>
+            <a:pPr lvl="2"/>
+            <a:r>
+              <a:rPr lang="en-US" dirty="0"/>
+              <a:t>Location: Rice Hall 408</a:t>
+            </a:r>
+          </a:p>
+          <a:p>
+            <a:pPr lvl="1"/>
+            <a:r>
+              <a:rPr lang="en-US" dirty="0"/>
+              <a:t>TAs’</a:t>
+            </a:r>
+          </a:p>
+          <a:p>
+            <a:pPr lvl="2"/>
+            <a:r>
+              <a:rPr lang="en-US" dirty="0"/>
+              <a:t>Time: Tuesday/Thursday </a:t>
+            </a:r>
+            <a:r>
+              <a:rPr lang="en-US" b="1" dirty="0" smtClean="0"/>
+              <a:t>3:00pm </a:t>
+            </a:r>
+            <a:r>
+              <a:rPr lang="en-US" b="1" dirty="0"/>
+              <a:t>to </a:t>
+            </a:r>
+            <a:r>
+              <a:rPr lang="en-US" b="1" dirty="0" smtClean="0"/>
+              <a:t>4:00pm</a:t>
+            </a:r>
+            <a:endParaRPr lang="en-US" b="1" dirty="0"/>
+          </a:p>
+          <a:p>
+            <a:pPr lvl="2"/>
+            <a:r>
+              <a:rPr lang="en-US" dirty="0"/>
+              <a:t>Location: Rice Hall 414 </a:t>
+            </a:r>
+            <a:endParaRPr lang="en-US" dirty="0" smtClean="0"/>
+          </a:p>
+          <a:p>
+            <a:r>
+              <a:rPr lang="en-US" dirty="0" smtClean="0"/>
+              <a:t>Course website</a:t>
+            </a:r>
+          </a:p>
+          <a:p>
+            <a:pPr lvl="1"/>
+            <a:r>
+              <a:rPr lang="en-US" dirty="0"/>
+              <a:t>Website: </a:t>
+            </a:r>
+            <a:r>
+              <a:rPr lang="en-US" dirty="0">
+                <a:hlinkClick r:id="rId2"/>
+              </a:rPr>
+              <a:t>http://www.cs.virginia.edu/~hw5x/Course/CS6501-Text-Mining/_</a:t>
+            </a:r>
+            <a:r>
+              <a:rPr lang="en-US" dirty="0" smtClean="0">
+                <a:hlinkClick r:id="rId2"/>
+              </a:rPr>
+              <a:t>site</a:t>
+            </a:r>
+            <a:r>
+              <a:rPr lang="en-US" dirty="0" smtClean="0"/>
+              <a:t> </a:t>
+            </a:r>
+          </a:p>
+          <a:p>
+            <a:pPr lvl="1"/>
+            <a:r>
+              <a:rPr lang="en-US" dirty="0" smtClean="0"/>
+              <a:t>Piazza: </a:t>
+            </a:r>
+            <a:r>
+              <a:rPr lang="en-US" dirty="0">
+                <a:hlinkClick r:id="rId3" action="ppaction://hlinkfile"/>
+              </a:rPr>
+              <a:t>https</a:t>
+            </a:r>
+            <a:r>
+              <a:rPr lang="en-US" dirty="0" smtClean="0">
+                <a:hlinkClick r:id="rId3" action="ppaction://hlinkfile"/>
+              </a:rPr>
+              <a:t>://piazza.com/virginia/spring2016/cs6501/home</a:t>
+            </a:r>
+            <a:endParaRPr lang="en-US" dirty="0"/>
+          </a:p>
+        </p:txBody>
+      </p:sp>
+      <p:sp>
+        <p:nvSpPr>
+          <p:cNvPr id="6" name="Date Placeholder 5"/>
+          <p:cNvSpPr>
+            <a:spLocks noGrp="1"/>
+          </p:cNvSpPr>
+          <p:nvPr>
+            <p:ph type="dt" sz="half" idx="10"/>
+          </p:nvPr>
+        </p:nvSpPr>
+        <p:spPr/>
+        <p:txBody>
+          <a:bodyPr/>
+          <a:lstStyle/>
+          <a:p>
+            <a:r>
+              <a:rPr lang="en-US" smtClean="0"/>
+              <a:t>CS@UVa</a:t>
+            </a:r>
+            <a:endParaRPr lang="en-US"/>
+          </a:p>
+        </p:txBody>
+      </p:sp>
+      <p:sp>
+        <p:nvSpPr>
+          <p:cNvPr id="7" name="Footer Placeholder 6"/>
+          <p:cNvSpPr>
+            <a:spLocks noGrp="1"/>
+          </p:cNvSpPr>
+          <p:nvPr>
+            <p:ph type="ftr" sz="quarter" idx="11"/>
+          </p:nvPr>
+        </p:nvSpPr>
+        <p:spPr/>
+        <p:txBody>
+          <a:bodyPr/>
+          <a:lstStyle/>
+          <a:p>
+            <a:r>
+              <a:rPr lang="en-US" smtClean="0"/>
+              <a:t>CS6501: Text Mining</a:t>
+            </a:r>
+            <a:endParaRPr lang="en-US"/>
+          </a:p>
+        </p:txBody>
+      </p:sp>
+      <p:sp>
+        <p:nvSpPr>
+          <p:cNvPr id="8" name="Slide Number Placeholder 7"/>
+          <p:cNvSpPr>
+            <a:spLocks noGrp="1"/>
+          </p:cNvSpPr>
+          <p:nvPr>
+            <p:ph type="sldNum" sz="quarter" idx="12"/>
+          </p:nvPr>
+        </p:nvSpPr>
+        <p:spPr/>
+        <p:txBody>
+          <a:bodyPr/>
+          <a:lstStyle/>
+          <a:p>
+            <a:fld id="{8B73B576-4618-475D-9FCB-4FE0D483ACFE}" type="slidenum">
+              <a:rPr lang="en-US" smtClean="0"/>
+              <a:t>15</a:t>
+            </a:fld>
+            <a:endParaRPr lang="en-US"/>
+          </a:p>
+        </p:txBody>
+      </p:sp>
+    </p:spTree>
+    <p:extLst>
+      <p:ext uri="{BB962C8B-B14F-4D97-AF65-F5344CB8AC3E}">
+        <p14:creationId xmlns:p14="http://schemas.microsoft.com/office/powerpoint/2010/main" val="3745411287"/>
+      </p:ext>
+    </p:extLst>
+  </p:cSld>
+  <p:clrMapOvr>
+    <a:masterClrMapping/>
+  </p:clrMapOvr>
+  <p:timing>
+    <p:tnLst>
+      <p:par>
+        <p:cTn id="1" dur="indefinite" restart="never" nodeType="tmRoot"/>
+      </p:par>
+    </p:tnLst>
+  </p:timing>
+</p:sld>
+</file>
+
+<file path=ppt/slides/slide16.xml><?xml version="1.0" encoding="utf-8"?>
+<p:sld xmlns:a="http://schemas.openxmlformats.org/drawingml/2006/main" xmlns:r="http://schemas.openxmlformats.org/officeDocument/2006/relationships" xmlns:p="http://schemas.openxmlformats.org/presentationml/2006/main">
+  <p:cSld>
+    <p:spTree>
+      <p:nvGrpSpPr>
+        <p:cNvPr id="1" name=""/>
+        <p:cNvGrpSpPr/>
+        <p:nvPr/>
+      </p:nvGrpSpPr>
+      <p:grpSpPr>
+        <a:xfrm>
+          <a:off x="0" y="0"/>
+          <a:ext cx="0" cy="0"/>
+          <a:chOff x="0" y="0"/>
+          <a:chExt cx="0" cy="0"/>
+        </a:xfrm>
+      </p:grpSpPr>
+      <p:sp>
+        <p:nvSpPr>
           <p:cNvPr id="4" name="Title 3"/>
           <p:cNvSpPr>
             <a:spLocks noGrp="1"/>
@@ -5609,7 +5879,7 @@
           <a:p>
             <a:fld id="{8B73B576-4618-475D-9FCB-4FE0D483ACFE}" type="slidenum">
               <a:rPr lang="en-US" smtClean="0"/>
-              <a:t>15</a:t>
+              <a:t>16</a:t>
             </a:fld>
             <a:endParaRPr lang="en-US"/>
           </a:p>
@@ -5877,7 +6147,7 @@
           <a:p>
             <a:r>
               <a:rPr lang="en-US" dirty="0" smtClean="0"/>
-              <a:t>Structure of this course</a:t>
+              <a:t>A letter from a former student</a:t>
             </a:r>
             <a:endParaRPr lang="en-US" dirty="0"/>
           </a:p>
@@ -5885,74 +6155,7 @@
       </p:sp>
       <p:sp>
         <p:nvSpPr>
-          <p:cNvPr id="3" name="Content Placeholder 2"/>
-          <p:cNvSpPr>
-            <a:spLocks noGrp="1"/>
-          </p:cNvSpPr>
-          <p:nvPr>
-            <p:ph idx="1"/>
-          </p:nvPr>
-        </p:nvSpPr>
-        <p:spPr/>
-        <p:txBody>
-          <a:bodyPr/>
-          <a:lstStyle/>
-          <a:p>
-            <a:r>
-              <a:rPr lang="en-US" dirty="0" smtClean="0"/>
-              <a:t>Lecture based</a:t>
-            </a:r>
-          </a:p>
-          <a:p>
-            <a:pPr lvl="1"/>
-            <a:r>
-              <a:rPr lang="en-US" dirty="0" smtClean="0"/>
-              <a:t>Six major topics will be covered </a:t>
-            </a:r>
-          </a:p>
-          <a:p>
-            <a:pPr lvl="2"/>
-            <a:r>
-              <a:rPr lang="en-US" dirty="0" smtClean="0"/>
-              <a:t>E.g., NLP pipelines, classification/clustering models, and probabilistic topic models</a:t>
-            </a:r>
-          </a:p>
-          <a:p>
-            <a:pPr lvl="1"/>
-            <a:r>
-              <a:rPr lang="en-US" dirty="0" smtClean="0"/>
-              <a:t>Introduce state-of-the-art large-scale text analytics techniques</a:t>
-            </a:r>
-          </a:p>
-          <a:p>
-            <a:pPr lvl="2"/>
-            <a:r>
-              <a:rPr lang="en-US" dirty="0" smtClean="0"/>
-              <a:t>E.g., </a:t>
-            </a:r>
-            <a:r>
-              <a:rPr lang="en-US" dirty="0" err="1" smtClean="0"/>
-              <a:t>MapReduce</a:t>
-            </a:r>
-            <a:r>
-              <a:rPr lang="en-US" dirty="0" smtClean="0"/>
-              <a:t> framework, Apache Spark and </a:t>
-            </a:r>
-            <a:r>
-              <a:rPr lang="en-US" dirty="0" err="1" smtClean="0"/>
-              <a:t>GraphLab</a:t>
-            </a:r>
-            <a:endParaRPr lang="en-US" dirty="0" smtClean="0"/>
-          </a:p>
-          <a:p>
-            <a:pPr lvl="1"/>
-            <a:endParaRPr lang="en-US" dirty="0"/>
-          </a:p>
-        </p:txBody>
-      </p:sp>
-      <p:sp>
-        <p:nvSpPr>
-          <p:cNvPr id="6" name="Date Placeholder 5"/>
+          <p:cNvPr id="4" name="Date Placeholder 3"/>
           <p:cNvSpPr>
             <a:spLocks noGrp="1"/>
           </p:cNvSpPr>
@@ -5975,7 +6178,7 @@
       </p:sp>
       <p:sp>
         <p:nvSpPr>
-          <p:cNvPr id="7" name="Footer Placeholder 6"/>
+          <p:cNvPr id="5" name="Footer Placeholder 4"/>
           <p:cNvSpPr>
             <a:spLocks noGrp="1"/>
           </p:cNvSpPr>
@@ -5998,7 +6201,7 @@
       </p:sp>
       <p:sp>
         <p:nvSpPr>
-          <p:cNvPr id="8" name="Slide Number Placeholder 7"/>
+          <p:cNvPr id="6" name="Slide Number Placeholder 5"/>
           <p:cNvSpPr>
             <a:spLocks noGrp="1"/>
           </p:cNvSpPr>
@@ -6016,13 +6219,47 @@
               <a:t>3</a:t>
             </a:fld>
             <a:endParaRPr lang="en-US"/>
+          </a:p>
+        </p:txBody>
+      </p:sp>
+      <p:sp>
+        <p:nvSpPr>
+          <p:cNvPr id="7" name="Rectangle 6"/>
+          <p:cNvSpPr/>
+          <p:nvPr/>
+        </p:nvSpPr>
+        <p:spPr>
+          <a:xfrm>
+            <a:off x="1905000" y="1981200"/>
+            <a:ext cx="5029200" cy="3477875"/>
+          </a:xfrm>
+          <a:prstGeom prst="rect">
+            <a:avLst/>
+          </a:prstGeom>
+        </p:spPr>
+        <p:txBody>
+          <a:bodyPr wrap="square">
+            <a:spAutoFit/>
+          </a:bodyPr>
+          <a:lstStyle/>
+          <a:p>
+            <a:r>
+              <a:rPr lang="en-US" sz="2000" i="1" dirty="0">
+                <a:solidFill>
+                  <a:srgbClr val="000000"/>
+                </a:solidFill>
+                <a:latin typeface="Avenir Next"/>
+              </a:rPr>
+              <a:t>I wanted to catch up with you and let you know that I’ve been working on a variety of text mining projects, and that the knowledge and experience I gained in your class has been vital. I have your slides saved on my computer and I frequently revisit them. Most recently I reviewed the sections on sense signatures for an automated lexicography pipeline I’m working on. Thank you for the resources and for the wonderful instruction!</a:t>
+            </a:r>
+            <a:endParaRPr lang="en-US" sz="2000" i="1" dirty="0"/>
           </a:p>
         </p:txBody>
       </p:sp>
     </p:spTree>
     <p:extLst>
       <p:ext uri="{BB962C8B-B14F-4D97-AF65-F5344CB8AC3E}">
-        <p14:creationId xmlns:p14="http://schemas.microsoft.com/office/powerpoint/2010/main" val="2163962128"/>
+        <p14:creationId xmlns:p14="http://schemas.microsoft.com/office/powerpoint/2010/main" val="2381839934"/>
       </p:ext>
     </p:extLst>
   </p:cSld>
@@ -6073,6 +6310,202 @@
           <a:p>
             <a:r>
               <a:rPr lang="en-US" dirty="0" smtClean="0"/>
+              <a:t>Structure of this course</a:t>
+            </a:r>
+            <a:endParaRPr lang="en-US" dirty="0"/>
+          </a:p>
+        </p:txBody>
+      </p:sp>
+      <p:sp>
+        <p:nvSpPr>
+          <p:cNvPr id="3" name="Content Placeholder 2"/>
+          <p:cNvSpPr>
+            <a:spLocks noGrp="1"/>
+          </p:cNvSpPr>
+          <p:nvPr>
+            <p:ph idx="1"/>
+          </p:nvPr>
+        </p:nvSpPr>
+        <p:spPr/>
+        <p:txBody>
+          <a:bodyPr/>
+          <a:lstStyle/>
+          <a:p>
+            <a:r>
+              <a:rPr lang="en-US" dirty="0" smtClean="0"/>
+              <a:t>Lecture based</a:t>
+            </a:r>
+          </a:p>
+          <a:p>
+            <a:pPr lvl="1"/>
+            <a:r>
+              <a:rPr lang="en-US" dirty="0" smtClean="0"/>
+              <a:t>Six major topics will be covered </a:t>
+            </a:r>
+          </a:p>
+          <a:p>
+            <a:pPr lvl="2"/>
+            <a:r>
+              <a:rPr lang="en-US" dirty="0" smtClean="0"/>
+              <a:t>E.g., NLP pipelines, classification/clustering models, and probabilistic topic models</a:t>
+            </a:r>
+          </a:p>
+          <a:p>
+            <a:pPr lvl="1"/>
+            <a:r>
+              <a:rPr lang="en-US" dirty="0" smtClean="0"/>
+              <a:t>Introduce state-of-the-art large-scale text analytics techniques</a:t>
+            </a:r>
+          </a:p>
+          <a:p>
+            <a:pPr lvl="2"/>
+            <a:r>
+              <a:rPr lang="en-US" dirty="0" smtClean="0"/>
+              <a:t>E.g., </a:t>
+            </a:r>
+            <a:r>
+              <a:rPr lang="en-US" dirty="0" err="1" smtClean="0"/>
+              <a:t>MapReduce</a:t>
+            </a:r>
+            <a:r>
+              <a:rPr lang="en-US" dirty="0" smtClean="0"/>
+              <a:t> framework, Apache Spark and </a:t>
+            </a:r>
+            <a:r>
+              <a:rPr lang="en-US" dirty="0" err="1" smtClean="0"/>
+              <a:t>GraphLab</a:t>
+            </a:r>
+            <a:endParaRPr lang="en-US" dirty="0" smtClean="0"/>
+          </a:p>
+          <a:p>
+            <a:pPr lvl="1"/>
+            <a:endParaRPr lang="en-US" dirty="0"/>
+          </a:p>
+        </p:txBody>
+      </p:sp>
+      <p:sp>
+        <p:nvSpPr>
+          <p:cNvPr id="6" name="Date Placeholder 5"/>
+          <p:cNvSpPr>
+            <a:spLocks noGrp="1"/>
+          </p:cNvSpPr>
+          <p:nvPr>
+            <p:ph type="dt" sz="half" idx="10"/>
+          </p:nvPr>
+        </p:nvSpPr>
+        <p:spPr/>
+        <p:txBody>
+          <a:bodyPr/>
+          <a:lstStyle/>
+          <a:p>
+            <a:r>
+              <a:rPr lang="en-US" smtClean="0"/>
+              <a:t>CS@UVa</a:t>
+            </a:r>
+            <a:endParaRPr lang="en-US"/>
+          </a:p>
+        </p:txBody>
+      </p:sp>
+      <p:sp>
+        <p:nvSpPr>
+          <p:cNvPr id="7" name="Footer Placeholder 6"/>
+          <p:cNvSpPr>
+            <a:spLocks noGrp="1"/>
+          </p:cNvSpPr>
+          <p:nvPr>
+            <p:ph type="ftr" sz="quarter" idx="11"/>
+          </p:nvPr>
+        </p:nvSpPr>
+        <p:spPr/>
+        <p:txBody>
+          <a:bodyPr/>
+          <a:lstStyle/>
+          <a:p>
+            <a:r>
+              <a:rPr lang="en-US" smtClean="0"/>
+              <a:t>CS6501: Text Mining</a:t>
+            </a:r>
+            <a:endParaRPr lang="en-US"/>
+          </a:p>
+        </p:txBody>
+      </p:sp>
+      <p:sp>
+        <p:nvSpPr>
+          <p:cNvPr id="8" name="Slide Number Placeholder 7"/>
+          <p:cNvSpPr>
+            <a:spLocks noGrp="1"/>
+          </p:cNvSpPr>
+          <p:nvPr>
+            <p:ph type="sldNum" sz="quarter" idx="12"/>
+          </p:nvPr>
+        </p:nvSpPr>
+        <p:spPr/>
+        <p:txBody>
+          <a:bodyPr/>
+          <a:lstStyle/>
+          <a:p>
+            <a:fld id="{8B73B576-4618-475D-9FCB-4FE0D483ACFE}" type="slidenum">
+              <a:rPr lang="en-US" smtClean="0"/>
+              <a:t>4</a:t>
+            </a:fld>
+            <a:endParaRPr lang="en-US"/>
+          </a:p>
+        </p:txBody>
+      </p:sp>
+    </p:spTree>
+    <p:extLst>
+      <p:ext uri="{BB962C8B-B14F-4D97-AF65-F5344CB8AC3E}">
+        <p14:creationId xmlns:p14="http://schemas.microsoft.com/office/powerpoint/2010/main" val="2163962128"/>
+      </p:ext>
+    </p:extLst>
+  </p:cSld>
+  <p:clrMapOvr>
+    <a:masterClrMapping/>
+  </p:clrMapOvr>
+  <p:timing>
+    <p:tnLst>
+      <p:par>
+        <p:cTn id="1" dur="indefinite" restart="never" nodeType="tmRoot"/>
+      </p:par>
+    </p:tnLst>
+  </p:timing>
+</p:sld>
+</file>
+
+<file path=ppt/slides/slide5.xml><?xml version="1.0" encoding="utf-8"?>
+<p:sld xmlns:a="http://schemas.openxmlformats.org/drawingml/2006/main" xmlns:r="http://schemas.openxmlformats.org/officeDocument/2006/relationships" xmlns:p="http://schemas.openxmlformats.org/presentationml/2006/main">
+  <p:cSld>
+    <p:spTree>
+      <p:nvGrpSpPr>
+        <p:cNvPr id="1" name=""/>
+        <p:cNvGrpSpPr/>
+        <p:nvPr/>
+      </p:nvGrpSpPr>
+      <p:grpSpPr>
+        <a:xfrm>
+          <a:off x="0" y="0"/>
+          <a:ext cx="0" cy="0"/>
+          <a:chOff x="0" y="0"/>
+          <a:chExt cx="0" cy="0"/>
+        </a:xfrm>
+      </p:grpSpPr>
+      <p:sp>
+        <p:nvSpPr>
+          <p:cNvPr id="2" name="Title 1"/>
+          <p:cNvSpPr>
+            <a:spLocks noGrp="1"/>
+          </p:cNvSpPr>
+          <p:nvPr>
+            <p:ph type="title"/>
+          </p:nvPr>
+        </p:nvSpPr>
+        <p:spPr/>
+        <p:txBody>
+          <a:bodyPr/>
+          <a:lstStyle/>
+          <a:p>
+            <a:r>
+              <a:rPr lang="en-US" dirty="0" smtClean="0"/>
               <a:t>Prerequisites</a:t>
             </a:r>
             <a:endParaRPr lang="en-US" dirty="0"/>
@@ -6256,7 +6689,7 @@
           <a:p>
             <a:fld id="{8B73B576-4618-475D-9FCB-4FE0D483ACFE}" type="slidenum">
               <a:rPr lang="en-US" smtClean="0"/>
-              <a:t>4</a:t>
+              <a:t>5</a:t>
             </a:fld>
             <a:endParaRPr lang="en-US"/>
           </a:p>
@@ -6512,7 +6945,7 @@
 </p:sld>
 </file>
 
-<file path=ppt/slides/slide5.xml><?xml version="1.0" encoding="utf-8"?>
+<file path=ppt/slides/slide6.xml><?xml version="1.0" encoding="utf-8"?>
 <p:sld xmlns:a="http://schemas.openxmlformats.org/drawingml/2006/main" xmlns:r="http://schemas.openxmlformats.org/officeDocument/2006/relationships" xmlns:p="http://schemas.openxmlformats.org/presentationml/2006/main">
   <p:cSld>
     <p:spTree>
@@ -6706,7 +7139,7 @@
           <a:p>
             <a:fld id="{8B73B576-4618-475D-9FCB-4FE0D483ACFE}" type="slidenum">
               <a:rPr lang="en-US" smtClean="0"/>
-              <a:t>5</a:t>
+              <a:t>6</a:t>
             </a:fld>
             <a:endParaRPr lang="en-US"/>
           </a:p>
@@ -6939,237 +7372,6 @@
 </p:sld>
 </file>
 
-<file path=ppt/slides/slide6.xml><?xml version="1.0" encoding="utf-8"?>
-<p:sld xmlns:a="http://schemas.openxmlformats.org/drawingml/2006/main" xmlns:r="http://schemas.openxmlformats.org/officeDocument/2006/relationships" xmlns:p="http://schemas.openxmlformats.org/presentationml/2006/main">
-  <p:cSld>
-    <p:spTree>
-      <p:nvGrpSpPr>
-        <p:cNvPr id="1" name=""/>
-        <p:cNvGrpSpPr/>
-        <p:nvPr/>
-      </p:nvGrpSpPr>
-      <p:grpSpPr>
-        <a:xfrm>
-          <a:off x="0" y="0"/>
-          <a:ext cx="0" cy="0"/>
-          <a:chOff x="0" y="0"/>
-          <a:chExt cx="0" cy="0"/>
-        </a:xfrm>
-      </p:grpSpPr>
-      <p:sp>
-        <p:nvSpPr>
-          <p:cNvPr id="2" name="Title 1"/>
-          <p:cNvSpPr>
-            <a:spLocks noGrp="1"/>
-          </p:cNvSpPr>
-          <p:nvPr>
-            <p:ph type="title"/>
-          </p:nvPr>
-        </p:nvSpPr>
-        <p:spPr/>
-        <p:txBody>
-          <a:bodyPr/>
-          <a:lstStyle/>
-          <a:p>
-            <a:r>
-              <a:rPr lang="en-US" dirty="0" smtClean="0"/>
-              <a:t>Quizzes</a:t>
-            </a:r>
-            <a:endParaRPr lang="en-US" dirty="0"/>
-          </a:p>
-        </p:txBody>
-      </p:sp>
-      <p:sp>
-        <p:nvSpPr>
-          <p:cNvPr id="3" name="Content Placeholder 2"/>
-          <p:cNvSpPr>
-            <a:spLocks noGrp="1"/>
-          </p:cNvSpPr>
-          <p:nvPr>
-            <p:ph idx="1"/>
-          </p:nvPr>
-        </p:nvSpPr>
-        <p:spPr/>
-        <p:txBody>
-          <a:bodyPr>
-            <a:normAutofit lnSpcReduction="10000"/>
-          </a:bodyPr>
-          <a:lstStyle/>
-          <a:p>
-            <a:r>
-              <a:rPr lang="en-US" dirty="0" smtClean="0"/>
-              <a:t>Format</a:t>
-            </a:r>
-          </a:p>
-          <a:p>
-            <a:pPr lvl="1"/>
-            <a:r>
-              <a:rPr lang="en-US" dirty="0" smtClean="0"/>
-              <a:t>True/False questions</a:t>
-            </a:r>
-          </a:p>
-          <a:p>
-            <a:pPr lvl="1"/>
-            <a:r>
-              <a:rPr lang="en-US" dirty="0" smtClean="0"/>
-              <a:t>Multiple choice questions</a:t>
-            </a:r>
-          </a:p>
-          <a:p>
-            <a:pPr lvl="1"/>
-            <a:r>
-              <a:rPr lang="en-US" dirty="0" smtClean="0"/>
-              <a:t>Short answer questions</a:t>
-            </a:r>
-          </a:p>
-          <a:p>
-            <a:r>
-              <a:rPr lang="en-US" dirty="0" smtClean="0"/>
-              <a:t>Schedule</a:t>
-            </a:r>
-          </a:p>
-          <a:p>
-            <a:pPr lvl="1"/>
-            <a:r>
-              <a:rPr lang="en-US" dirty="0" smtClean="0"/>
-              <a:t>After each major lecture topic</a:t>
-            </a:r>
-          </a:p>
-          <a:p>
-            <a:pPr lvl="1"/>
-            <a:r>
-              <a:rPr lang="en-US" dirty="0" smtClean="0"/>
-              <a:t>Will be informed one week before the quiz</a:t>
-            </a:r>
-          </a:p>
-          <a:p>
-            <a:r>
-              <a:rPr lang="en-US" u="sng" dirty="0" smtClean="0"/>
-              <a:t>Closed</a:t>
-            </a:r>
-            <a:r>
-              <a:rPr lang="en-US" dirty="0" smtClean="0"/>
-              <a:t> </a:t>
-            </a:r>
-            <a:r>
-              <a:rPr lang="en-US" dirty="0"/>
-              <a:t>book and </a:t>
-            </a:r>
-            <a:r>
-              <a:rPr lang="en-US" u="sng" dirty="0"/>
-              <a:t>closed</a:t>
-            </a:r>
-            <a:r>
-              <a:rPr lang="en-US" dirty="0"/>
-              <a:t> </a:t>
-            </a:r>
-            <a:r>
-              <a:rPr lang="en-US" dirty="0" smtClean="0"/>
-              <a:t>notes</a:t>
-            </a:r>
-          </a:p>
-          <a:p>
-            <a:pPr lvl="1"/>
-            <a:r>
-              <a:rPr lang="en-US" dirty="0" smtClean="0"/>
-              <a:t>No </a:t>
-            </a:r>
-            <a:r>
-              <a:rPr lang="en-US" dirty="0"/>
-              <a:t>electronic aids or cheat sheets</a:t>
-            </a:r>
-          </a:p>
-        </p:txBody>
-      </p:sp>
-      <p:sp>
-        <p:nvSpPr>
-          <p:cNvPr id="4" name="Date Placeholder 3"/>
-          <p:cNvSpPr>
-            <a:spLocks noGrp="1"/>
-          </p:cNvSpPr>
-          <p:nvPr>
-            <p:ph type="dt" sz="half" idx="10"/>
-          </p:nvPr>
-        </p:nvSpPr>
-        <p:spPr/>
-        <p:txBody>
-          <a:bodyPr/>
-          <a:lstStyle/>
-          <a:p>
-            <a:r>
-              <a:rPr lang="en-US" smtClean="0"/>
-              <a:t>CS@UVa</a:t>
-            </a:r>
-            <a:endParaRPr lang="en-US"/>
-          </a:p>
-        </p:txBody>
-      </p:sp>
-      <p:sp>
-        <p:nvSpPr>
-          <p:cNvPr id="5" name="Footer Placeholder 4"/>
-          <p:cNvSpPr>
-            <a:spLocks noGrp="1"/>
-          </p:cNvSpPr>
-          <p:nvPr>
-            <p:ph type="ftr" sz="quarter" idx="11"/>
-          </p:nvPr>
-        </p:nvSpPr>
-        <p:spPr/>
-        <p:txBody>
-          <a:bodyPr/>
-          <a:lstStyle/>
-          <a:p>
-            <a:r>
-              <a:rPr lang="en-US" smtClean="0"/>
-              <a:t>CS6501: Text Mining</a:t>
-            </a:r>
-            <a:endParaRPr lang="en-US"/>
-          </a:p>
-        </p:txBody>
-      </p:sp>
-      <p:sp>
-        <p:nvSpPr>
-          <p:cNvPr id="6" name="Slide Number Placeholder 5"/>
-          <p:cNvSpPr>
-            <a:spLocks noGrp="1"/>
-          </p:cNvSpPr>
-          <p:nvPr>
-            <p:ph type="sldNum" sz="quarter" idx="12"/>
-          </p:nvPr>
-        </p:nvSpPr>
-        <p:spPr/>
-        <p:txBody>
-          <a:bodyPr/>
-          <a:lstStyle/>
-          <a:p>
-            <a:fld id="{8B73B576-4618-475D-9FCB-4FE0D483ACFE}" type="slidenum">
-              <a:rPr lang="en-US" smtClean="0"/>
-              <a:t>6</a:t>
-            </a:fld>
-            <a:endParaRPr lang="en-US"/>
-          </a:p>
-        </p:txBody>
-      </p:sp>
-    </p:spTree>
-    <p:extLst>
-      <p:ext uri="{BB962C8B-B14F-4D97-AF65-F5344CB8AC3E}">
-        <p14:creationId xmlns:p14="http://schemas.microsoft.com/office/powerpoint/2010/main" val="3487711243"/>
-      </p:ext>
-    </p:extLst>
-  </p:cSld>
-  <p:clrMapOvr>
-    <a:masterClrMapping/>
-  </p:clrMapOvr>
-  <p:timing>
-    <p:tnLst>
-      <p:par>
-        <p:cTn id="1" dur="indefinite" restart="never" nodeType="tmRoot"/>
-      </p:par>
-    </p:tnLst>
-  </p:timing>
-</p:sld>
-</file>
-
 <file path=ppt/slides/slide7.xml><?xml version="1.0" encoding="utf-8"?>
 <p:sld xmlns:a="http://schemas.openxmlformats.org/drawingml/2006/main" xmlns:r="http://schemas.openxmlformats.org/officeDocument/2006/relationships" xmlns:p="http://schemas.openxmlformats.org/presentationml/2006/main">
   <p:cSld>
@@ -7204,7 +7406,7 @@
           <a:p>
             <a:r>
               <a:rPr lang="en-US" dirty="0" smtClean="0"/>
-              <a:t>Paper presentation</a:t>
+              <a:t>Quizzes</a:t>
             </a:r>
             <a:endParaRPr lang="en-US" dirty="0"/>
           </a:p>
@@ -7223,76 +7425,98 @@
         <p:spPr/>
         <p:txBody>
           <a:bodyPr>
-            <a:normAutofit fontScale="92500"/>
+            <a:normAutofit lnSpcReduction="10000"/>
           </a:bodyPr>
           <a:lstStyle/>
           <a:p>
             <a:r>
               <a:rPr lang="en-US" dirty="0" smtClean="0"/>
-              <a:t>Let students present the state-of-the-art  research related to text mining</a:t>
+              <a:t>Format</a:t>
             </a:r>
           </a:p>
           <a:p>
             <a:pPr lvl="1"/>
             <a:r>
+              <a:rPr lang="en-US" dirty="0" smtClean="0"/>
+              <a:t>True/False questions</a:t>
+            </a:r>
+          </a:p>
+          <a:p>
+            <a:pPr lvl="1"/>
+            <a:r>
+              <a:rPr lang="en-US" dirty="0" smtClean="0"/>
+              <a:t>Multiple choice questions</a:t>
+            </a:r>
+          </a:p>
+          <a:p>
+            <a:pPr lvl="1"/>
+            <a:r>
+              <a:rPr lang="en-US" dirty="0" smtClean="0"/>
+              <a:t>Short answer questions</a:t>
+            </a:r>
+          </a:p>
+          <a:p>
+            <a:r>
+              <a:rPr lang="en-US" dirty="0" smtClean="0"/>
+              <a:t>Schedule</a:t>
+            </a:r>
+          </a:p>
+          <a:p>
+            <a:pPr lvl="1"/>
+            <a:r>
+              <a:rPr lang="en-US" dirty="0" smtClean="0"/>
+              <a:t>After each major lecture topic</a:t>
+            </a:r>
+          </a:p>
+          <a:p>
+            <a:pPr lvl="1"/>
+            <a:r>
+              <a:rPr lang="en-US" dirty="0" smtClean="0"/>
+              <a:t>Will be informed one week before the quiz</a:t>
+            </a:r>
+          </a:p>
+          <a:p>
+            <a:r>
+              <a:rPr lang="en-US" u="sng" dirty="0" smtClean="0"/>
+              <a:t>Closed</a:t>
+            </a:r>
+            <a:r>
+              <a:rPr lang="en-US" dirty="0" smtClean="0"/>
+              <a:t> </a:t>
+            </a:r>
+            <a:r>
               <a:rPr lang="en-US" dirty="0"/>
-              <a:t>Choosing from recommended </a:t>
-            </a:r>
-            <a:r>
-              <a:rPr lang="en-US" dirty="0" smtClean="0"/>
-              <a:t>readings, or your favorite paper outside the list</a:t>
+              <a:t>book and </a:t>
+            </a:r>
+            <a:r>
+              <a:rPr lang="en-US" u="sng" dirty="0"/>
+              <a:t>closed</a:t>
+            </a:r>
+            <a:r>
+              <a:rPr lang="en-US" dirty="0"/>
+              <a:t> </a:t>
+            </a:r>
+            <a:r>
+              <a:rPr lang="en-US" dirty="0" smtClean="0"/>
+              <a:t>notes</a:t>
             </a:r>
           </a:p>
           <a:p>
             <a:pPr lvl="1"/>
             <a:r>
               <a:rPr lang="en-US" dirty="0" smtClean="0"/>
-              <a:t>Should be related to your course project</a:t>
-            </a:r>
-          </a:p>
-          <a:p>
-            <a:pPr lvl="1"/>
-            <a:r>
-              <a:rPr lang="en-US" dirty="0" smtClean="0"/>
-              <a:t>15-mins presentation including 2-mins Q&amp;A</a:t>
-            </a:r>
-            <a:endParaRPr lang="en-US" dirty="0"/>
-          </a:p>
-          <a:p>
-            <a:pPr lvl="1"/>
-            <a:r>
-              <a:rPr lang="en-US" dirty="0" smtClean="0"/>
-              <a:t>One paper per a </a:t>
-            </a:r>
-            <a:r>
-              <a:rPr lang="en-US" b="1" i="1" dirty="0" smtClean="0"/>
-              <a:t>group</a:t>
-            </a:r>
-            <a:r>
-              <a:rPr lang="en-US" dirty="0" smtClean="0"/>
-              <a:t> of students </a:t>
-            </a:r>
-          </a:p>
-          <a:p>
-            <a:pPr lvl="1"/>
-            <a:r>
-              <a:rPr lang="en-US" dirty="0" smtClean="0"/>
-              <a:t>Register your choice early, first come first serve</a:t>
-            </a:r>
-          </a:p>
-          <a:p>
-            <a:pPr lvl="1"/>
-            <a:r>
-              <a:rPr lang="en-US" dirty="0" smtClean="0"/>
-              <a:t>Will be graded by the instructor and other students </a:t>
-            </a:r>
-            <a:endParaRPr lang="en-US" dirty="0"/>
-          </a:p>
-        </p:txBody>
-      </p:sp>
-      <p:sp>
-        <p:nvSpPr>
-          <p:cNvPr id="6" name="Date Placeholder 5"/>
+              <a:t>No </a:t>
+            </a:r>
+            <a:r>
+              <a:rPr lang="en-US" dirty="0"/>
+              <a:t>electronic aids or cheat sheets</a:t>
+            </a:r>
+          </a:p>
+        </p:txBody>
+      </p:sp>
+      <p:sp>
+        <p:nvSpPr>
+          <p:cNvPr id="4" name="Date Placeholder 3"/>
           <p:cNvSpPr>
             <a:spLocks noGrp="1"/>
           </p:cNvSpPr>
@@ -7315,7 +7539,7 @@
       </p:sp>
       <p:sp>
         <p:nvSpPr>
-          <p:cNvPr id="7" name="Footer Placeholder 6"/>
+          <p:cNvPr id="5" name="Footer Placeholder 4"/>
           <p:cNvSpPr>
             <a:spLocks noGrp="1"/>
           </p:cNvSpPr>
@@ -7338,7 +7562,7 @@
       </p:sp>
       <p:sp>
         <p:nvSpPr>
-          <p:cNvPr id="8" name="Slide Number Placeholder 7"/>
+          <p:cNvPr id="6" name="Slide Number Placeholder 5"/>
           <p:cNvSpPr>
             <a:spLocks noGrp="1"/>
           </p:cNvSpPr>
@@ -7362,7 +7586,7 @@
     </p:spTree>
     <p:extLst>
       <p:ext uri="{BB962C8B-B14F-4D97-AF65-F5344CB8AC3E}">
-        <p14:creationId xmlns:p14="http://schemas.microsoft.com/office/powerpoint/2010/main" val="124379478"/>
+        <p14:creationId xmlns:p14="http://schemas.microsoft.com/office/powerpoint/2010/main" val="3487711243"/>
       </p:ext>
     </p:extLst>
   </p:cSld>
@@ -7413,7 +7637,7 @@
           <a:p>
             <a:r>
               <a:rPr lang="en-US" dirty="0" smtClean="0"/>
-              <a:t>Course project</a:t>
+              <a:t>Paper presentation</a:t>
             </a:r>
             <a:endParaRPr lang="en-US" dirty="0"/>
           </a:p>
@@ -7429,127 +7653,72 @@
             <p:ph idx="1"/>
           </p:nvPr>
         </p:nvSpPr>
-        <p:spPr>
-          <a:xfrm>
-            <a:off x="457200" y="1600200"/>
-            <a:ext cx="8229600" cy="4572000"/>
-          </a:xfrm>
-        </p:spPr>
+        <p:spPr/>
         <p:txBody>
           <a:bodyPr>
-            <a:normAutofit fontScale="92500" lnSpcReduction="20000"/>
+            <a:normAutofit fontScale="92500"/>
           </a:bodyPr>
           <a:lstStyle/>
           <a:p>
             <a:r>
               <a:rPr lang="en-US" dirty="0" smtClean="0"/>
-              <a:t>Appreciate research-oriented </a:t>
-            </a:r>
+              <a:t>Let students present the state-of-the-art  research related to text mining</a:t>
+            </a:r>
+          </a:p>
+          <a:p>
+            <a:pPr lvl="1"/>
             <a:r>
               <a:rPr lang="en-US" dirty="0"/>
-              <a:t>problems or </a:t>
-            </a:r>
-            <a:r>
-              <a:rPr lang="en-US" dirty="0" smtClean="0"/>
-              <a:t>“deliverables”</a:t>
+              <a:t>Choosing from recommended </a:t>
+            </a:r>
+            <a:r>
+              <a:rPr lang="en-US" dirty="0" smtClean="0"/>
+              <a:t>readings, or your favorite paper outside the list</a:t>
             </a:r>
           </a:p>
           <a:p>
             <a:pPr lvl="1"/>
             <a:r>
               <a:rPr lang="en-US" dirty="0" smtClean="0"/>
-              <a:t>Work in groups (</a:t>
-            </a:r>
-            <a:r>
-              <a:rPr lang="en-US" i="1" dirty="0" smtClean="0"/>
-              <a:t>required</a:t>
-            </a:r>
-            <a:r>
-              <a:rPr lang="en-US" dirty="0" smtClean="0"/>
-              <a:t>)</a:t>
-            </a:r>
-          </a:p>
-          <a:p>
-            <a:pPr lvl="2"/>
-            <a:r>
-              <a:rPr lang="en-US" dirty="0" smtClean="0"/>
-              <a:t>Up to 3 students</a:t>
+              <a:t>Should be related to your course project</a:t>
             </a:r>
           </a:p>
           <a:p>
             <a:pPr lvl="1"/>
             <a:r>
-              <a:rPr lang="en-US" dirty="0"/>
-              <a:t>Project </a:t>
-            </a:r>
-            <a:r>
-              <a:rPr lang="en-US" dirty="0" smtClean="0"/>
-              <a:t>proposal (20%)</a:t>
-            </a:r>
-          </a:p>
-          <a:p>
-            <a:pPr lvl="2"/>
-            <a:r>
-              <a:rPr lang="en-US" dirty="0" smtClean="0"/>
-              <a:t>Discuss your topic with peers or the instructor first</a:t>
-            </a:r>
-          </a:p>
-          <a:p>
-            <a:pPr lvl="2"/>
-            <a:r>
-              <a:rPr lang="en-US" dirty="0" smtClean="0"/>
-              <a:t>Written report</a:t>
-            </a:r>
+              <a:rPr lang="en-US" dirty="0" smtClean="0"/>
+              <a:t>15-mins presentation including 2-mins Q&amp;A</a:t>
+            </a:r>
+            <a:endParaRPr lang="en-US" dirty="0"/>
           </a:p>
           <a:p>
             <a:pPr lvl="1"/>
             <a:r>
-              <a:rPr lang="en-US" dirty="0"/>
-              <a:t>Project </a:t>
-            </a:r>
-            <a:r>
-              <a:rPr lang="en-US" dirty="0" smtClean="0"/>
-              <a:t>report (40%)</a:t>
-            </a:r>
-          </a:p>
-          <a:p>
-            <a:pPr lvl="2"/>
-            <a:r>
-              <a:rPr lang="en-US" dirty="0" smtClean="0"/>
-              <a:t>Due </a:t>
-            </a:r>
-            <a:r>
-              <a:rPr lang="en-US" b="1" dirty="0" smtClean="0"/>
-              <a:t>before</a:t>
-            </a:r>
-            <a:r>
-              <a:rPr lang="en-US" dirty="0" smtClean="0"/>
-              <a:t> the final presentation</a:t>
+              <a:rPr lang="en-US" dirty="0" smtClean="0"/>
+              <a:t>One paper per a </a:t>
+            </a:r>
+            <a:r>
+              <a:rPr lang="en-US" b="1" i="1" dirty="0" smtClean="0"/>
+              <a:t>group</a:t>
+            </a:r>
+            <a:r>
+              <a:rPr lang="en-US" dirty="0" smtClean="0"/>
+              <a:t> of students </a:t>
             </a:r>
           </a:p>
           <a:p>
             <a:pPr lvl="1"/>
             <a:r>
               <a:rPr lang="en-US" dirty="0" smtClean="0"/>
-              <a:t>Project presentation (40%)</a:t>
-            </a:r>
-          </a:p>
-          <a:p>
-            <a:pPr lvl="2"/>
-            <a:r>
-              <a:rPr lang="en-US" dirty="0" smtClean="0"/>
-              <a:t>15-mins in-class presentation</a:t>
-            </a:r>
-          </a:p>
-          <a:p>
-            <a:pPr lvl="2"/>
-            <a:r>
-              <a:rPr lang="en-US" dirty="0" smtClean="0"/>
-              <a:t>5-mins Q&amp;A</a:t>
+              <a:t>Register your choice early, first come first serve</a:t>
             </a:r>
           </a:p>
           <a:p>
             <a:pPr lvl="1"/>
+            <a:r>
+              <a:rPr lang="en-US" dirty="0" smtClean="0"/>
+              <a:t>Will be graded by the instructor and other students </a:t>
+            </a:r>
             <a:endParaRPr lang="en-US" dirty="0"/>
           </a:p>
         </p:txBody>
@@ -7626,7 +7795,7 @@
     </p:spTree>
     <p:extLst>
       <p:ext uri="{BB962C8B-B14F-4D97-AF65-F5344CB8AC3E}">
-        <p14:creationId xmlns:p14="http://schemas.microsoft.com/office/powerpoint/2010/main" val="1790905027"/>
+        <p14:creationId xmlns:p14="http://schemas.microsoft.com/office/powerpoint/2010/main" val="124379478"/>
       </p:ext>
     </p:extLst>
   </p:cSld>
@@ -7677,7 +7846,7 @@
           <a:p>
             <a:r>
               <a:rPr lang="en-US" dirty="0" smtClean="0"/>
-              <a:t>Deadlines</a:t>
+              <a:t>Course project</a:t>
             </a:r>
             <a:endParaRPr lang="en-US" dirty="0"/>
           </a:p>
@@ -7696,129 +7865,121 @@
         <p:spPr>
           <a:xfrm>
             <a:off x="457200" y="1600200"/>
-            <a:ext cx="8229600" cy="4756150"/>
+            <a:ext cx="8229600" cy="4572000"/>
           </a:xfrm>
         </p:spPr>
         <p:txBody>
           <a:bodyPr>
-            <a:normAutofit lnSpcReduction="10000"/>
+            <a:normAutofit fontScale="92500" lnSpcReduction="20000"/>
           </a:bodyPr>
           <a:lstStyle/>
           <a:p>
             <a:r>
               <a:rPr lang="en-US" dirty="0" smtClean="0"/>
-              <a:t>Machine problems</a:t>
+              <a:t>Appreciate research-oriented </a:t>
+            </a:r>
+            <a:r>
+              <a:rPr lang="en-US" dirty="0"/>
+              <a:t>problems or </a:t>
+            </a:r>
+            <a:r>
+              <a:rPr lang="en-US" dirty="0" smtClean="0"/>
+              <a:t>“deliverables”</a:t>
             </a:r>
           </a:p>
           <a:p>
             <a:pPr lvl="1"/>
             <a:r>
               <a:rPr lang="en-US" dirty="0" smtClean="0"/>
-              <a:t>Submit via Collab</a:t>
+              <a:t>Work in groups (</a:t>
+            </a:r>
+            <a:r>
+              <a:rPr lang="en-US" i="1" dirty="0" smtClean="0"/>
+              <a:t>required</a:t>
+            </a:r>
+            <a:r>
+              <a:rPr lang="en-US" dirty="0" smtClean="0"/>
+              <a:t>)</a:t>
+            </a:r>
+          </a:p>
+          <a:p>
+            <a:pPr lvl="2"/>
+            <a:r>
+              <a:rPr lang="en-US" dirty="0" smtClean="0"/>
+              <a:t>Up to 3 students</a:t>
             </a:r>
           </a:p>
           <a:p>
             <a:pPr lvl="1"/>
             <a:r>
-              <a:rPr lang="en-US" dirty="0" smtClean="0"/>
-              <a:t>Due in 7-days after posting</a:t>
-            </a:r>
-          </a:p>
-          <a:p>
-            <a:r>
-              <a:rPr lang="en-US" dirty="0" smtClean="0"/>
-              <a:t>Paper presentation</a:t>
+              <a:rPr lang="en-US" dirty="0"/>
+              <a:t>Project </a:t>
+            </a:r>
+            <a:r>
+              <a:rPr lang="en-US" dirty="0" smtClean="0"/>
+              <a:t>proposal (20%)</a:t>
+            </a:r>
+          </a:p>
+          <a:p>
+            <a:pPr lvl="2"/>
+            <a:r>
+              <a:rPr lang="en-US" dirty="0" smtClean="0"/>
+              <a:t>Discuss your topic with peers or the instructor first</a:t>
+            </a:r>
+          </a:p>
+          <a:p>
+            <a:pPr lvl="2"/>
+            <a:r>
+              <a:rPr lang="en-US" dirty="0" smtClean="0"/>
+              <a:t>Written report</a:t>
             </a:r>
           </a:p>
           <a:p>
             <a:pPr lvl="1"/>
             <a:r>
-              <a:rPr lang="en-US" dirty="0" smtClean="0"/>
-              <a:t>Sign </a:t>
-            </a:r>
-            <a:r>
               <a:rPr lang="en-US" dirty="0"/>
-              <a:t>up is due </a:t>
-            </a:r>
-            <a:r>
-              <a:rPr lang="en-US" dirty="0" smtClean="0"/>
-              <a:t>in </a:t>
-            </a:r>
-            <a:r>
-              <a:rPr lang="en-US" b="1" dirty="0"/>
-              <a:t>the end of </a:t>
+              <a:t>Project </a:t>
+            </a:r>
+            <a:r>
+              <a:rPr lang="en-US" dirty="0" smtClean="0"/>
+              <a:t>report (40%)</a:t>
+            </a:r>
+          </a:p>
+          <a:p>
+            <a:pPr lvl="2"/>
+            <a:r>
+              <a:rPr lang="en-US" dirty="0" smtClean="0"/>
+              <a:t>Due </a:t>
             </a:r>
             <a:r>
               <a:rPr lang="en-US" b="1" dirty="0" smtClean="0"/>
-              <a:t>4</a:t>
-            </a:r>
-            <a:r>
-              <a:rPr lang="en-US" b="1" baseline="30000" dirty="0" smtClean="0"/>
-              <a:t>th</a:t>
-            </a:r>
-            <a:r>
-              <a:rPr lang="en-US" b="1" dirty="0" smtClean="0"/>
-              <a:t> week</a:t>
+              <a:t>before</a:t>
+            </a:r>
+            <a:r>
+              <a:rPr lang="en-US" dirty="0" smtClean="0"/>
+              <a:t> the final presentation</a:t>
             </a:r>
           </a:p>
           <a:p>
             <a:pPr lvl="1"/>
             <a:r>
               <a:rPr lang="en-US" dirty="0" smtClean="0"/>
-              <a:t>Presentation starts on the </a:t>
-            </a:r>
-            <a:r>
-              <a:rPr lang="en-US" b="1" dirty="0" smtClean="0"/>
-              <a:t>6</a:t>
-            </a:r>
-            <a:r>
-              <a:rPr lang="en-US" b="1" baseline="30000" dirty="0" smtClean="0"/>
-              <a:t>th</a:t>
-            </a:r>
-            <a:r>
-              <a:rPr lang="en-US" b="1" dirty="0" smtClean="0"/>
-              <a:t> week</a:t>
-            </a:r>
-          </a:p>
-          <a:p>
-            <a:r>
-              <a:rPr lang="en-US" dirty="0" smtClean="0"/>
-              <a:t>Project</a:t>
-            </a:r>
-          </a:p>
-          <a:p>
-            <a:pPr lvl="1"/>
-            <a:r>
-              <a:rPr lang="en-US" dirty="0" smtClean="0"/>
-              <a:t>Proposal due in </a:t>
-            </a:r>
-            <a:r>
-              <a:rPr lang="en-US" b="1" dirty="0"/>
-              <a:t>the end of </a:t>
-            </a:r>
-            <a:r>
-              <a:rPr lang="en-US" b="1" dirty="0" smtClean="0"/>
-              <a:t>5</a:t>
-            </a:r>
-            <a:r>
-              <a:rPr lang="en-US" b="1" baseline="30000" dirty="0" smtClean="0"/>
-              <a:t>th</a:t>
-            </a:r>
-            <a:r>
-              <a:rPr lang="en-US" b="1" dirty="0" smtClean="0"/>
-              <a:t> week</a:t>
-            </a:r>
-          </a:p>
-          <a:p>
-            <a:pPr lvl="1"/>
-            <a:r>
-              <a:rPr lang="en-US" dirty="0" smtClean="0"/>
-              <a:t>Presentation in the last week of Spring semester</a:t>
-            </a:r>
-          </a:p>
-          <a:p>
-            <a:pPr lvl="1"/>
-            <a:endParaRPr lang="en-US" dirty="0" smtClean="0"/>
+              <a:t>Project presentation (40%)</a:t>
+            </a:r>
+          </a:p>
+          <a:p>
+            <a:pPr lvl="2"/>
+            <a:r>
+              <a:rPr lang="en-US" dirty="0" smtClean="0"/>
+              <a:t>15-mins in-class presentation</a:t>
+            </a:r>
+          </a:p>
+          <a:p>
+            <a:pPr lvl="2"/>
+            <a:r>
+              <a:rPr lang="en-US" dirty="0" smtClean="0"/>
+              <a:t>5-mins Q&amp;A</a:t>
+            </a:r>
           </a:p>
           <a:p>
             <a:pPr lvl="1"/>
@@ -7828,7 +7989,7 @@
       </p:sp>
       <p:sp>
         <p:nvSpPr>
-          <p:cNvPr id="4" name="Date Placeholder 3"/>
+          <p:cNvPr id="6" name="Date Placeholder 5"/>
           <p:cNvSpPr>
             <a:spLocks noGrp="1"/>
           </p:cNvSpPr>
@@ -7851,7 +8012,7 @@
       </p:sp>
       <p:sp>
         <p:nvSpPr>
-          <p:cNvPr id="5" name="Footer Placeholder 4"/>
+          <p:cNvPr id="7" name="Footer Placeholder 6"/>
           <p:cNvSpPr>
             <a:spLocks noGrp="1"/>
           </p:cNvSpPr>
@@ -7874,7 +8035,7 @@
       </p:sp>
       <p:sp>
         <p:nvSpPr>
-          <p:cNvPr id="6" name="Slide Number Placeholder 5"/>
+          <p:cNvPr id="8" name="Slide Number Placeholder 7"/>
           <p:cNvSpPr>
             <a:spLocks noGrp="1"/>
           </p:cNvSpPr>
@@ -7898,7 +8059,7 @@
     </p:spTree>
     <p:extLst>
       <p:ext uri="{BB962C8B-B14F-4D97-AF65-F5344CB8AC3E}">
-        <p14:creationId xmlns:p14="http://schemas.microsoft.com/office/powerpoint/2010/main" val="650771550"/>
+        <p14:creationId xmlns:p14="http://schemas.microsoft.com/office/powerpoint/2010/main" val="1790905027"/>
       </p:ext>
     </p:extLst>
   </p:cSld>
